--- a/present.pptx
+++ b/present.pptx
@@ -21,21 +21,23 @@
     <p:sldId id="266" r:id="rId16"/>
     <p:sldId id="267" r:id="rId17"/>
     <p:sldId id="268" r:id="rId18"/>
+    <p:sldId id="269" r:id="rId19"/>
+    <p:sldId id="270" r:id="rId20"/>
   </p:sldIdLst>
   <p:sldSz cy="5143500" cx="9144000"/>
   <p:notesSz cx="6858000" cy="9144000"/>
   <p:embeddedFontLst>
     <p:embeddedFont>
       <p:font typeface="PT Sans Narrow"/>
-      <p:regular r:id="rId19"/>
-      <p:bold r:id="rId20"/>
+      <p:regular r:id="rId21"/>
+      <p:bold r:id="rId22"/>
     </p:embeddedFont>
     <p:embeddedFont>
       <p:font typeface="Open Sans"/>
-      <p:regular r:id="rId21"/>
-      <p:bold r:id="rId22"/>
-      <p:italic r:id="rId23"/>
-      <p:boldItalic r:id="rId24"/>
+      <p:regular r:id="rId23"/>
+      <p:bold r:id="rId24"/>
+      <p:italic r:id="rId25"/>
+      <p:boldItalic r:id="rId26"/>
     </p:embeddedFont>
   </p:embeddedFontLst>
   <p:defaultTextStyle>
@@ -969,7 +971,7 @@
   <p:cSld>
     <p:spTree>
       <p:nvGrpSpPr>
-        <p:cNvPr id="132" name="Shape 132"/>
+        <p:cNvPr id="137" name="Shape 137"/>
         <p:cNvGrpSpPr/>
         <p:nvPr/>
       </p:nvGrpSpPr>
@@ -983,7 +985,7 @@
       </p:grpSpPr>
       <p:sp>
         <p:nvSpPr>
-          <p:cNvPr id="133" name="Google Shape;133;p10:notes"/>
+          <p:cNvPr id="138" name="Google Shape;138;p8:notes"/>
           <p:cNvSpPr/>
           <p:nvPr>
             <p:ph idx="2" type="sldImg"/>
@@ -1028,7 +1030,7 @@
       </p:sp>
       <p:sp>
         <p:nvSpPr>
-          <p:cNvPr id="134" name="Google Shape;134;p10:notes"/>
+          <p:cNvPr id="139" name="Google Shape;139;p8:notes"/>
           <p:cNvSpPr txBox="1"/>
           <p:nvPr>
             <p:ph idx="1" type="body"/>
@@ -1086,7 +1088,7 @@
   <p:cSld>
     <p:spTree>
       <p:nvGrpSpPr>
-        <p:cNvPr id="139" name="Shape 139"/>
+        <p:cNvPr id="144" name="Shape 144"/>
         <p:cNvGrpSpPr/>
         <p:nvPr/>
       </p:nvGrpSpPr>
@@ -1100,7 +1102,7 @@
       </p:grpSpPr>
       <p:sp>
         <p:nvSpPr>
-          <p:cNvPr id="140" name="Google Shape;140;p11:notes"/>
+          <p:cNvPr id="145" name="Google Shape;145;p9:notes"/>
           <p:cNvSpPr/>
           <p:nvPr>
             <p:ph idx="2" type="sldImg"/>
@@ -1145,7 +1147,7 @@
       </p:sp>
       <p:sp>
         <p:nvSpPr>
-          <p:cNvPr id="141" name="Google Shape;141;p11:notes"/>
+          <p:cNvPr id="146" name="Google Shape;146;p9:notes"/>
           <p:cNvSpPr txBox="1"/>
           <p:nvPr>
             <p:ph idx="1" type="body"/>
@@ -1203,7 +1205,7 @@
   <p:cSld>
     <p:spTree>
       <p:nvGrpSpPr>
-        <p:cNvPr id="145" name="Shape 145"/>
+        <p:cNvPr id="151" name="Shape 151"/>
         <p:cNvGrpSpPr/>
         <p:nvPr/>
       </p:nvGrpSpPr>
@@ -1217,7 +1219,7 @@
       </p:grpSpPr>
       <p:sp>
         <p:nvSpPr>
-          <p:cNvPr id="146" name="Google Shape;146;p12:notes"/>
+          <p:cNvPr id="152" name="Google Shape;152;p10:notes"/>
           <p:cNvSpPr/>
           <p:nvPr>
             <p:ph idx="2" type="sldImg"/>
@@ -1262,7 +1264,7 @@
       </p:sp>
       <p:sp>
         <p:nvSpPr>
-          <p:cNvPr id="147" name="Google Shape;147;p12:notes"/>
+          <p:cNvPr id="153" name="Google Shape;153;p10:notes"/>
           <p:cNvSpPr txBox="1"/>
           <p:nvPr>
             <p:ph idx="1" type="body"/>
@@ -1320,7 +1322,7 @@
   <p:cSld>
     <p:spTree>
       <p:nvGrpSpPr>
-        <p:cNvPr id="152" name="Shape 152"/>
+        <p:cNvPr id="158" name="Shape 158"/>
         <p:cNvGrpSpPr/>
         <p:nvPr/>
       </p:nvGrpSpPr>
@@ -1334,7 +1336,7 @@
       </p:grpSpPr>
       <p:sp>
         <p:nvSpPr>
-          <p:cNvPr id="153" name="Google Shape;153;p13:notes"/>
+          <p:cNvPr id="159" name="Google Shape;159;p11:notes"/>
           <p:cNvSpPr/>
           <p:nvPr>
             <p:ph idx="2" type="sldImg"/>
@@ -1379,7 +1381,241 @@
       </p:sp>
       <p:sp>
         <p:nvSpPr>
-          <p:cNvPr id="154" name="Google Shape;154;p13:notes"/>
+          <p:cNvPr id="160" name="Google Shape;160;p11:notes"/>
+          <p:cNvSpPr txBox="1"/>
+          <p:nvPr>
+            <p:ph idx="1" type="body"/>
+          </p:nvPr>
+        </p:nvSpPr>
+        <p:spPr>
+          <a:xfrm>
+            <a:off x="685800" y="4343400"/>
+            <a:ext cx="5486400" cy="4114800"/>
+          </a:xfrm>
+          <a:prstGeom prst="rect">
+            <a:avLst/>
+          </a:prstGeom>
+          <a:noFill/>
+          <a:ln>
+            <a:noFill/>
+          </a:ln>
+        </p:spPr>
+        <p:txBody>
+          <a:bodyPr anchorCtr="0" anchor="t" bIns="91425" lIns="91425" spcFirstLastPara="1" rIns="91425" wrap="square" tIns="91425">
+            <a:noAutofit/>
+          </a:bodyPr>
+          <a:lstStyle/>
+          <a:p>
+            <a:pPr indent="0" lvl="0" marL="0" rtl="0" algn="l">
+              <a:lnSpc>
+                <a:spcPct val="100000"/>
+              </a:lnSpc>
+              <a:spcBef>
+                <a:spcPts val="0"/>
+              </a:spcBef>
+              <a:spcAft>
+                <a:spcPts val="0"/>
+              </a:spcAft>
+              <a:buSzPts val="1100"/>
+              <a:buNone/>
+            </a:pPr>
+            <a:r>
+              <a:t/>
+            </a:r>
+            <a:endParaRPr/>
+          </a:p>
+        </p:txBody>
+      </p:sp>
+    </p:spTree>
+  </p:cSld>
+  <p:clrMapOvr>
+    <a:masterClrMapping/>
+  </p:clrMapOvr>
+</p:notes>
+</file>
+
+<file path=ppt/notesSlides/notesSlide14.xml><?xml version="1.0" encoding="utf-8"?>
+<p:notes xmlns:a="http://schemas.openxmlformats.org/drawingml/2006/main" xmlns:r="http://schemas.openxmlformats.org/officeDocument/2006/relationships" xmlns:mc="http://schemas.openxmlformats.org/markup-compatibility/2006" xmlns:mv="urn:schemas-microsoft-com:mac:vml" xmlns:p="http://schemas.openxmlformats.org/presentationml/2006/main" xmlns:c="http://schemas.openxmlformats.org/drawingml/2006/chart" xmlns:dgm="http://schemas.openxmlformats.org/drawingml/2006/diagram" xmlns:o="urn:schemas-microsoft-com:office:office" xmlns:v="urn:schemas-microsoft-com:vml" xmlns:pvml="urn:schemas-microsoft-com:office:powerpoint" xmlns:com="http://schemas.openxmlformats.org/drawingml/2006/compatibility" xmlns:p14="http://schemas.microsoft.com/office/powerpoint/2010/main" xmlns:p15="http://schemas.microsoft.com/office/powerpoint/2012/main" xmlns:ahyp="http://schemas.microsoft.com/office/drawing/2018/hyperlinkcolor" showMasterPhAnim="0" showMasterSp="0">
+  <p:cSld>
+    <p:spTree>
+      <p:nvGrpSpPr>
+        <p:cNvPr id="164" name="Shape 164"/>
+        <p:cNvGrpSpPr/>
+        <p:nvPr/>
+      </p:nvGrpSpPr>
+      <p:grpSpPr>
+        <a:xfrm>
+          <a:off x="0" y="0"/>
+          <a:ext cx="0" cy="0"/>
+          <a:chOff x="0" y="0"/>
+          <a:chExt cx="0" cy="0"/>
+        </a:xfrm>
+      </p:grpSpPr>
+      <p:sp>
+        <p:nvSpPr>
+          <p:cNvPr id="165" name="Google Shape;165;p12:notes"/>
+          <p:cNvSpPr/>
+          <p:nvPr>
+            <p:ph idx="2" type="sldImg"/>
+          </p:nvPr>
+        </p:nvSpPr>
+        <p:spPr>
+          <a:xfrm>
+            <a:off x="381300" y="685800"/>
+            <a:ext cx="6096000" cy="3429000"/>
+          </a:xfrm>
+          <a:custGeom>
+            <a:rect b="b" l="l" r="r" t="t"/>
+            <a:pathLst>
+              <a:path extrusionOk="0" h="120000" w="120000">
+                <a:moveTo>
+                  <a:pt x="0" y="0"/>
+                </a:moveTo>
+                <a:lnTo>
+                  <a:pt x="120000" y="0"/>
+                </a:lnTo>
+                <a:lnTo>
+                  <a:pt x="120000" y="120000"/>
+                </a:lnTo>
+                <a:lnTo>
+                  <a:pt x="0" y="120000"/>
+                </a:lnTo>
+                <a:close/>
+              </a:path>
+            </a:pathLst>
+          </a:custGeom>
+          <a:noFill/>
+          <a:ln cap="flat" cmpd="sng" w="9525">
+            <a:solidFill>
+              <a:srgbClr val="000000"/>
+            </a:solidFill>
+            <a:prstDash val="solid"/>
+            <a:round/>
+            <a:headEnd len="sm" w="sm" type="none"/>
+            <a:tailEnd len="sm" w="sm" type="none"/>
+          </a:ln>
+        </p:spPr>
+      </p:sp>
+      <p:sp>
+        <p:nvSpPr>
+          <p:cNvPr id="166" name="Google Shape;166;p12:notes"/>
+          <p:cNvSpPr txBox="1"/>
+          <p:nvPr>
+            <p:ph idx="1" type="body"/>
+          </p:nvPr>
+        </p:nvSpPr>
+        <p:spPr>
+          <a:xfrm>
+            <a:off x="685800" y="4343400"/>
+            <a:ext cx="5486400" cy="4114800"/>
+          </a:xfrm>
+          <a:prstGeom prst="rect">
+            <a:avLst/>
+          </a:prstGeom>
+          <a:noFill/>
+          <a:ln>
+            <a:noFill/>
+          </a:ln>
+        </p:spPr>
+        <p:txBody>
+          <a:bodyPr anchorCtr="0" anchor="t" bIns="91425" lIns="91425" spcFirstLastPara="1" rIns="91425" wrap="square" tIns="91425">
+            <a:noAutofit/>
+          </a:bodyPr>
+          <a:lstStyle/>
+          <a:p>
+            <a:pPr indent="0" lvl="0" marL="0" rtl="0" algn="l">
+              <a:lnSpc>
+                <a:spcPct val="100000"/>
+              </a:lnSpc>
+              <a:spcBef>
+                <a:spcPts val="0"/>
+              </a:spcBef>
+              <a:spcAft>
+                <a:spcPts val="0"/>
+              </a:spcAft>
+              <a:buSzPts val="1100"/>
+              <a:buNone/>
+            </a:pPr>
+            <a:r>
+              <a:t/>
+            </a:r>
+            <a:endParaRPr/>
+          </a:p>
+        </p:txBody>
+      </p:sp>
+    </p:spTree>
+  </p:cSld>
+  <p:clrMapOvr>
+    <a:masterClrMapping/>
+  </p:clrMapOvr>
+</p:notes>
+</file>
+
+<file path=ppt/notesSlides/notesSlide15.xml><?xml version="1.0" encoding="utf-8"?>
+<p:notes xmlns:a="http://schemas.openxmlformats.org/drawingml/2006/main" xmlns:r="http://schemas.openxmlformats.org/officeDocument/2006/relationships" xmlns:mc="http://schemas.openxmlformats.org/markup-compatibility/2006" xmlns:mv="urn:schemas-microsoft-com:mac:vml" xmlns:p="http://schemas.openxmlformats.org/presentationml/2006/main" xmlns:c="http://schemas.openxmlformats.org/drawingml/2006/chart" xmlns:dgm="http://schemas.openxmlformats.org/drawingml/2006/diagram" xmlns:o="urn:schemas-microsoft-com:office:office" xmlns:v="urn:schemas-microsoft-com:vml" xmlns:pvml="urn:schemas-microsoft-com:office:powerpoint" xmlns:com="http://schemas.openxmlformats.org/drawingml/2006/compatibility" xmlns:p14="http://schemas.microsoft.com/office/powerpoint/2010/main" xmlns:p15="http://schemas.microsoft.com/office/powerpoint/2012/main" xmlns:ahyp="http://schemas.microsoft.com/office/drawing/2018/hyperlinkcolor" showMasterPhAnim="0" showMasterSp="0">
+  <p:cSld>
+    <p:spTree>
+      <p:nvGrpSpPr>
+        <p:cNvPr id="171" name="Shape 171"/>
+        <p:cNvGrpSpPr/>
+        <p:nvPr/>
+      </p:nvGrpSpPr>
+      <p:grpSpPr>
+        <a:xfrm>
+          <a:off x="0" y="0"/>
+          <a:ext cx="0" cy="0"/>
+          <a:chOff x="0" y="0"/>
+          <a:chExt cx="0" cy="0"/>
+        </a:xfrm>
+      </p:grpSpPr>
+      <p:sp>
+        <p:nvSpPr>
+          <p:cNvPr id="172" name="Google Shape;172;p13:notes"/>
+          <p:cNvSpPr/>
+          <p:nvPr>
+            <p:ph idx="2" type="sldImg"/>
+          </p:nvPr>
+        </p:nvSpPr>
+        <p:spPr>
+          <a:xfrm>
+            <a:off x="381300" y="685800"/>
+            <a:ext cx="6096000" cy="3429000"/>
+          </a:xfrm>
+          <a:custGeom>
+            <a:rect b="b" l="l" r="r" t="t"/>
+            <a:pathLst>
+              <a:path extrusionOk="0" h="120000" w="120000">
+                <a:moveTo>
+                  <a:pt x="0" y="0"/>
+                </a:moveTo>
+                <a:lnTo>
+                  <a:pt x="120000" y="0"/>
+                </a:lnTo>
+                <a:lnTo>
+                  <a:pt x="120000" y="120000"/>
+                </a:lnTo>
+                <a:lnTo>
+                  <a:pt x="0" y="120000"/>
+                </a:lnTo>
+                <a:close/>
+              </a:path>
+            </a:pathLst>
+          </a:custGeom>
+          <a:noFill/>
+          <a:ln cap="flat" cmpd="sng" w="9525">
+            <a:solidFill>
+              <a:srgbClr val="000000"/>
+            </a:solidFill>
+            <a:prstDash val="solid"/>
+            <a:round/>
+            <a:headEnd len="sm" w="sm" type="none"/>
+            <a:tailEnd len="sm" w="sm" type="none"/>
+          </a:ln>
+        </p:spPr>
+      </p:sp>
+      <p:sp>
+        <p:nvSpPr>
+          <p:cNvPr id="173" name="Google Shape;173;p13:notes"/>
           <p:cNvSpPr txBox="1"/>
           <p:nvPr>
             <p:ph idx="1" type="body"/>
@@ -1554,7 +1790,7 @@
   <p:cSld>
     <p:spTree>
       <p:nvGrpSpPr>
-        <p:cNvPr id="82" name="Shape 82"/>
+        <p:cNvPr id="80" name="Shape 80"/>
         <p:cNvGrpSpPr/>
         <p:nvPr/>
       </p:nvGrpSpPr>
@@ -1568,7 +1804,7 @@
       </p:grpSpPr>
       <p:sp>
         <p:nvSpPr>
-          <p:cNvPr id="83" name="Google Shape;83;p3:notes"/>
+          <p:cNvPr id="81" name="Google Shape;81;g28ead46669a_0_0:notes"/>
           <p:cNvSpPr/>
           <p:nvPr>
             <p:ph idx="2" type="sldImg"/>
@@ -1613,7 +1849,7 @@
       </p:sp>
       <p:sp>
         <p:nvSpPr>
-          <p:cNvPr id="84" name="Google Shape;84;p3:notes"/>
+          <p:cNvPr id="82" name="Google Shape;82;g28ead46669a_0_0:notes"/>
           <p:cNvSpPr txBox="1"/>
           <p:nvPr>
             <p:ph idx="1" type="body"/>
@@ -1671,7 +1907,7 @@
   <p:cSld>
     <p:spTree>
       <p:nvGrpSpPr>
-        <p:cNvPr id="90" name="Shape 90"/>
+        <p:cNvPr id="94" name="Shape 94"/>
         <p:cNvGrpSpPr/>
         <p:nvPr/>
       </p:nvGrpSpPr>
@@ -1685,7 +1921,7 @@
       </p:grpSpPr>
       <p:sp>
         <p:nvSpPr>
-          <p:cNvPr id="91" name="Google Shape;91;p4:notes"/>
+          <p:cNvPr id="95" name="Google Shape;95;p3:notes"/>
           <p:cNvSpPr/>
           <p:nvPr>
             <p:ph idx="2" type="sldImg"/>
@@ -1730,7 +1966,7 @@
       </p:sp>
       <p:sp>
         <p:nvSpPr>
-          <p:cNvPr id="92" name="Google Shape;92;p4:notes"/>
+          <p:cNvPr id="96" name="Google Shape;96;p3:notes"/>
           <p:cNvSpPr txBox="1"/>
           <p:nvPr>
             <p:ph idx="1" type="body"/>
@@ -1788,7 +2024,7 @@
   <p:cSld>
     <p:spTree>
       <p:nvGrpSpPr>
-        <p:cNvPr id="99" name="Shape 99"/>
+        <p:cNvPr id="102" name="Shape 102"/>
         <p:cNvGrpSpPr/>
         <p:nvPr/>
       </p:nvGrpSpPr>
@@ -1802,7 +2038,7 @@
       </p:grpSpPr>
       <p:sp>
         <p:nvSpPr>
-          <p:cNvPr id="100" name="Google Shape;100;p5:notes"/>
+          <p:cNvPr id="103" name="Google Shape;103;p4:notes"/>
           <p:cNvSpPr/>
           <p:nvPr>
             <p:ph idx="2" type="sldImg"/>
@@ -1847,7 +2083,7 @@
       </p:sp>
       <p:sp>
         <p:nvSpPr>
-          <p:cNvPr id="101" name="Google Shape;101;p5:notes"/>
+          <p:cNvPr id="104" name="Google Shape;104;p4:notes"/>
           <p:cNvSpPr txBox="1"/>
           <p:nvPr>
             <p:ph idx="1" type="body"/>
@@ -1905,7 +2141,7 @@
   <p:cSld>
     <p:spTree>
       <p:nvGrpSpPr>
-        <p:cNvPr id="105" name="Shape 105"/>
+        <p:cNvPr id="111" name="Shape 111"/>
         <p:cNvGrpSpPr/>
         <p:nvPr/>
       </p:nvGrpSpPr>
@@ -1919,7 +2155,7 @@
       </p:grpSpPr>
       <p:sp>
         <p:nvSpPr>
-          <p:cNvPr id="106" name="Google Shape;106;p6:notes"/>
+          <p:cNvPr id="112" name="Google Shape;112;p5:notes"/>
           <p:cNvSpPr/>
           <p:nvPr>
             <p:ph idx="2" type="sldImg"/>
@@ -1964,7 +2200,7 @@
       </p:sp>
       <p:sp>
         <p:nvSpPr>
-          <p:cNvPr id="107" name="Google Shape;107;p6:notes"/>
+          <p:cNvPr id="113" name="Google Shape;113;p5:notes"/>
           <p:cNvSpPr txBox="1"/>
           <p:nvPr>
             <p:ph idx="1" type="body"/>
@@ -2022,7 +2258,7 @@
   <p:cSld>
     <p:spTree>
       <p:nvGrpSpPr>
-        <p:cNvPr id="111" name="Shape 111"/>
+        <p:cNvPr id="117" name="Shape 117"/>
         <p:cNvGrpSpPr/>
         <p:nvPr/>
       </p:nvGrpSpPr>
@@ -2036,7 +2272,7 @@
       </p:grpSpPr>
       <p:sp>
         <p:nvSpPr>
-          <p:cNvPr id="112" name="Google Shape;112;p7:notes"/>
+          <p:cNvPr id="118" name="Google Shape;118;p6:notes"/>
           <p:cNvSpPr/>
           <p:nvPr>
             <p:ph idx="2" type="sldImg"/>
@@ -2081,7 +2317,7 @@
       </p:sp>
       <p:sp>
         <p:nvSpPr>
-          <p:cNvPr id="113" name="Google Shape;113;p7:notes"/>
+          <p:cNvPr id="119" name="Google Shape;119;p6:notes"/>
           <p:cNvSpPr txBox="1"/>
           <p:nvPr>
             <p:ph idx="1" type="body"/>
@@ -2139,7 +2375,7 @@
   <p:cSld>
     <p:spTree>
       <p:nvGrpSpPr>
-        <p:cNvPr id="118" name="Shape 118"/>
+        <p:cNvPr id="124" name="Shape 124"/>
         <p:cNvGrpSpPr/>
         <p:nvPr/>
       </p:nvGrpSpPr>
@@ -2153,7 +2389,7 @@
       </p:grpSpPr>
       <p:sp>
         <p:nvSpPr>
-          <p:cNvPr id="119" name="Google Shape;119;p8:notes"/>
+          <p:cNvPr id="125" name="Google Shape;125;g28ead46669a_0_14:notes"/>
           <p:cNvSpPr/>
           <p:nvPr>
             <p:ph idx="2" type="sldImg"/>
@@ -2198,7 +2434,7 @@
       </p:sp>
       <p:sp>
         <p:nvSpPr>
-          <p:cNvPr id="120" name="Google Shape;120;p8:notes"/>
+          <p:cNvPr id="126" name="Google Shape;126;g28ead46669a_0_14:notes"/>
           <p:cNvSpPr txBox="1"/>
           <p:nvPr>
             <p:ph idx="1" type="body"/>
@@ -2256,7 +2492,7 @@
   <p:cSld>
     <p:spTree>
       <p:nvGrpSpPr>
-        <p:cNvPr id="125" name="Shape 125"/>
+        <p:cNvPr id="130" name="Shape 130"/>
         <p:cNvGrpSpPr/>
         <p:nvPr/>
       </p:nvGrpSpPr>
@@ -2270,7 +2506,7 @@
       </p:grpSpPr>
       <p:sp>
         <p:nvSpPr>
-          <p:cNvPr id="126" name="Google Shape;126;p9:notes"/>
+          <p:cNvPr id="131" name="Google Shape;131;p7:notes"/>
           <p:cNvSpPr/>
           <p:nvPr>
             <p:ph idx="2" type="sldImg"/>
@@ -2315,7 +2551,7 @@
       </p:sp>
       <p:sp>
         <p:nvSpPr>
-          <p:cNvPr id="127" name="Google Shape;127;p9:notes"/>
+          <p:cNvPr id="132" name="Google Shape;132;p7:notes"/>
           <p:cNvSpPr txBox="1"/>
           <p:nvPr>
             <p:ph idx="1" type="body"/>
@@ -10765,7 +11001,7 @@
   <p:cSld>
     <p:spTree>
       <p:nvGrpSpPr>
-        <p:cNvPr id="135" name="Shape 135"/>
+        <p:cNvPr id="140" name="Shape 140"/>
         <p:cNvGrpSpPr/>
         <p:nvPr/>
       </p:nvGrpSpPr>
@@ -10779,7 +11015,699 @@
       </p:grpSpPr>
       <p:sp>
         <p:nvSpPr>
-          <p:cNvPr id="136" name="Google Shape;136;p22"/>
+          <p:cNvPr id="141" name="Google Shape;141;p22"/>
+          <p:cNvSpPr txBox="1"/>
+          <p:nvPr>
+            <p:ph type="title"/>
+          </p:nvPr>
+        </p:nvSpPr>
+        <p:spPr>
+          <a:xfrm>
+            <a:off x="311700" y="159275"/>
+            <a:ext cx="6538800" cy="532500"/>
+          </a:xfrm>
+          <a:prstGeom prst="rect">
+            <a:avLst/>
+          </a:prstGeom>
+          <a:noFill/>
+          <a:ln>
+            <a:noFill/>
+          </a:ln>
+        </p:spPr>
+        <p:txBody>
+          <a:bodyPr anchorCtr="0" anchor="t" bIns="91425" lIns="91425" spcFirstLastPara="1" rIns="91425" wrap="square" tIns="91425">
+            <a:normAutofit/>
+          </a:bodyPr>
+          <a:lstStyle/>
+          <a:p>
+            <a:pPr indent="0" lvl="0" marL="0" rtl="0" algn="l">
+              <a:lnSpc>
+                <a:spcPct val="100000"/>
+              </a:lnSpc>
+              <a:spcBef>
+                <a:spcPts val="0"/>
+              </a:spcBef>
+              <a:spcAft>
+                <a:spcPts val="0"/>
+              </a:spcAft>
+              <a:buSzPts val="891"/>
+              <a:buNone/>
+            </a:pPr>
+            <a:r>
+              <a:rPr lang="en-GB" sz="2076"/>
+              <a:t>Model Building and Tuning: Logistic Regression (baseline model)</a:t>
+            </a:r>
+            <a:endParaRPr sz="2076"/>
+          </a:p>
+        </p:txBody>
+      </p:sp>
+      <p:pic>
+        <p:nvPicPr>
+          <p:cNvPr id="142" name="Google Shape;142;p22"/>
+          <p:cNvPicPr preferRelativeResize="0"/>
+          <p:nvPr/>
+        </p:nvPicPr>
+        <p:blipFill rotWithShape="1">
+          <a:blip r:embed="rId3">
+            <a:alphaModFix/>
+          </a:blip>
+          <a:srcRect b="0" l="2104" r="0" t="0"/>
+          <a:stretch/>
+        </p:blipFill>
+        <p:spPr>
+          <a:xfrm>
+            <a:off x="3865150" y="691775"/>
+            <a:ext cx="5278850" cy="4146925"/>
+          </a:xfrm>
+          <a:prstGeom prst="rect">
+            <a:avLst/>
+          </a:prstGeom>
+          <a:noFill/>
+          <a:ln>
+            <a:noFill/>
+          </a:ln>
+        </p:spPr>
+      </p:pic>
+      <p:sp>
+        <p:nvSpPr>
+          <p:cNvPr id="143" name="Google Shape;143;p22"/>
+          <p:cNvSpPr txBox="1"/>
+          <p:nvPr/>
+        </p:nvSpPr>
+        <p:spPr>
+          <a:xfrm>
+            <a:off x="0" y="1272138"/>
+            <a:ext cx="4331400" cy="2986200"/>
+          </a:xfrm>
+          <a:prstGeom prst="rect">
+            <a:avLst/>
+          </a:prstGeom>
+          <a:noFill/>
+          <a:ln>
+            <a:noFill/>
+          </a:ln>
+        </p:spPr>
+        <p:txBody>
+          <a:bodyPr anchorCtr="0" anchor="t" bIns="91425" lIns="91425" spcFirstLastPara="1" rIns="91425" wrap="square" tIns="91425">
+            <a:spAutoFit/>
+          </a:bodyPr>
+          <a:lstStyle/>
+          <a:p>
+            <a:pPr indent="0" lvl="0" marL="0" marR="0" rtl="0" algn="l">
+              <a:lnSpc>
+                <a:spcPct val="100000"/>
+              </a:lnSpc>
+              <a:spcBef>
+                <a:spcPts val="0"/>
+              </a:spcBef>
+              <a:spcAft>
+                <a:spcPts val="0"/>
+              </a:spcAft>
+              <a:buClr>
+                <a:srgbClr val="000000"/>
+              </a:buClr>
+              <a:buSzPts val="1300"/>
+              <a:buFont typeface="Arial"/>
+              <a:buNone/>
+            </a:pPr>
+            <a:r>
+              <a:rPr b="1" i="0" lang="en-GB" sz="1300" u="none" cap="none" strike="noStrike">
+                <a:solidFill>
+                  <a:schemeClr val="dk2"/>
+                </a:solidFill>
+                <a:latin typeface="Calibri"/>
+                <a:ea typeface="Calibri"/>
+                <a:cs typeface="Calibri"/>
+                <a:sym typeface="Calibri"/>
+              </a:rPr>
+              <a:t>Training Accuracy:</a:t>
+            </a:r>
+            <a:r>
+              <a:rPr b="0" i="0" lang="en-GB" sz="1300" u="none" cap="none" strike="noStrike">
+                <a:solidFill>
+                  <a:schemeClr val="dk2"/>
+                </a:solidFill>
+                <a:latin typeface="Calibri"/>
+                <a:ea typeface="Calibri"/>
+                <a:cs typeface="Calibri"/>
+                <a:sym typeface="Calibri"/>
+              </a:rPr>
+              <a:t> 71.47%</a:t>
+            </a:r>
+            <a:endParaRPr b="0" i="0" sz="1300" u="none" cap="none" strike="noStrike">
+              <a:solidFill>
+                <a:schemeClr val="dk2"/>
+              </a:solidFill>
+              <a:latin typeface="Calibri"/>
+              <a:ea typeface="Calibri"/>
+              <a:cs typeface="Calibri"/>
+              <a:sym typeface="Calibri"/>
+            </a:endParaRPr>
+          </a:p>
+          <a:p>
+            <a:pPr indent="0" lvl="0" marL="0" marR="0" rtl="0" algn="l">
+              <a:lnSpc>
+                <a:spcPct val="100000"/>
+              </a:lnSpc>
+              <a:spcBef>
+                <a:spcPts val="0"/>
+              </a:spcBef>
+              <a:spcAft>
+                <a:spcPts val="0"/>
+              </a:spcAft>
+              <a:buClr>
+                <a:srgbClr val="000000"/>
+              </a:buClr>
+              <a:buSzPts val="1300"/>
+              <a:buFont typeface="Arial"/>
+              <a:buNone/>
+            </a:pPr>
+            <a:r>
+              <a:rPr b="1" i="0" lang="en-GB" sz="1300" u="none" cap="none" strike="noStrike">
+                <a:solidFill>
+                  <a:schemeClr val="dk2"/>
+                </a:solidFill>
+                <a:latin typeface="Calibri"/>
+                <a:ea typeface="Calibri"/>
+                <a:cs typeface="Calibri"/>
+                <a:sym typeface="Calibri"/>
+              </a:rPr>
+              <a:t>Validation Accuracy:</a:t>
+            </a:r>
+            <a:r>
+              <a:rPr b="0" i="0" lang="en-GB" sz="1300" u="none" cap="none" strike="noStrike">
+                <a:solidFill>
+                  <a:schemeClr val="dk2"/>
+                </a:solidFill>
+                <a:latin typeface="Calibri"/>
+                <a:ea typeface="Calibri"/>
+                <a:cs typeface="Calibri"/>
+                <a:sym typeface="Calibri"/>
+              </a:rPr>
+              <a:t> 71.02% #best tradeoff</a:t>
+            </a:r>
+            <a:endParaRPr b="0" i="0" sz="1300" u="none" cap="none" strike="noStrike">
+              <a:solidFill>
+                <a:schemeClr val="dk2"/>
+              </a:solidFill>
+              <a:latin typeface="Calibri"/>
+              <a:ea typeface="Calibri"/>
+              <a:cs typeface="Calibri"/>
+              <a:sym typeface="Calibri"/>
+            </a:endParaRPr>
+          </a:p>
+          <a:p>
+            <a:pPr indent="0" lvl="0" marL="0" marR="0" rtl="0" algn="l">
+              <a:lnSpc>
+                <a:spcPct val="100000"/>
+              </a:lnSpc>
+              <a:spcBef>
+                <a:spcPts val="0"/>
+              </a:spcBef>
+              <a:spcAft>
+                <a:spcPts val="0"/>
+              </a:spcAft>
+              <a:buClr>
+                <a:srgbClr val="000000"/>
+              </a:buClr>
+              <a:buSzPts val="1300"/>
+              <a:buFont typeface="Arial"/>
+              <a:buNone/>
+            </a:pPr>
+            <a:r>
+              <a:t/>
+            </a:r>
+            <a:endParaRPr b="0" i="0" sz="1300" u="none" cap="none" strike="noStrike">
+              <a:solidFill>
+                <a:schemeClr val="dk2"/>
+              </a:solidFill>
+              <a:latin typeface="Calibri"/>
+              <a:ea typeface="Calibri"/>
+              <a:cs typeface="Calibri"/>
+              <a:sym typeface="Calibri"/>
+            </a:endParaRPr>
+          </a:p>
+          <a:p>
+            <a:pPr indent="0" lvl="0" marL="0" marR="0" rtl="0" algn="l">
+              <a:lnSpc>
+                <a:spcPct val="100000"/>
+              </a:lnSpc>
+              <a:spcBef>
+                <a:spcPts val="0"/>
+              </a:spcBef>
+              <a:spcAft>
+                <a:spcPts val="0"/>
+              </a:spcAft>
+              <a:buClr>
+                <a:srgbClr val="000000"/>
+              </a:buClr>
+              <a:buSzPts val="1300"/>
+              <a:buFont typeface="Arial"/>
+              <a:buNone/>
+            </a:pPr>
+            <a:r>
+              <a:rPr b="0" i="0" lang="en-GB" sz="1300" u="none" cap="none" strike="noStrike">
+                <a:solidFill>
+                  <a:schemeClr val="dk2"/>
+                </a:solidFill>
+                <a:latin typeface="Calibri"/>
+                <a:ea typeface="Calibri"/>
+                <a:cs typeface="Calibri"/>
+                <a:sym typeface="Calibri"/>
+              </a:rPr>
+              <a:t>Precision, Recall, F1-Score for each class:</a:t>
+            </a:r>
+            <a:endParaRPr b="0" i="0" sz="1300" u="none" cap="none" strike="noStrike">
+              <a:solidFill>
+                <a:schemeClr val="dk2"/>
+              </a:solidFill>
+              <a:latin typeface="Calibri"/>
+              <a:ea typeface="Calibri"/>
+              <a:cs typeface="Calibri"/>
+              <a:sym typeface="Calibri"/>
+            </a:endParaRPr>
+          </a:p>
+          <a:p>
+            <a:pPr indent="0" lvl="0" marL="0" marR="0" rtl="0" algn="l">
+              <a:lnSpc>
+                <a:spcPct val="100000"/>
+              </a:lnSpc>
+              <a:spcBef>
+                <a:spcPts val="0"/>
+              </a:spcBef>
+              <a:spcAft>
+                <a:spcPts val="0"/>
+              </a:spcAft>
+              <a:buClr>
+                <a:srgbClr val="000000"/>
+              </a:buClr>
+              <a:buSzPts val="1300"/>
+              <a:buFont typeface="Arial"/>
+              <a:buNone/>
+            </a:pPr>
+            <a:r>
+              <a:t/>
+            </a:r>
+            <a:endParaRPr b="0" i="0" sz="1300" u="none" cap="none" strike="noStrike">
+              <a:solidFill>
+                <a:schemeClr val="dk2"/>
+              </a:solidFill>
+              <a:latin typeface="Calibri"/>
+              <a:ea typeface="Calibri"/>
+              <a:cs typeface="Calibri"/>
+              <a:sym typeface="Calibri"/>
+            </a:endParaRPr>
+          </a:p>
+          <a:p>
+            <a:pPr indent="0" lvl="0" marL="0" marR="0" rtl="0" algn="l">
+              <a:lnSpc>
+                <a:spcPct val="100000"/>
+              </a:lnSpc>
+              <a:spcBef>
+                <a:spcPts val="0"/>
+              </a:spcBef>
+              <a:spcAft>
+                <a:spcPts val="0"/>
+              </a:spcAft>
+              <a:buClr>
+                <a:srgbClr val="000000"/>
+              </a:buClr>
+              <a:buSzPts val="1300"/>
+              <a:buFont typeface="Arial"/>
+              <a:buNone/>
+            </a:pPr>
+            <a:r>
+              <a:rPr b="1" i="0" lang="en-GB" sz="1300" u="none" cap="none" strike="noStrike">
+                <a:solidFill>
+                  <a:schemeClr val="dk2"/>
+                </a:solidFill>
+                <a:latin typeface="Calibri"/>
+                <a:ea typeface="Calibri"/>
+                <a:cs typeface="Calibri"/>
+                <a:sym typeface="Calibri"/>
+              </a:rPr>
+              <a:t>Good:</a:t>
+            </a:r>
+            <a:r>
+              <a:rPr b="0" i="0" lang="en-GB" sz="1300" u="none" cap="none" strike="noStrike">
+                <a:solidFill>
+                  <a:schemeClr val="dk2"/>
+                </a:solidFill>
+                <a:latin typeface="Calibri"/>
+                <a:ea typeface="Calibri"/>
+                <a:cs typeface="Calibri"/>
+                <a:sym typeface="Calibri"/>
+              </a:rPr>
+              <a:t> Precision - 70%, Recall - 86%, F1-Score - 77%</a:t>
+            </a:r>
+            <a:endParaRPr b="0" i="0" sz="1300" u="none" cap="none" strike="noStrike">
+              <a:solidFill>
+                <a:schemeClr val="dk2"/>
+              </a:solidFill>
+              <a:latin typeface="Calibri"/>
+              <a:ea typeface="Calibri"/>
+              <a:cs typeface="Calibri"/>
+              <a:sym typeface="Calibri"/>
+            </a:endParaRPr>
+          </a:p>
+          <a:p>
+            <a:pPr indent="0" lvl="0" marL="0" marR="0" rtl="0" algn="l">
+              <a:lnSpc>
+                <a:spcPct val="100000"/>
+              </a:lnSpc>
+              <a:spcBef>
+                <a:spcPts val="0"/>
+              </a:spcBef>
+              <a:spcAft>
+                <a:spcPts val="0"/>
+              </a:spcAft>
+              <a:buClr>
+                <a:srgbClr val="000000"/>
+              </a:buClr>
+              <a:buSzPts val="1300"/>
+              <a:buFont typeface="Arial"/>
+              <a:buNone/>
+            </a:pPr>
+            <a:r>
+              <a:rPr b="1" i="0" lang="en-GB" sz="1300" u="none" cap="none" strike="noStrike">
+                <a:solidFill>
+                  <a:schemeClr val="dk2"/>
+                </a:solidFill>
+                <a:latin typeface="Calibri"/>
+                <a:ea typeface="Calibri"/>
+                <a:cs typeface="Calibri"/>
+                <a:sym typeface="Calibri"/>
+              </a:rPr>
+              <a:t>Standard:</a:t>
+            </a:r>
+            <a:r>
+              <a:rPr b="0" i="0" lang="en-GB" sz="1300" u="none" cap="none" strike="noStrike">
+                <a:solidFill>
+                  <a:schemeClr val="dk2"/>
+                </a:solidFill>
+                <a:latin typeface="Calibri"/>
+                <a:ea typeface="Calibri"/>
+                <a:cs typeface="Calibri"/>
+                <a:sym typeface="Calibri"/>
+              </a:rPr>
+              <a:t> Precision - 74%, Recall - 68%, F1-Score - 71%</a:t>
+            </a:r>
+            <a:endParaRPr b="0" i="0" sz="1300" u="none" cap="none" strike="noStrike">
+              <a:solidFill>
+                <a:schemeClr val="dk2"/>
+              </a:solidFill>
+              <a:latin typeface="Calibri"/>
+              <a:ea typeface="Calibri"/>
+              <a:cs typeface="Calibri"/>
+              <a:sym typeface="Calibri"/>
+            </a:endParaRPr>
+          </a:p>
+          <a:p>
+            <a:pPr indent="0" lvl="0" marL="0" marR="0" rtl="0" algn="l">
+              <a:lnSpc>
+                <a:spcPct val="100000"/>
+              </a:lnSpc>
+              <a:spcBef>
+                <a:spcPts val="0"/>
+              </a:spcBef>
+              <a:spcAft>
+                <a:spcPts val="0"/>
+              </a:spcAft>
+              <a:buClr>
+                <a:srgbClr val="000000"/>
+              </a:buClr>
+              <a:buSzPts val="1300"/>
+              <a:buFont typeface="Arial"/>
+              <a:buNone/>
+            </a:pPr>
+            <a:r>
+              <a:rPr b="1" i="0" lang="en-GB" sz="1300" u="none" cap="none" strike="noStrike">
+                <a:solidFill>
+                  <a:schemeClr val="dk2"/>
+                </a:solidFill>
+                <a:latin typeface="Calibri"/>
+                <a:ea typeface="Calibri"/>
+                <a:cs typeface="Calibri"/>
+                <a:sym typeface="Calibri"/>
+              </a:rPr>
+              <a:t>Poor:</a:t>
+            </a:r>
+            <a:r>
+              <a:rPr b="0" i="0" lang="en-GB" sz="1300" u="none" cap="none" strike="noStrike">
+                <a:solidFill>
+                  <a:schemeClr val="dk2"/>
+                </a:solidFill>
+                <a:latin typeface="Calibri"/>
+                <a:ea typeface="Calibri"/>
+                <a:cs typeface="Calibri"/>
+                <a:sym typeface="Calibri"/>
+              </a:rPr>
+              <a:t> Precision - 69%, Recall - 59%, F1-Score - 64%</a:t>
+            </a:r>
+            <a:endParaRPr b="0" i="0" sz="1300" u="none" cap="none" strike="noStrike">
+              <a:solidFill>
+                <a:schemeClr val="dk2"/>
+              </a:solidFill>
+              <a:latin typeface="Calibri"/>
+              <a:ea typeface="Calibri"/>
+              <a:cs typeface="Calibri"/>
+              <a:sym typeface="Calibri"/>
+            </a:endParaRPr>
+          </a:p>
+          <a:p>
+            <a:pPr indent="0" lvl="0" marL="0" marR="0" rtl="0" algn="l">
+              <a:lnSpc>
+                <a:spcPct val="100000"/>
+              </a:lnSpc>
+              <a:spcBef>
+                <a:spcPts val="0"/>
+              </a:spcBef>
+              <a:spcAft>
+                <a:spcPts val="0"/>
+              </a:spcAft>
+              <a:buClr>
+                <a:srgbClr val="000000"/>
+              </a:buClr>
+              <a:buSzPts val="1300"/>
+              <a:buFont typeface="Arial"/>
+              <a:buNone/>
+            </a:pPr>
+            <a:r>
+              <a:t/>
+            </a:r>
+            <a:endParaRPr b="0" i="0" sz="1300" u="none" cap="none" strike="noStrike">
+              <a:solidFill>
+                <a:schemeClr val="dk2"/>
+              </a:solidFill>
+              <a:latin typeface="Calibri"/>
+              <a:ea typeface="Calibri"/>
+              <a:cs typeface="Calibri"/>
+              <a:sym typeface="Calibri"/>
+            </a:endParaRPr>
+          </a:p>
+          <a:p>
+            <a:pPr indent="457200" lvl="0" marL="0" marR="0" rtl="0" algn="l">
+              <a:lnSpc>
+                <a:spcPct val="100000"/>
+              </a:lnSpc>
+              <a:spcBef>
+                <a:spcPts val="0"/>
+              </a:spcBef>
+              <a:spcAft>
+                <a:spcPts val="0"/>
+              </a:spcAft>
+              <a:buClr>
+                <a:srgbClr val="000000"/>
+              </a:buClr>
+              <a:buSzPts val="1300"/>
+              <a:buFont typeface="Arial"/>
+              <a:buNone/>
+            </a:pPr>
+            <a:r>
+              <a:rPr b="0" i="0" lang="en-GB" sz="1300" u="none" cap="none" strike="noStrike">
+                <a:solidFill>
+                  <a:schemeClr val="dk2"/>
+                </a:solidFill>
+                <a:latin typeface="Calibri"/>
+                <a:ea typeface="Calibri"/>
+                <a:cs typeface="Calibri"/>
+                <a:sym typeface="Calibri"/>
+              </a:rPr>
+              <a:t>≈20s to train</a:t>
+            </a:r>
+            <a:endParaRPr b="0" i="0" sz="1300" u="none" cap="none" strike="noStrike">
+              <a:solidFill>
+                <a:schemeClr val="dk2"/>
+              </a:solidFill>
+              <a:latin typeface="Calibri"/>
+              <a:ea typeface="Calibri"/>
+              <a:cs typeface="Calibri"/>
+              <a:sym typeface="Calibri"/>
+            </a:endParaRPr>
+          </a:p>
+          <a:p>
+            <a:pPr indent="0" lvl="0" marL="0" marR="0" rtl="0" algn="l">
+              <a:lnSpc>
+                <a:spcPct val="100000"/>
+              </a:lnSpc>
+              <a:spcBef>
+                <a:spcPts val="0"/>
+              </a:spcBef>
+              <a:spcAft>
+                <a:spcPts val="0"/>
+              </a:spcAft>
+              <a:buClr>
+                <a:srgbClr val="000000"/>
+              </a:buClr>
+              <a:buSzPts val="1300"/>
+              <a:buFont typeface="Arial"/>
+              <a:buNone/>
+            </a:pPr>
+            <a:r>
+              <a:t/>
+            </a:r>
+            <a:endParaRPr b="0" i="0" sz="1300" u="none" cap="none" strike="noStrike">
+              <a:solidFill>
+                <a:schemeClr val="dk2"/>
+              </a:solidFill>
+              <a:latin typeface="Calibri"/>
+              <a:ea typeface="Calibri"/>
+              <a:cs typeface="Calibri"/>
+              <a:sym typeface="Calibri"/>
+            </a:endParaRPr>
+          </a:p>
+          <a:p>
+            <a:pPr indent="0" lvl="0" marL="0" marR="0" rtl="0" algn="l">
+              <a:lnSpc>
+                <a:spcPct val="100000"/>
+              </a:lnSpc>
+              <a:spcBef>
+                <a:spcPts val="0"/>
+              </a:spcBef>
+              <a:spcAft>
+                <a:spcPts val="0"/>
+              </a:spcAft>
+              <a:buClr>
+                <a:srgbClr val="000000"/>
+              </a:buClr>
+              <a:buSzPts val="1300"/>
+              <a:buFont typeface="Arial"/>
+              <a:buNone/>
+            </a:pPr>
+            <a:r>
+              <a:t/>
+            </a:r>
+            <a:endParaRPr b="0" i="0" sz="1300" u="none" cap="none" strike="noStrike">
+              <a:solidFill>
+                <a:schemeClr val="dk2"/>
+              </a:solidFill>
+              <a:latin typeface="Calibri"/>
+              <a:ea typeface="Calibri"/>
+              <a:cs typeface="Calibri"/>
+              <a:sym typeface="Calibri"/>
+            </a:endParaRPr>
+          </a:p>
+          <a:p>
+            <a:pPr indent="0" lvl="0" marL="0" marR="0" rtl="0" algn="l">
+              <a:lnSpc>
+                <a:spcPct val="100000"/>
+              </a:lnSpc>
+              <a:spcBef>
+                <a:spcPts val="0"/>
+              </a:spcBef>
+              <a:spcAft>
+                <a:spcPts val="0"/>
+              </a:spcAft>
+              <a:buClr>
+                <a:srgbClr val="000000"/>
+              </a:buClr>
+              <a:buSzPts val="1300"/>
+              <a:buFont typeface="Arial"/>
+              <a:buNone/>
+            </a:pPr>
+            <a:r>
+              <a:rPr b="0" i="0" lang="en-GB" sz="1300" u="none" cap="none" strike="noStrike">
+                <a:solidFill>
+                  <a:schemeClr val="dk2"/>
+                </a:solidFill>
+                <a:latin typeface="Calibri"/>
+                <a:ea typeface="Calibri"/>
+                <a:cs typeface="Calibri"/>
+                <a:sym typeface="Calibri"/>
+              </a:rPr>
+              <a:t>Note: No parameters, tuning and etc.</a:t>
+            </a:r>
+            <a:endParaRPr b="0" i="0" sz="1300" u="none" cap="none" strike="noStrike">
+              <a:solidFill>
+                <a:schemeClr val="dk2"/>
+              </a:solidFill>
+              <a:latin typeface="Calibri"/>
+              <a:ea typeface="Calibri"/>
+              <a:cs typeface="Calibri"/>
+              <a:sym typeface="Calibri"/>
+            </a:endParaRPr>
+          </a:p>
+          <a:p>
+            <a:pPr indent="0" lvl="0" marL="0" marR="0" rtl="0" algn="l">
+              <a:lnSpc>
+                <a:spcPct val="100000"/>
+              </a:lnSpc>
+              <a:spcBef>
+                <a:spcPts val="0"/>
+              </a:spcBef>
+              <a:spcAft>
+                <a:spcPts val="0"/>
+              </a:spcAft>
+              <a:buClr>
+                <a:srgbClr val="000000"/>
+              </a:buClr>
+              <a:buSzPts val="1300"/>
+              <a:buFont typeface="Arial"/>
+              <a:buNone/>
+            </a:pPr>
+            <a:r>
+              <a:t/>
+            </a:r>
+            <a:endParaRPr b="0" i="0" sz="1300" u="none" cap="none" strike="noStrike">
+              <a:solidFill>
+                <a:schemeClr val="dk2"/>
+              </a:solidFill>
+              <a:latin typeface="Calibri"/>
+              <a:ea typeface="Calibri"/>
+              <a:cs typeface="Calibri"/>
+              <a:sym typeface="Calibri"/>
+            </a:endParaRPr>
+          </a:p>
+        </p:txBody>
+      </p:sp>
+    </p:spTree>
+  </p:cSld>
+  <p:clrMapOvr>
+    <a:masterClrMapping/>
+  </p:clrMapOvr>
+</p:sld>
+</file>
+
+<file path=ppt/slides/slide11.xml><?xml version="1.0" encoding="utf-8"?>
+<p:sld xmlns:a="http://schemas.openxmlformats.org/drawingml/2006/main" xmlns:r="http://schemas.openxmlformats.org/officeDocument/2006/relationships" xmlns:mc="http://schemas.openxmlformats.org/markup-compatibility/2006" xmlns:mv="urn:schemas-microsoft-com:mac:vml" xmlns:p="http://schemas.openxmlformats.org/presentationml/2006/main" xmlns:c="http://schemas.openxmlformats.org/drawingml/2006/chart" xmlns:dgm="http://schemas.openxmlformats.org/drawingml/2006/diagram" xmlns:o="urn:schemas-microsoft-com:office:office" xmlns:v="urn:schemas-microsoft-com:vml" xmlns:pvml="urn:schemas-microsoft-com:office:powerpoint" xmlns:com="http://schemas.openxmlformats.org/drawingml/2006/compatibility" xmlns:p14="http://schemas.microsoft.com/office/powerpoint/2010/main" xmlns:p15="http://schemas.microsoft.com/office/powerpoint/2012/main" xmlns:ahyp="http://schemas.microsoft.com/office/drawing/2018/hyperlinkcolor">
+  <p:cSld>
+    <p:spTree>
+      <p:nvGrpSpPr>
+        <p:cNvPr id="147" name="Shape 147"/>
+        <p:cNvGrpSpPr/>
+        <p:nvPr/>
+      </p:nvGrpSpPr>
+      <p:grpSpPr>
+        <a:xfrm>
+          <a:off x="0" y="0"/>
+          <a:ext cx="0" cy="0"/>
+          <a:chOff x="0" y="0"/>
+          <a:chExt cx="0" cy="0"/>
+        </a:xfrm>
+      </p:grpSpPr>
+      <p:sp>
+        <p:nvSpPr>
+          <p:cNvPr id="148" name="Google Shape;148;p23"/>
           <p:cNvSpPr txBox="1"/>
           <p:nvPr>
             <p:ph type="title"/>
@@ -10819,7 +11747,7 @@
             </a:pPr>
             <a:r>
               <a:rPr lang="en-GB" sz="2076"/>
-              <a:t>Model Building and Tuning: Random Forest</a:t>
+              <a:t>Model Building and Tuning: Decision Trees</a:t>
             </a:r>
             <a:endParaRPr sz="2076"/>
           </a:p>
@@ -10846,7 +11774,1045 @@
       </p:sp>
       <p:pic>
         <p:nvPicPr>
-          <p:cNvPr id="137" name="Google Shape;137;p22"/>
+          <p:cNvPr id="149" name="Google Shape;149;p23"/>
+          <p:cNvPicPr preferRelativeResize="0"/>
+          <p:nvPr/>
+        </p:nvPicPr>
+        <p:blipFill rotWithShape="1">
+          <a:blip r:embed="rId3">
+            <a:alphaModFix/>
+          </a:blip>
+          <a:srcRect b="0" l="0" r="0" t="0"/>
+          <a:stretch/>
+        </p:blipFill>
+        <p:spPr>
+          <a:xfrm>
+            <a:off x="3919550" y="691775"/>
+            <a:ext cx="5224449" cy="4284150"/>
+          </a:xfrm>
+          <a:prstGeom prst="rect">
+            <a:avLst/>
+          </a:prstGeom>
+          <a:noFill/>
+          <a:ln>
+            <a:noFill/>
+          </a:ln>
+        </p:spPr>
+      </p:pic>
+      <p:sp>
+        <p:nvSpPr>
+          <p:cNvPr id="150" name="Google Shape;150;p23"/>
+          <p:cNvSpPr txBox="1"/>
+          <p:nvPr/>
+        </p:nvSpPr>
+        <p:spPr>
+          <a:xfrm>
+            <a:off x="0" y="1272150"/>
+            <a:ext cx="9144000" cy="3850500"/>
+          </a:xfrm>
+          <a:prstGeom prst="rect">
+            <a:avLst/>
+          </a:prstGeom>
+          <a:noFill/>
+          <a:ln>
+            <a:noFill/>
+          </a:ln>
+        </p:spPr>
+        <p:txBody>
+          <a:bodyPr anchorCtr="0" anchor="t" bIns="91425" lIns="91425" spcFirstLastPara="1" rIns="91425" wrap="square" tIns="91425">
+            <a:spAutoFit/>
+          </a:bodyPr>
+          <a:lstStyle/>
+          <a:p>
+            <a:pPr indent="0" lvl="0" marL="0" marR="0" rtl="0" algn="l">
+              <a:lnSpc>
+                <a:spcPct val="100000"/>
+              </a:lnSpc>
+              <a:spcBef>
+                <a:spcPts val="0"/>
+              </a:spcBef>
+              <a:spcAft>
+                <a:spcPts val="0"/>
+              </a:spcAft>
+              <a:buClr>
+                <a:srgbClr val="000000"/>
+              </a:buClr>
+              <a:buSzPts val="1300"/>
+              <a:buFont typeface="Arial"/>
+              <a:buNone/>
+            </a:pPr>
+            <a:r>
+              <a:rPr b="1" i="0" lang="en-GB" sz="1300" u="none" cap="none" strike="noStrike">
+                <a:solidFill>
+                  <a:schemeClr val="dk2"/>
+                </a:solidFill>
+                <a:latin typeface="Calibri"/>
+                <a:ea typeface="Calibri"/>
+                <a:cs typeface="Calibri"/>
+                <a:sym typeface="Calibri"/>
+              </a:rPr>
+              <a:t>Training Accuracy:</a:t>
+            </a:r>
+            <a:r>
+              <a:rPr b="0" i="0" lang="en-GB" sz="1300" u="none" cap="none" strike="noStrike">
+                <a:solidFill>
+                  <a:schemeClr val="dk2"/>
+                </a:solidFill>
+                <a:latin typeface="Calibri"/>
+                <a:ea typeface="Calibri"/>
+                <a:cs typeface="Calibri"/>
+                <a:sym typeface="Calibri"/>
+              </a:rPr>
+              <a:t> 88.09%</a:t>
+            </a:r>
+            <a:endParaRPr b="0" i="0" sz="1300" u="none" cap="none" strike="noStrike">
+              <a:solidFill>
+                <a:schemeClr val="dk2"/>
+              </a:solidFill>
+              <a:latin typeface="Calibri"/>
+              <a:ea typeface="Calibri"/>
+              <a:cs typeface="Calibri"/>
+              <a:sym typeface="Calibri"/>
+            </a:endParaRPr>
+          </a:p>
+          <a:p>
+            <a:pPr indent="0" lvl="0" marL="0" marR="0" rtl="0" algn="l">
+              <a:lnSpc>
+                <a:spcPct val="100000"/>
+              </a:lnSpc>
+              <a:spcBef>
+                <a:spcPts val="0"/>
+              </a:spcBef>
+              <a:spcAft>
+                <a:spcPts val="0"/>
+              </a:spcAft>
+              <a:buClr>
+                <a:srgbClr val="000000"/>
+              </a:buClr>
+              <a:buSzPts val="1300"/>
+              <a:buFont typeface="Arial"/>
+              <a:buNone/>
+            </a:pPr>
+            <a:r>
+              <a:rPr b="1" i="0" lang="en-GB" sz="1300" u="none" cap="none" strike="noStrike">
+                <a:solidFill>
+                  <a:schemeClr val="dk2"/>
+                </a:solidFill>
+                <a:latin typeface="Calibri"/>
+                <a:ea typeface="Calibri"/>
+                <a:cs typeface="Calibri"/>
+                <a:sym typeface="Calibri"/>
+              </a:rPr>
+              <a:t>Validation Accuracy:</a:t>
+            </a:r>
+            <a:r>
+              <a:rPr b="0" i="0" lang="en-GB" sz="1300" u="none" cap="none" strike="noStrike">
+                <a:solidFill>
+                  <a:schemeClr val="dk2"/>
+                </a:solidFill>
+                <a:latin typeface="Calibri"/>
+                <a:ea typeface="Calibri"/>
+                <a:cs typeface="Calibri"/>
+                <a:sym typeface="Calibri"/>
+              </a:rPr>
+              <a:t> 80.54% </a:t>
+            </a:r>
+            <a:r>
+              <a:rPr lang="en-GB" sz="1300">
+                <a:solidFill>
+                  <a:schemeClr val="dk2"/>
+                </a:solidFill>
+                <a:latin typeface="Calibri"/>
+                <a:ea typeface="Calibri"/>
+                <a:cs typeface="Calibri"/>
+                <a:sym typeface="Calibri"/>
+              </a:rPr>
+              <a:t>#worst trade-off</a:t>
+            </a:r>
+            <a:endParaRPr sz="1300">
+              <a:solidFill>
+                <a:schemeClr val="dk2"/>
+              </a:solidFill>
+              <a:latin typeface="Calibri"/>
+              <a:ea typeface="Calibri"/>
+              <a:cs typeface="Calibri"/>
+              <a:sym typeface="Calibri"/>
+            </a:endParaRPr>
+          </a:p>
+          <a:p>
+            <a:pPr indent="0" lvl="0" marL="0" marR="0" rtl="0" algn="l">
+              <a:lnSpc>
+                <a:spcPct val="100000"/>
+              </a:lnSpc>
+              <a:spcBef>
+                <a:spcPts val="0"/>
+              </a:spcBef>
+              <a:spcAft>
+                <a:spcPts val="0"/>
+              </a:spcAft>
+              <a:buClr>
+                <a:srgbClr val="000000"/>
+              </a:buClr>
+              <a:buSzPts val="1300"/>
+              <a:buFont typeface="Arial"/>
+              <a:buNone/>
+            </a:pPr>
+            <a:r>
+              <a:t/>
+            </a:r>
+            <a:endParaRPr b="0" i="0" sz="1300" u="none" cap="none" strike="noStrike">
+              <a:solidFill>
+                <a:schemeClr val="dk2"/>
+              </a:solidFill>
+              <a:latin typeface="Calibri"/>
+              <a:ea typeface="Calibri"/>
+              <a:cs typeface="Calibri"/>
+              <a:sym typeface="Calibri"/>
+            </a:endParaRPr>
+          </a:p>
+          <a:p>
+            <a:pPr indent="0" lvl="0" marL="0" marR="0" rtl="0" algn="l">
+              <a:lnSpc>
+                <a:spcPct val="100000"/>
+              </a:lnSpc>
+              <a:spcBef>
+                <a:spcPts val="0"/>
+              </a:spcBef>
+              <a:spcAft>
+                <a:spcPts val="0"/>
+              </a:spcAft>
+              <a:buClr>
+                <a:srgbClr val="000000"/>
+              </a:buClr>
+              <a:buSzPts val="1300"/>
+              <a:buFont typeface="Arial"/>
+              <a:buNone/>
+            </a:pPr>
+            <a:r>
+              <a:rPr b="0" i="0" lang="en-GB" sz="1300" u="none" cap="none" strike="noStrike">
+                <a:solidFill>
+                  <a:schemeClr val="dk2"/>
+                </a:solidFill>
+                <a:latin typeface="Calibri"/>
+                <a:ea typeface="Calibri"/>
+                <a:cs typeface="Calibri"/>
+                <a:sym typeface="Calibri"/>
+              </a:rPr>
+              <a:t>Precision, Recall, F1-Score for each class:</a:t>
+            </a:r>
+            <a:endParaRPr b="0" i="0" sz="1300" u="none" cap="none" strike="noStrike">
+              <a:solidFill>
+                <a:schemeClr val="dk2"/>
+              </a:solidFill>
+              <a:latin typeface="Calibri"/>
+              <a:ea typeface="Calibri"/>
+              <a:cs typeface="Calibri"/>
+              <a:sym typeface="Calibri"/>
+            </a:endParaRPr>
+          </a:p>
+          <a:p>
+            <a:pPr indent="0" lvl="0" marL="0" marR="0" rtl="0" algn="l">
+              <a:lnSpc>
+                <a:spcPct val="100000"/>
+              </a:lnSpc>
+              <a:spcBef>
+                <a:spcPts val="0"/>
+              </a:spcBef>
+              <a:spcAft>
+                <a:spcPts val="0"/>
+              </a:spcAft>
+              <a:buClr>
+                <a:srgbClr val="000000"/>
+              </a:buClr>
+              <a:buSzPts val="1300"/>
+              <a:buFont typeface="Arial"/>
+              <a:buNone/>
+            </a:pPr>
+            <a:r>
+              <a:t/>
+            </a:r>
+            <a:endParaRPr b="0" i="0" sz="1300" u="none" cap="none" strike="noStrike">
+              <a:solidFill>
+                <a:schemeClr val="dk2"/>
+              </a:solidFill>
+              <a:latin typeface="Calibri"/>
+              <a:ea typeface="Calibri"/>
+              <a:cs typeface="Calibri"/>
+              <a:sym typeface="Calibri"/>
+            </a:endParaRPr>
+          </a:p>
+          <a:p>
+            <a:pPr indent="0" lvl="0" marL="0" marR="0" rtl="0" algn="l">
+              <a:lnSpc>
+                <a:spcPct val="100000"/>
+              </a:lnSpc>
+              <a:spcBef>
+                <a:spcPts val="0"/>
+              </a:spcBef>
+              <a:spcAft>
+                <a:spcPts val="0"/>
+              </a:spcAft>
+              <a:buClr>
+                <a:srgbClr val="000000"/>
+              </a:buClr>
+              <a:buSzPts val="1300"/>
+              <a:buFont typeface="Arial"/>
+              <a:buNone/>
+            </a:pPr>
+            <a:r>
+              <a:rPr b="1" i="0" lang="en-GB" sz="1300" u="none" cap="none" strike="noStrike">
+                <a:solidFill>
+                  <a:schemeClr val="dk2"/>
+                </a:solidFill>
+                <a:latin typeface="Calibri"/>
+                <a:ea typeface="Calibri"/>
+                <a:cs typeface="Calibri"/>
+                <a:sym typeface="Calibri"/>
+              </a:rPr>
+              <a:t>Good:</a:t>
+            </a:r>
+            <a:r>
+              <a:rPr b="0" i="0" lang="en-GB" sz="1300" u="none" cap="none" strike="noStrike">
+                <a:solidFill>
+                  <a:schemeClr val="dk2"/>
+                </a:solidFill>
+                <a:latin typeface="Calibri"/>
+                <a:ea typeface="Calibri"/>
+                <a:cs typeface="Calibri"/>
+                <a:sym typeface="Calibri"/>
+              </a:rPr>
+              <a:t> Precision - 81%, Recall - 89%, F1-Score - 85%</a:t>
+            </a:r>
+            <a:endParaRPr b="0" i="0" sz="1300" u="none" cap="none" strike="noStrike">
+              <a:solidFill>
+                <a:schemeClr val="dk2"/>
+              </a:solidFill>
+              <a:latin typeface="Calibri"/>
+              <a:ea typeface="Calibri"/>
+              <a:cs typeface="Calibri"/>
+              <a:sym typeface="Calibri"/>
+            </a:endParaRPr>
+          </a:p>
+          <a:p>
+            <a:pPr indent="0" lvl="0" marL="0" marR="0" rtl="0" algn="l">
+              <a:lnSpc>
+                <a:spcPct val="100000"/>
+              </a:lnSpc>
+              <a:spcBef>
+                <a:spcPts val="0"/>
+              </a:spcBef>
+              <a:spcAft>
+                <a:spcPts val="0"/>
+              </a:spcAft>
+              <a:buClr>
+                <a:srgbClr val="000000"/>
+              </a:buClr>
+              <a:buSzPts val="1300"/>
+              <a:buFont typeface="Arial"/>
+              <a:buNone/>
+            </a:pPr>
+            <a:r>
+              <a:rPr b="1" i="0" lang="en-GB" sz="1300" u="none" cap="none" strike="noStrike">
+                <a:solidFill>
+                  <a:schemeClr val="dk2"/>
+                </a:solidFill>
+                <a:latin typeface="Calibri"/>
+                <a:ea typeface="Calibri"/>
+                <a:cs typeface="Calibri"/>
+                <a:sym typeface="Calibri"/>
+              </a:rPr>
+              <a:t>Standard:</a:t>
+            </a:r>
+            <a:r>
+              <a:rPr b="0" i="0" lang="en-GB" sz="1300" u="none" cap="none" strike="noStrike">
+                <a:solidFill>
+                  <a:schemeClr val="dk2"/>
+                </a:solidFill>
+                <a:latin typeface="Calibri"/>
+                <a:ea typeface="Calibri"/>
+                <a:cs typeface="Calibri"/>
+                <a:sym typeface="Calibri"/>
+              </a:rPr>
+              <a:t> Precision - 82%, Recall - 85%, F1-Score - 83%</a:t>
+            </a:r>
+            <a:endParaRPr b="0" i="0" sz="1300" u="none" cap="none" strike="noStrike">
+              <a:solidFill>
+                <a:schemeClr val="dk2"/>
+              </a:solidFill>
+              <a:latin typeface="Calibri"/>
+              <a:ea typeface="Calibri"/>
+              <a:cs typeface="Calibri"/>
+              <a:sym typeface="Calibri"/>
+            </a:endParaRPr>
+          </a:p>
+          <a:p>
+            <a:pPr indent="0" lvl="0" marL="0" marR="0" rtl="0" algn="l">
+              <a:lnSpc>
+                <a:spcPct val="100000"/>
+              </a:lnSpc>
+              <a:spcBef>
+                <a:spcPts val="0"/>
+              </a:spcBef>
+              <a:spcAft>
+                <a:spcPts val="0"/>
+              </a:spcAft>
+              <a:buClr>
+                <a:srgbClr val="000000"/>
+              </a:buClr>
+              <a:buSzPts val="1300"/>
+              <a:buFont typeface="Arial"/>
+              <a:buNone/>
+            </a:pPr>
+            <a:r>
+              <a:rPr b="1" i="0" lang="en-GB" sz="1300" u="none" cap="none" strike="noStrike">
+                <a:solidFill>
+                  <a:schemeClr val="dk2"/>
+                </a:solidFill>
+                <a:latin typeface="Calibri"/>
+                <a:ea typeface="Calibri"/>
+                <a:cs typeface="Calibri"/>
+                <a:sym typeface="Calibri"/>
+              </a:rPr>
+              <a:t>Poor:</a:t>
+            </a:r>
+            <a:r>
+              <a:rPr b="0" i="0" lang="en-GB" sz="1300" u="none" cap="none" strike="noStrike">
+                <a:solidFill>
+                  <a:schemeClr val="dk2"/>
+                </a:solidFill>
+                <a:latin typeface="Calibri"/>
+                <a:ea typeface="Calibri"/>
+                <a:cs typeface="Calibri"/>
+                <a:sym typeface="Calibri"/>
+              </a:rPr>
+              <a:t> Precision - 77%, Recall - 66%, F1-Score - 71%</a:t>
+            </a:r>
+            <a:endParaRPr b="0" i="0" sz="1300" u="none" cap="none" strike="noStrike">
+              <a:solidFill>
+                <a:schemeClr val="dk2"/>
+              </a:solidFill>
+              <a:latin typeface="Calibri"/>
+              <a:ea typeface="Calibri"/>
+              <a:cs typeface="Calibri"/>
+              <a:sym typeface="Calibri"/>
+            </a:endParaRPr>
+          </a:p>
+          <a:p>
+            <a:pPr indent="0" lvl="0" marL="0" marR="0" rtl="0" algn="l">
+              <a:lnSpc>
+                <a:spcPct val="100000"/>
+              </a:lnSpc>
+              <a:spcBef>
+                <a:spcPts val="0"/>
+              </a:spcBef>
+              <a:spcAft>
+                <a:spcPts val="0"/>
+              </a:spcAft>
+              <a:buClr>
+                <a:srgbClr val="000000"/>
+              </a:buClr>
+              <a:buSzPts val="1300"/>
+              <a:buFont typeface="Arial"/>
+              <a:buNone/>
+            </a:pPr>
+            <a:r>
+              <a:t/>
+            </a:r>
+            <a:endParaRPr b="0" i="0" sz="1300" u="none" cap="none" strike="noStrike">
+              <a:solidFill>
+                <a:schemeClr val="dk2"/>
+              </a:solidFill>
+              <a:latin typeface="Calibri"/>
+              <a:ea typeface="Calibri"/>
+              <a:cs typeface="Calibri"/>
+              <a:sym typeface="Calibri"/>
+            </a:endParaRPr>
+          </a:p>
+          <a:p>
+            <a:pPr indent="457200" lvl="0" marL="0" marR="0" rtl="0" algn="l">
+              <a:lnSpc>
+                <a:spcPct val="100000"/>
+              </a:lnSpc>
+              <a:spcBef>
+                <a:spcPts val="0"/>
+              </a:spcBef>
+              <a:spcAft>
+                <a:spcPts val="0"/>
+              </a:spcAft>
+              <a:buClr>
+                <a:srgbClr val="000000"/>
+              </a:buClr>
+              <a:buSzPts val="1300"/>
+              <a:buFont typeface="Arial"/>
+              <a:buNone/>
+            </a:pPr>
+            <a:r>
+              <a:rPr b="0" i="0" lang="en-GB" sz="1300" u="none" cap="none" strike="noStrike">
+                <a:solidFill>
+                  <a:schemeClr val="dk2"/>
+                </a:solidFill>
+                <a:latin typeface="Calibri"/>
+                <a:ea typeface="Calibri"/>
+                <a:cs typeface="Calibri"/>
+                <a:sym typeface="Calibri"/>
+              </a:rPr>
+              <a:t>≈15 minutes to train</a:t>
+            </a:r>
+            <a:endParaRPr b="0" i="0" sz="1300" u="none" cap="none" strike="noStrike">
+              <a:solidFill>
+                <a:schemeClr val="dk2"/>
+              </a:solidFill>
+              <a:latin typeface="Calibri"/>
+              <a:ea typeface="Calibri"/>
+              <a:cs typeface="Calibri"/>
+              <a:sym typeface="Calibri"/>
+            </a:endParaRPr>
+          </a:p>
+          <a:p>
+            <a:pPr indent="0" lvl="0" marL="0" marR="0" rtl="0" algn="l">
+              <a:lnSpc>
+                <a:spcPct val="100000"/>
+              </a:lnSpc>
+              <a:spcBef>
+                <a:spcPts val="0"/>
+              </a:spcBef>
+              <a:spcAft>
+                <a:spcPts val="0"/>
+              </a:spcAft>
+              <a:buClr>
+                <a:srgbClr val="000000"/>
+              </a:buClr>
+              <a:buSzPts val="1300"/>
+              <a:buFont typeface="Arial"/>
+              <a:buNone/>
+            </a:pPr>
+            <a:r>
+              <a:t/>
+            </a:r>
+            <a:endParaRPr b="0" i="0" sz="1300" u="none" cap="none" strike="noStrike">
+              <a:solidFill>
+                <a:schemeClr val="dk2"/>
+              </a:solidFill>
+              <a:latin typeface="Calibri"/>
+              <a:ea typeface="Calibri"/>
+              <a:cs typeface="Calibri"/>
+              <a:sym typeface="Calibri"/>
+            </a:endParaRPr>
+          </a:p>
+          <a:p>
+            <a:pPr indent="0" lvl="0" marL="0" marR="0" rtl="0" algn="l">
+              <a:lnSpc>
+                <a:spcPct val="100000"/>
+              </a:lnSpc>
+              <a:spcBef>
+                <a:spcPts val="0"/>
+              </a:spcBef>
+              <a:spcAft>
+                <a:spcPts val="0"/>
+              </a:spcAft>
+              <a:buClr>
+                <a:srgbClr val="000000"/>
+              </a:buClr>
+              <a:buSzPts val="1300"/>
+              <a:buFont typeface="Arial"/>
+              <a:buNone/>
+            </a:pPr>
+            <a:r>
+              <a:t/>
+            </a:r>
+            <a:endParaRPr b="0" i="0" sz="1300" u="none" cap="none" strike="noStrike">
+              <a:solidFill>
+                <a:schemeClr val="dk2"/>
+              </a:solidFill>
+              <a:latin typeface="Calibri"/>
+              <a:ea typeface="Calibri"/>
+              <a:cs typeface="Calibri"/>
+              <a:sym typeface="Calibri"/>
+            </a:endParaRPr>
+          </a:p>
+          <a:p>
+            <a:pPr indent="0" lvl="0" marL="0" marR="0" rtl="0" algn="l">
+              <a:lnSpc>
+                <a:spcPct val="100000"/>
+              </a:lnSpc>
+              <a:spcBef>
+                <a:spcPts val="0"/>
+              </a:spcBef>
+              <a:spcAft>
+                <a:spcPts val="0"/>
+              </a:spcAft>
+              <a:buClr>
+                <a:srgbClr val="000000"/>
+              </a:buClr>
+              <a:buSzPts val="1000"/>
+              <a:buFont typeface="Arial"/>
+              <a:buNone/>
+            </a:pPr>
+            <a:r>
+              <a:rPr b="1" i="0" lang="en-GB" sz="1000" u="none" cap="none" strike="noStrike">
+                <a:solidFill>
+                  <a:srgbClr val="212121"/>
+                </a:solidFill>
+                <a:latin typeface="Calibri"/>
+                <a:ea typeface="Calibri"/>
+                <a:cs typeface="Calibri"/>
+                <a:sym typeface="Calibri"/>
+              </a:rPr>
+              <a:t>param_grid_dt</a:t>
+            </a:r>
+            <a:r>
+              <a:rPr b="0" i="0" lang="en-GB" sz="1000" u="none" cap="none" strike="noStrike">
+                <a:solidFill>
+                  <a:srgbClr val="212121"/>
+                </a:solidFill>
+                <a:latin typeface="Calibri"/>
+                <a:ea typeface="Calibri"/>
+                <a:cs typeface="Calibri"/>
+                <a:sym typeface="Calibri"/>
+              </a:rPr>
+              <a:t> </a:t>
+            </a:r>
+            <a:r>
+              <a:rPr b="1" i="0" lang="en-GB" sz="1000" u="none" cap="none" strike="noStrike">
+                <a:solidFill>
+                  <a:srgbClr val="212121"/>
+                </a:solidFill>
+                <a:latin typeface="Calibri"/>
+                <a:ea typeface="Calibri"/>
+                <a:cs typeface="Calibri"/>
+                <a:sym typeface="Calibri"/>
+              </a:rPr>
+              <a:t>=</a:t>
+            </a:r>
+            <a:r>
+              <a:rPr b="0" i="0" lang="en-GB" sz="1000" u="none" cap="none" strike="noStrike">
+                <a:solidFill>
+                  <a:srgbClr val="212121"/>
+                </a:solidFill>
+                <a:latin typeface="Calibri"/>
+                <a:ea typeface="Calibri"/>
+                <a:cs typeface="Calibri"/>
+                <a:sym typeface="Calibri"/>
+              </a:rPr>
+              <a:t> {</a:t>
+            </a:r>
+            <a:endParaRPr b="0" i="0" sz="1000" u="none" cap="none" strike="noStrike">
+              <a:solidFill>
+                <a:srgbClr val="212121"/>
+              </a:solidFill>
+              <a:latin typeface="Calibri"/>
+              <a:ea typeface="Calibri"/>
+              <a:cs typeface="Calibri"/>
+              <a:sym typeface="Calibri"/>
+            </a:endParaRPr>
+          </a:p>
+          <a:p>
+            <a:pPr indent="0" lvl="0" marL="0" marR="0" rtl="0" algn="l">
+              <a:lnSpc>
+                <a:spcPct val="100000"/>
+              </a:lnSpc>
+              <a:spcBef>
+                <a:spcPts val="0"/>
+              </a:spcBef>
+              <a:spcAft>
+                <a:spcPts val="0"/>
+              </a:spcAft>
+              <a:buClr>
+                <a:srgbClr val="000000"/>
+              </a:buClr>
+              <a:buSzPts val="1000"/>
+              <a:buFont typeface="Arial"/>
+              <a:buNone/>
+            </a:pPr>
+            <a:r>
+              <a:rPr b="0" i="0" lang="en-GB" sz="1000" u="none" cap="none" strike="noStrike">
+                <a:solidFill>
+                  <a:srgbClr val="212121"/>
+                </a:solidFill>
+                <a:latin typeface="Calibri"/>
+                <a:ea typeface="Calibri"/>
+                <a:cs typeface="Calibri"/>
+                <a:sym typeface="Calibri"/>
+              </a:rPr>
+              <a:t>    'criterion': ['gini', 'entropy'],</a:t>
+            </a:r>
+            <a:endParaRPr b="0" i="0" sz="1000" u="none" cap="none" strike="noStrike">
+              <a:solidFill>
+                <a:srgbClr val="212121"/>
+              </a:solidFill>
+              <a:latin typeface="Calibri"/>
+              <a:ea typeface="Calibri"/>
+              <a:cs typeface="Calibri"/>
+              <a:sym typeface="Calibri"/>
+            </a:endParaRPr>
+          </a:p>
+          <a:p>
+            <a:pPr indent="0" lvl="0" marL="0" marR="0" rtl="0" algn="l">
+              <a:lnSpc>
+                <a:spcPct val="100000"/>
+              </a:lnSpc>
+              <a:spcBef>
+                <a:spcPts val="0"/>
+              </a:spcBef>
+              <a:spcAft>
+                <a:spcPts val="0"/>
+              </a:spcAft>
+              <a:buClr>
+                <a:srgbClr val="000000"/>
+              </a:buClr>
+              <a:buSzPts val="1000"/>
+              <a:buFont typeface="Arial"/>
+              <a:buNone/>
+            </a:pPr>
+            <a:r>
+              <a:rPr b="0" i="0" lang="en-GB" sz="1000" u="none" cap="none" strike="noStrike">
+                <a:solidFill>
+                  <a:srgbClr val="212121"/>
+                </a:solidFill>
+                <a:latin typeface="Calibri"/>
+                <a:ea typeface="Calibri"/>
+                <a:cs typeface="Calibri"/>
+                <a:sym typeface="Calibri"/>
+              </a:rPr>
+              <a:t>    'max_depth': [10, 15, 20],  </a:t>
+            </a:r>
+            <a:r>
+              <a:rPr b="0" i="1" lang="en-GB" sz="1000" u="none" cap="none" strike="noStrike">
+                <a:solidFill>
+                  <a:srgbClr val="212121"/>
+                </a:solidFill>
+                <a:latin typeface="Calibri"/>
+                <a:ea typeface="Calibri"/>
+                <a:cs typeface="Calibri"/>
+                <a:sym typeface="Calibri"/>
+              </a:rPr>
+              <a:t>#&lt;--- depth reduced to avoid overfitting</a:t>
+            </a:r>
+            <a:endParaRPr b="0" i="1" sz="1000" u="none" cap="none" strike="noStrike">
+              <a:solidFill>
+                <a:srgbClr val="212121"/>
+              </a:solidFill>
+              <a:latin typeface="Calibri"/>
+              <a:ea typeface="Calibri"/>
+              <a:cs typeface="Calibri"/>
+              <a:sym typeface="Calibri"/>
+            </a:endParaRPr>
+          </a:p>
+          <a:p>
+            <a:pPr indent="0" lvl="0" marL="0" marR="0" rtl="0" algn="l">
+              <a:lnSpc>
+                <a:spcPct val="100000"/>
+              </a:lnSpc>
+              <a:spcBef>
+                <a:spcPts val="0"/>
+              </a:spcBef>
+              <a:spcAft>
+                <a:spcPts val="0"/>
+              </a:spcAft>
+              <a:buClr>
+                <a:srgbClr val="000000"/>
+              </a:buClr>
+              <a:buSzPts val="1000"/>
+              <a:buFont typeface="Arial"/>
+              <a:buNone/>
+            </a:pPr>
+            <a:r>
+              <a:rPr b="0" i="0" lang="en-GB" sz="1000" u="none" cap="none" strike="noStrike">
+                <a:solidFill>
+                  <a:srgbClr val="212121"/>
+                </a:solidFill>
+                <a:latin typeface="Calibri"/>
+                <a:ea typeface="Calibri"/>
+                <a:cs typeface="Calibri"/>
+                <a:sym typeface="Calibri"/>
+              </a:rPr>
+              <a:t>    'min_samples_split': [4, 10, 20],  </a:t>
+            </a:r>
+            <a:r>
+              <a:rPr b="0" i="1" lang="en-GB" sz="1000" u="none" cap="none" strike="noStrike">
+                <a:solidFill>
+                  <a:srgbClr val="212121"/>
+                </a:solidFill>
+                <a:latin typeface="Calibri"/>
+                <a:ea typeface="Calibri"/>
+                <a:cs typeface="Calibri"/>
+                <a:sym typeface="Calibri"/>
+              </a:rPr>
+              <a:t>#&lt;--- (see: previous commit)</a:t>
+            </a:r>
+            <a:endParaRPr b="0" i="1" sz="1000" u="none" cap="none" strike="noStrike">
+              <a:solidFill>
+                <a:srgbClr val="212121"/>
+              </a:solidFill>
+              <a:latin typeface="Calibri"/>
+              <a:ea typeface="Calibri"/>
+              <a:cs typeface="Calibri"/>
+              <a:sym typeface="Calibri"/>
+            </a:endParaRPr>
+          </a:p>
+          <a:p>
+            <a:pPr indent="0" lvl="0" marL="0" marR="0" rtl="0" algn="l">
+              <a:lnSpc>
+                <a:spcPct val="100000"/>
+              </a:lnSpc>
+              <a:spcBef>
+                <a:spcPts val="0"/>
+              </a:spcBef>
+              <a:spcAft>
+                <a:spcPts val="0"/>
+              </a:spcAft>
+              <a:buClr>
+                <a:srgbClr val="000000"/>
+              </a:buClr>
+              <a:buSzPts val="1000"/>
+              <a:buFont typeface="Arial"/>
+              <a:buNone/>
+            </a:pPr>
+            <a:r>
+              <a:rPr b="0" i="0" lang="en-GB" sz="1000" u="none" cap="none" strike="noStrike">
+                <a:solidFill>
+                  <a:srgbClr val="212121"/>
+                </a:solidFill>
+                <a:latin typeface="Calibri"/>
+                <a:ea typeface="Calibri"/>
+                <a:cs typeface="Calibri"/>
+                <a:sym typeface="Calibri"/>
+              </a:rPr>
+              <a:t>    'min_samples_leaf': [4, 6, 8]  </a:t>
+            </a:r>
+            <a:r>
+              <a:rPr b="0" i="1" lang="en-GB" sz="1000" u="none" cap="none" strike="noStrike">
+                <a:solidFill>
+                  <a:srgbClr val="212121"/>
+                </a:solidFill>
+                <a:latin typeface="Calibri"/>
+                <a:ea typeface="Calibri"/>
+                <a:cs typeface="Calibri"/>
+                <a:sym typeface="Calibri"/>
+              </a:rPr>
+              <a:t>#&lt;--- same</a:t>
+            </a:r>
+            <a:endParaRPr b="0" i="0" sz="1000" u="none" cap="none" strike="noStrike">
+              <a:solidFill>
+                <a:srgbClr val="212121"/>
+              </a:solidFill>
+              <a:latin typeface="Calibri"/>
+              <a:ea typeface="Calibri"/>
+              <a:cs typeface="Calibri"/>
+              <a:sym typeface="Calibri"/>
+            </a:endParaRPr>
+          </a:p>
+          <a:p>
+            <a:pPr indent="0" lvl="0" marL="0" marR="0" rtl="0" algn="l">
+              <a:lnSpc>
+                <a:spcPct val="110795"/>
+              </a:lnSpc>
+              <a:spcBef>
+                <a:spcPts val="0"/>
+              </a:spcBef>
+              <a:spcAft>
+                <a:spcPts val="0"/>
+              </a:spcAft>
+              <a:buClr>
+                <a:srgbClr val="000000"/>
+              </a:buClr>
+              <a:buSzPts val="1000"/>
+              <a:buFont typeface="Arial"/>
+              <a:buNone/>
+            </a:pPr>
+            <a:r>
+              <a:rPr b="0" i="0" lang="en-GB" sz="1000" u="none" cap="none" strike="noStrike">
+                <a:solidFill>
+                  <a:srgbClr val="212121"/>
+                </a:solidFill>
+                <a:latin typeface="Calibri"/>
+                <a:ea typeface="Calibri"/>
+                <a:cs typeface="Calibri"/>
+                <a:sym typeface="Calibri"/>
+              </a:rPr>
+              <a:t>}</a:t>
+            </a:r>
+            <a:endParaRPr b="0" i="0" sz="1000" u="none" cap="none" strike="noStrike">
+              <a:solidFill>
+                <a:srgbClr val="212121"/>
+              </a:solidFill>
+              <a:latin typeface="Calibri"/>
+              <a:ea typeface="Calibri"/>
+              <a:cs typeface="Calibri"/>
+              <a:sym typeface="Calibri"/>
+            </a:endParaRPr>
+          </a:p>
+          <a:p>
+            <a:pPr indent="0" lvl="0" marL="0" marR="0" rtl="0" algn="l">
+              <a:lnSpc>
+                <a:spcPct val="110795"/>
+              </a:lnSpc>
+              <a:spcBef>
+                <a:spcPts val="0"/>
+              </a:spcBef>
+              <a:spcAft>
+                <a:spcPts val="0"/>
+              </a:spcAft>
+              <a:buClr>
+                <a:srgbClr val="000000"/>
+              </a:buClr>
+              <a:buSzPts val="1000"/>
+              <a:buFont typeface="Arial"/>
+              <a:buNone/>
+            </a:pPr>
+            <a:r>
+              <a:t/>
+            </a:r>
+            <a:endParaRPr b="0" i="0" sz="1000" u="none" cap="none" strike="noStrike">
+              <a:solidFill>
+                <a:srgbClr val="212121"/>
+              </a:solidFill>
+              <a:latin typeface="Calibri"/>
+              <a:ea typeface="Calibri"/>
+              <a:cs typeface="Calibri"/>
+              <a:sym typeface="Calibri"/>
+            </a:endParaRPr>
+          </a:p>
+          <a:p>
+            <a:pPr indent="0" lvl="0" marL="0" marR="0" rtl="0" algn="l">
+              <a:lnSpc>
+                <a:spcPct val="110795"/>
+              </a:lnSpc>
+              <a:spcBef>
+                <a:spcPts val="0"/>
+              </a:spcBef>
+              <a:spcAft>
+                <a:spcPts val="0"/>
+              </a:spcAft>
+              <a:buClr>
+                <a:srgbClr val="000000"/>
+              </a:buClr>
+              <a:buSzPts val="1000"/>
+              <a:buFont typeface="Arial"/>
+              <a:buNone/>
+            </a:pPr>
+            <a:r>
+              <a:rPr b="0" i="0" lang="en-GB" sz="1000" u="none" cap="none" strike="noStrike">
+                <a:solidFill>
+                  <a:srgbClr val="000000"/>
+                </a:solidFill>
+                <a:highlight>
+                  <a:srgbClr val="FFFFFF"/>
+                </a:highlight>
+                <a:latin typeface="Calibri"/>
+                <a:ea typeface="Calibri"/>
+                <a:cs typeface="Calibri"/>
+                <a:sym typeface="Calibri"/>
+              </a:rPr>
+              <a:t>Best parameters found: {'criterion': 'entropy', 'max_depth': 20, 'min_samples_leaf': 4, 'min_samples_split': 10}</a:t>
+            </a:r>
+            <a:endParaRPr b="0" i="0" sz="900" u="none" cap="none" strike="noStrike">
+              <a:solidFill>
+                <a:srgbClr val="212121"/>
+              </a:solidFill>
+              <a:latin typeface="Calibri"/>
+              <a:ea typeface="Calibri"/>
+              <a:cs typeface="Calibri"/>
+              <a:sym typeface="Calibri"/>
+            </a:endParaRPr>
+          </a:p>
+        </p:txBody>
+      </p:sp>
+    </p:spTree>
+  </p:cSld>
+  <p:clrMapOvr>
+    <a:masterClrMapping/>
+  </p:clrMapOvr>
+</p:sld>
+</file>
+
+<file path=ppt/slides/slide12.xml><?xml version="1.0" encoding="utf-8"?>
+<p:sld xmlns:a="http://schemas.openxmlformats.org/drawingml/2006/main" xmlns:r="http://schemas.openxmlformats.org/officeDocument/2006/relationships" xmlns:mc="http://schemas.openxmlformats.org/markup-compatibility/2006" xmlns:mv="urn:schemas-microsoft-com:mac:vml" xmlns:p="http://schemas.openxmlformats.org/presentationml/2006/main" xmlns:c="http://schemas.openxmlformats.org/drawingml/2006/chart" xmlns:dgm="http://schemas.openxmlformats.org/drawingml/2006/diagram" xmlns:o="urn:schemas-microsoft-com:office:office" xmlns:v="urn:schemas-microsoft-com:vml" xmlns:pvml="urn:schemas-microsoft-com:office:powerpoint" xmlns:com="http://schemas.openxmlformats.org/drawingml/2006/compatibility" xmlns:p14="http://schemas.microsoft.com/office/powerpoint/2010/main" xmlns:p15="http://schemas.microsoft.com/office/powerpoint/2012/main" xmlns:ahyp="http://schemas.microsoft.com/office/drawing/2018/hyperlinkcolor">
+  <p:cSld>
+    <p:spTree>
+      <p:nvGrpSpPr>
+        <p:cNvPr id="154" name="Shape 154"/>
+        <p:cNvGrpSpPr/>
+        <p:nvPr/>
+      </p:nvGrpSpPr>
+      <p:grpSpPr>
+        <a:xfrm>
+          <a:off x="0" y="0"/>
+          <a:ext cx="0" cy="0"/>
+          <a:chOff x="0" y="0"/>
+          <a:chExt cx="0" cy="0"/>
+        </a:xfrm>
+      </p:grpSpPr>
+      <p:sp>
+        <p:nvSpPr>
+          <p:cNvPr id="155" name="Google Shape;155;p24"/>
+          <p:cNvSpPr txBox="1"/>
+          <p:nvPr>
+            <p:ph type="title"/>
+          </p:nvPr>
+        </p:nvSpPr>
+        <p:spPr>
+          <a:xfrm>
+            <a:off x="311700" y="159275"/>
+            <a:ext cx="6538800" cy="532500"/>
+          </a:xfrm>
+          <a:prstGeom prst="rect">
+            <a:avLst/>
+          </a:prstGeom>
+          <a:noFill/>
+          <a:ln>
+            <a:noFill/>
+          </a:ln>
+        </p:spPr>
+        <p:txBody>
+          <a:bodyPr anchorCtr="0" anchor="t" bIns="91425" lIns="91425" spcFirstLastPara="1" rIns="91425" wrap="square" tIns="91425">
+            <a:normAutofit fontScale="90000"/>
+          </a:bodyPr>
+          <a:lstStyle/>
+          <a:p>
+            <a:pPr indent="0" lvl="0" marL="0" rtl="0" algn="l">
+              <a:lnSpc>
+                <a:spcPct val="100000"/>
+              </a:lnSpc>
+              <a:spcBef>
+                <a:spcPts val="0"/>
+              </a:spcBef>
+              <a:spcAft>
+                <a:spcPts val="0"/>
+              </a:spcAft>
+              <a:buSzPct val="42919"/>
+              <a:buNone/>
+            </a:pPr>
+            <a:r>
+              <a:rPr lang="en-GB" sz="2076"/>
+              <a:t>Model Building and Tuning: Random Forest</a:t>
+            </a:r>
+            <a:endParaRPr sz="2076"/>
+          </a:p>
+          <a:p>
+            <a:pPr indent="0" lvl="0" marL="0" rtl="0" algn="l">
+              <a:lnSpc>
+                <a:spcPct val="100000"/>
+              </a:lnSpc>
+              <a:spcBef>
+                <a:spcPts val="0"/>
+              </a:spcBef>
+              <a:spcAft>
+                <a:spcPts val="0"/>
+              </a:spcAft>
+              <a:buSzPct val="42919"/>
+              <a:buNone/>
+            </a:pPr>
+            <a:r>
+              <a:t/>
+            </a:r>
+            <a:endParaRPr sz="2076"/>
+          </a:p>
+        </p:txBody>
+      </p:sp>
+      <p:pic>
+        <p:nvPicPr>
+          <p:cNvPr id="156" name="Google Shape;156;p24"/>
           <p:cNvPicPr preferRelativeResize="0"/>
           <p:nvPr/>
         </p:nvPicPr>
@@ -10873,7 +12839,7 @@
       </p:pic>
       <p:sp>
         <p:nvSpPr>
-          <p:cNvPr id="138" name="Google Shape;138;p22"/>
+          <p:cNvPr id="157" name="Google Shape;157;p24"/>
           <p:cNvSpPr txBox="1"/>
           <p:nvPr/>
         </p:nvSpPr>
@@ -11836,12 +13802,12 @@
 </p:sld>
 </file>
 
-<file path=ppt/slides/slide11.xml><?xml version="1.0" encoding="utf-8"?>
+<file path=ppt/slides/slide13.xml><?xml version="1.0" encoding="utf-8"?>
 <p:sld xmlns:a="http://schemas.openxmlformats.org/drawingml/2006/main" xmlns:r="http://schemas.openxmlformats.org/officeDocument/2006/relationships" xmlns:mc="http://schemas.openxmlformats.org/markup-compatibility/2006" xmlns:mv="urn:schemas-microsoft-com:mac:vml" xmlns:p="http://schemas.openxmlformats.org/presentationml/2006/main" xmlns:c="http://schemas.openxmlformats.org/drawingml/2006/chart" xmlns:dgm="http://schemas.openxmlformats.org/drawingml/2006/diagram" xmlns:o="urn:schemas-microsoft-com:office:office" xmlns:v="urn:schemas-microsoft-com:vml" xmlns:pvml="urn:schemas-microsoft-com:office:powerpoint" xmlns:com="http://schemas.openxmlformats.org/drawingml/2006/compatibility" xmlns:p14="http://schemas.microsoft.com/office/powerpoint/2010/main" xmlns:p15="http://schemas.microsoft.com/office/powerpoint/2012/main" xmlns:ahyp="http://schemas.microsoft.com/office/drawing/2018/hyperlinkcolor">
   <p:cSld>
     <p:spTree>
       <p:nvGrpSpPr>
-        <p:cNvPr id="142" name="Shape 142"/>
+        <p:cNvPr id="161" name="Shape 161"/>
         <p:cNvGrpSpPr/>
         <p:nvPr/>
       </p:nvGrpSpPr>
@@ -11855,7 +13821,7 @@
       </p:grpSpPr>
       <p:sp>
         <p:nvSpPr>
-          <p:cNvPr id="143" name="Google Shape;143;p23"/>
+          <p:cNvPr id="162" name="Google Shape;162;p25"/>
           <p:cNvSpPr txBox="1"/>
           <p:nvPr>
             <p:ph type="title"/>
@@ -11922,7 +13888,7 @@
       </p:sp>
       <p:pic>
         <p:nvPicPr>
-          <p:cNvPr id="144" name="Google Shape;144;p23"/>
+          <p:cNvPr id="163" name="Google Shape;163;p25"/>
           <p:cNvPicPr preferRelativeResize="0"/>
           <p:nvPr/>
         </p:nvPicPr>
@@ -11955,12 +13921,12 @@
 </p:sld>
 </file>
 
-<file path=ppt/slides/slide12.xml><?xml version="1.0" encoding="utf-8"?>
+<file path=ppt/slides/slide14.xml><?xml version="1.0" encoding="utf-8"?>
 <p:sld xmlns:a="http://schemas.openxmlformats.org/drawingml/2006/main" xmlns:r="http://schemas.openxmlformats.org/officeDocument/2006/relationships" xmlns:mc="http://schemas.openxmlformats.org/markup-compatibility/2006" xmlns:mv="urn:schemas-microsoft-com:mac:vml" xmlns:p="http://schemas.openxmlformats.org/presentationml/2006/main" xmlns:c="http://schemas.openxmlformats.org/drawingml/2006/chart" xmlns:dgm="http://schemas.openxmlformats.org/drawingml/2006/diagram" xmlns:o="urn:schemas-microsoft-com:office:office" xmlns:v="urn:schemas-microsoft-com:vml" xmlns:pvml="urn:schemas-microsoft-com:office:powerpoint" xmlns:com="http://schemas.openxmlformats.org/drawingml/2006/compatibility" xmlns:p14="http://schemas.microsoft.com/office/powerpoint/2010/main" xmlns:p15="http://schemas.microsoft.com/office/powerpoint/2012/main" xmlns:ahyp="http://schemas.microsoft.com/office/drawing/2018/hyperlinkcolor">
   <p:cSld>
     <p:spTree>
       <p:nvGrpSpPr>
-        <p:cNvPr id="148" name="Shape 148"/>
+        <p:cNvPr id="167" name="Shape 167"/>
         <p:cNvGrpSpPr/>
         <p:nvPr/>
       </p:nvGrpSpPr>
@@ -11974,7 +13940,7 @@
       </p:grpSpPr>
       <p:sp>
         <p:nvSpPr>
-          <p:cNvPr id="149" name="Google Shape;149;p24"/>
+          <p:cNvPr id="168" name="Google Shape;168;p26"/>
           <p:cNvSpPr txBox="1"/>
           <p:nvPr>
             <p:ph type="title"/>
@@ -12041,7 +14007,7 @@
       </p:sp>
       <p:sp>
         <p:nvSpPr>
-          <p:cNvPr id="150" name="Google Shape;150;p24"/>
+          <p:cNvPr id="169" name="Google Shape;169;p26"/>
           <p:cNvSpPr txBox="1"/>
           <p:nvPr/>
         </p:nvSpPr>
@@ -13065,7 +15031,7 @@
       </p:sp>
       <p:pic>
         <p:nvPicPr>
-          <p:cNvPr id="151" name="Google Shape;151;p24"/>
+          <p:cNvPr id="170" name="Google Shape;170;p26"/>
           <p:cNvPicPr preferRelativeResize="0"/>
           <p:nvPr/>
         </p:nvPicPr>
@@ -13098,12 +15064,12 @@
 </p:sld>
 </file>
 
-<file path=ppt/slides/slide13.xml><?xml version="1.0" encoding="utf-8"?>
+<file path=ppt/slides/slide15.xml><?xml version="1.0" encoding="utf-8"?>
 <p:sld xmlns:a="http://schemas.openxmlformats.org/drawingml/2006/main" xmlns:r="http://schemas.openxmlformats.org/officeDocument/2006/relationships" xmlns:mc="http://schemas.openxmlformats.org/markup-compatibility/2006" xmlns:mv="urn:schemas-microsoft-com:mac:vml" xmlns:p="http://schemas.openxmlformats.org/presentationml/2006/main" xmlns:c="http://schemas.openxmlformats.org/drawingml/2006/chart" xmlns:dgm="http://schemas.openxmlformats.org/drawingml/2006/diagram" xmlns:o="urn:schemas-microsoft-com:office:office" xmlns:v="urn:schemas-microsoft-com:vml" xmlns:pvml="urn:schemas-microsoft-com:office:powerpoint" xmlns:com="http://schemas.openxmlformats.org/drawingml/2006/compatibility" xmlns:p14="http://schemas.microsoft.com/office/powerpoint/2010/main" xmlns:p15="http://schemas.microsoft.com/office/powerpoint/2012/main" xmlns:ahyp="http://schemas.microsoft.com/office/drawing/2018/hyperlinkcolor">
   <p:cSld>
     <p:spTree>
       <p:nvGrpSpPr>
-        <p:cNvPr id="155" name="Shape 155"/>
+        <p:cNvPr id="174" name="Shape 174"/>
         <p:cNvGrpSpPr/>
         <p:nvPr/>
       </p:nvGrpSpPr>
@@ -13117,7 +15083,7 @@
       </p:grpSpPr>
       <p:sp>
         <p:nvSpPr>
-          <p:cNvPr id="156" name="Google Shape;156;p25"/>
+          <p:cNvPr id="175" name="Google Shape;175;p27"/>
           <p:cNvSpPr txBox="1"/>
           <p:nvPr>
             <p:ph type="title"/>
@@ -13165,7 +15131,7 @@
       </p:sp>
       <p:sp>
         <p:nvSpPr>
-          <p:cNvPr id="157" name="Google Shape;157;p25"/>
+          <p:cNvPr id="176" name="Google Shape;176;p27"/>
           <p:cNvSpPr txBox="1"/>
           <p:nvPr>
             <p:ph idx="1" type="body"/>
@@ -13216,7 +15182,22 @@
                 <a:cs typeface="Calibri"/>
                 <a:sym typeface="Calibri"/>
               </a:rPr>
-              <a:t>It's also important to consider the context of our application:</a:t>
+              <a:t>Considering </a:t>
+            </a:r>
+            <a:r>
+              <a:rPr i="1" lang="en-GB" sz="1300">
+                <a:solidFill>
+                  <a:srgbClr val="1F2328"/>
+                </a:solidFill>
+                <a:highlight>
+                  <a:srgbClr val="FFFFFF"/>
+                </a:highlight>
+                <a:latin typeface="Calibri"/>
+                <a:ea typeface="Calibri"/>
+                <a:cs typeface="Calibri"/>
+                <a:sym typeface="Calibri"/>
+              </a:rPr>
+              <a:t>the context of our application:</a:t>
             </a:r>
             <a:endParaRPr i="1" sz="1300">
               <a:solidFill>
@@ -13232,36 +15213,6 @@
             </a:endParaRPr>
           </a:p>
           <a:p>
-            <a:pPr indent="0" lvl="0" marL="0" rtl="0" algn="l">
-              <a:lnSpc>
-                <a:spcPct val="115000"/>
-              </a:lnSpc>
-              <a:spcBef>
-                <a:spcPts val="1200"/>
-              </a:spcBef>
-              <a:spcAft>
-                <a:spcPts val="0"/>
-              </a:spcAft>
-              <a:buSzPts val="1800"/>
-              <a:buNone/>
-            </a:pPr>
-            <a:r>
-              <a:t/>
-            </a:r>
-            <a:endParaRPr i="1" sz="1300">
-              <a:solidFill>
-                <a:srgbClr val="1F2328"/>
-              </a:solidFill>
-              <a:highlight>
-                <a:srgbClr val="FFFFFF"/>
-              </a:highlight>
-              <a:latin typeface="Calibri"/>
-              <a:ea typeface="Calibri"/>
-              <a:cs typeface="Calibri"/>
-              <a:sym typeface="Calibri"/>
-            </a:endParaRPr>
-          </a:p>
-          <a:p>
             <a:pPr indent="-311150" lvl="0" marL="457200" rtl="0" algn="l">
               <a:lnSpc>
                 <a:spcPct val="115000"/>
@@ -13338,7 +15289,7 @@
             </a:endParaRPr>
           </a:p>
           <a:p>
-            <a:pPr indent="0" lvl="0" marL="457200" rtl="0" algn="l">
+            <a:pPr indent="-311150" lvl="0" marL="457200" rtl="0" algn="l">
               <a:lnSpc>
                 <a:spcPct val="115000"/>
               </a:lnSpc>
@@ -13348,11 +15299,57 @@
               <a:spcAft>
                 <a:spcPts val="0"/>
               </a:spcAft>
-              <a:buSzPts val="1800"/>
-              <a:buNone/>
-            </a:pPr>
-            <a:r>
-              <a:t/>
+              <a:buClr>
+                <a:srgbClr val="1F2328"/>
+              </a:buClr>
+              <a:buSzPts val="1300"/>
+              <a:buFont typeface="Calibri"/>
+              <a:buChar char="●"/>
+            </a:pPr>
+            <a:r>
+              <a:rPr lang="en-GB" sz="1300">
+                <a:solidFill>
+                  <a:srgbClr val="1F2328"/>
+                </a:solidFill>
+                <a:highlight>
+                  <a:srgbClr val="FFFFFF"/>
+                </a:highlight>
+                <a:latin typeface="Calibri"/>
+                <a:ea typeface="Calibri"/>
+                <a:cs typeface="Calibri"/>
+                <a:sym typeface="Calibri"/>
+              </a:rPr>
+              <a:t>If we consider the metrics and computational costs equally important, then </a:t>
+            </a:r>
+            <a:r>
+              <a:rPr b="1" lang="en-GB" sz="1300">
+                <a:solidFill>
+                  <a:srgbClr val="1F2328"/>
+                </a:solidFill>
+                <a:highlight>
+                  <a:srgbClr val="FFFFFF"/>
+                </a:highlight>
+                <a:latin typeface="Calibri"/>
+                <a:ea typeface="Calibri"/>
+                <a:cs typeface="Calibri"/>
+                <a:sym typeface="Calibri"/>
+              </a:rPr>
+              <a:t>LightGBM</a:t>
+            </a:r>
+            <a:r>
+              <a:rPr lang="en-GB" sz="1300">
+                <a:solidFill>
+                  <a:srgbClr val="1F2328"/>
+                </a:solidFill>
+                <a:highlight>
+                  <a:srgbClr val="FFFFFF"/>
+                </a:highlight>
+                <a:latin typeface="Calibri"/>
+                <a:ea typeface="Calibri"/>
+                <a:cs typeface="Calibri"/>
+                <a:sym typeface="Calibri"/>
+              </a:rPr>
+              <a:t> show the best results. It could be improved even further with further feature engineering. It is also important that overfitting was significantly lower than others.</a:t>
             </a:r>
             <a:endParaRPr sz="1300">
               <a:solidFill>
@@ -13398,37 +15395,7 @@
                 <a:cs typeface="Calibri"/>
                 <a:sym typeface="Calibri"/>
               </a:rPr>
-              <a:t>If we consider the metrics and computational costs equally important, then </a:t>
-            </a:r>
-            <a:r>
-              <a:rPr b="1" lang="en-GB" sz="1300">
-                <a:solidFill>
-                  <a:srgbClr val="1F2328"/>
-                </a:solidFill>
-                <a:highlight>
-                  <a:srgbClr val="FFFFFF"/>
-                </a:highlight>
-                <a:latin typeface="Calibri"/>
-                <a:ea typeface="Calibri"/>
-                <a:cs typeface="Calibri"/>
-                <a:sym typeface="Calibri"/>
-              </a:rPr>
-              <a:t>LightGBM</a:t>
-            </a:r>
-            <a:r>
-              <a:rPr lang="en-GB" sz="1300">
-                <a:solidFill>
-                  <a:srgbClr val="1F2328"/>
-                </a:solidFill>
-                <a:highlight>
-                  <a:srgbClr val="FFFFFF"/>
-                </a:highlight>
-                <a:latin typeface="Calibri"/>
-                <a:ea typeface="Calibri"/>
-                <a:cs typeface="Calibri"/>
-                <a:sym typeface="Calibri"/>
-              </a:rPr>
-              <a:t> show the best results. It could be improved even further with further feature engineering. It is also important that overfitting was significantly lower than others.</a:t>
+              <a:t>If interpretability is important for the given task, Logistic Regression might be preferred despite its lower performance.</a:t>
             </a:r>
             <a:endParaRPr sz="1300">
               <a:solidFill>
@@ -13444,7 +15411,7 @@
             </a:endParaRPr>
           </a:p>
           <a:p>
-            <a:pPr indent="0" lvl="0" marL="457200" rtl="0" algn="l">
+            <a:pPr indent="0" lvl="0" marL="0" rtl="0" algn="l">
               <a:lnSpc>
                 <a:spcPct val="115000"/>
               </a:lnSpc>
@@ -13454,7 +15421,6 @@
               <a:spcAft>
                 <a:spcPts val="0"/>
               </a:spcAft>
-              <a:buSzPts val="1800"/>
               <a:buNone/>
             </a:pPr>
             <a:r>
@@ -13474,7 +15440,7 @@
             </a:endParaRPr>
           </a:p>
           <a:p>
-            <a:pPr indent="-311150" lvl="0" marL="457200" rtl="0" algn="l">
+            <a:pPr indent="0" lvl="0" marL="0" rtl="0" algn="l">
               <a:lnSpc>
                 <a:spcPct val="115000"/>
               </a:lnSpc>
@@ -13484,12 +15450,7 @@
               <a:spcAft>
                 <a:spcPts val="0"/>
               </a:spcAft>
-              <a:buClr>
-                <a:srgbClr val="1F2328"/>
-              </a:buClr>
-              <a:buSzPts val="1300"/>
-              <a:buFont typeface="Calibri"/>
-              <a:buChar char="●"/>
+              <a:buNone/>
             </a:pPr>
             <a:r>
               <a:rPr lang="en-GB" sz="1300">
@@ -13504,7 +15465,7 @@
                 <a:cs typeface="Calibri"/>
                 <a:sym typeface="Calibri"/>
               </a:rPr>
-              <a:t>If interpretability is important for the given task, Logistic Regression might be preferred despite its lower performance.</a:t>
+              <a:t>Suggestions: ADASYN for class imbalance, bigger GridSearch pool, more feature engineering.</a:t>
             </a:r>
             <a:endParaRPr sz="1300">
               <a:solidFill>
@@ -13708,96 +15669,6 @@
       <p:sp>
         <p:nvSpPr>
           <p:cNvPr id="74" name="Google Shape;74;p14"/>
-          <p:cNvSpPr txBox="1"/>
-          <p:nvPr/>
-        </p:nvSpPr>
-        <p:spPr>
-          <a:xfrm>
-            <a:off x="152400" y="3166550"/>
-            <a:ext cx="8991600" cy="400200"/>
-          </a:xfrm>
-          <a:prstGeom prst="rect">
-            <a:avLst/>
-          </a:prstGeom>
-          <a:noFill/>
-          <a:ln>
-            <a:noFill/>
-          </a:ln>
-        </p:spPr>
-        <p:txBody>
-          <a:bodyPr anchorCtr="0" anchor="t" bIns="91425" lIns="91425" spcFirstLastPara="1" rIns="91425" wrap="square" tIns="91425">
-            <a:spAutoFit/>
-          </a:bodyPr>
-          <a:lstStyle/>
-          <a:p>
-            <a:pPr indent="0" lvl="0" marL="0" marR="0" rtl="0" algn="l">
-              <a:lnSpc>
-                <a:spcPct val="100000"/>
-              </a:lnSpc>
-              <a:spcBef>
-                <a:spcPts val="0"/>
-              </a:spcBef>
-              <a:spcAft>
-                <a:spcPts val="0"/>
-              </a:spcAft>
-              <a:buClr>
-                <a:srgbClr val="000000"/>
-              </a:buClr>
-              <a:buSzPts val="1400"/>
-              <a:buFont typeface="Arial"/>
-              <a:buNone/>
-            </a:pPr>
-            <a:r>
-              <a:rPr b="0" i="0" lang="en-GB" sz="1400" u="none" cap="none" strike="noStrike">
-                <a:solidFill>
-                  <a:schemeClr val="dk2"/>
-                </a:solidFill>
-                <a:latin typeface="Calibri"/>
-                <a:ea typeface="Calibri"/>
-                <a:cs typeface="Calibri"/>
-                <a:sym typeface="Calibri"/>
-              </a:rPr>
-              <a:t>In our dataframe, customers with multiple loans. Which will help us filling the missing. Using </a:t>
-            </a:r>
-            <a:r>
-              <a:rPr b="1" i="0" lang="en-GB" sz="1400" u="none" cap="none" strike="noStrike">
-                <a:solidFill>
-                  <a:srgbClr val="212121"/>
-                </a:solidFill>
-                <a:latin typeface="Calibri"/>
-                <a:ea typeface="Calibri"/>
-                <a:cs typeface="Calibri"/>
-                <a:sym typeface="Calibri"/>
-              </a:rPr>
-              <a:t>FillMissingWithGroupMode</a:t>
-            </a:r>
-            <a:r>
-              <a:rPr b="0" i="0" lang="en-GB" sz="1400" u="none" cap="none" strike="noStrike">
-                <a:solidFill>
-                  <a:srgbClr val="212121"/>
-                </a:solidFill>
-                <a:latin typeface="Calibri"/>
-                <a:ea typeface="Calibri"/>
-                <a:cs typeface="Calibri"/>
-                <a:sym typeface="Calibri"/>
-              </a:rPr>
-              <a:t>.</a:t>
-            </a:r>
-            <a:endParaRPr b="0" i="0" sz="1100" u="none" cap="none" strike="noStrike">
-              <a:solidFill>
-                <a:srgbClr val="212121"/>
-              </a:solidFill>
-              <a:latin typeface="Calibri"/>
-              <a:ea typeface="Calibri"/>
-              <a:cs typeface="Calibri"/>
-              <a:sym typeface="Calibri"/>
-            </a:endParaRPr>
-          </a:p>
-        </p:txBody>
-      </p:sp>
-      <p:sp>
-        <p:nvSpPr>
-          <p:cNvPr id="75" name="Google Shape;75;p14"/>
           <p:cNvSpPr/>
           <p:nvPr/>
         </p:nvSpPr>
@@ -13860,7 +15731,7 @@
       </p:sp>
       <p:sp>
         <p:nvSpPr>
-          <p:cNvPr id="76" name="Google Shape;76;p14"/>
+          <p:cNvPr id="75" name="Google Shape;75;p14"/>
           <p:cNvSpPr/>
           <p:nvPr/>
         </p:nvSpPr>
@@ -13923,7 +15794,7 @@
       </p:sp>
       <p:sp>
         <p:nvSpPr>
-          <p:cNvPr id="77" name="Google Shape;77;p14"/>
+          <p:cNvPr id="76" name="Google Shape;76;p14"/>
           <p:cNvSpPr/>
           <p:nvPr/>
         </p:nvSpPr>
@@ -13986,7 +15857,7 @@
       </p:sp>
       <p:sp>
         <p:nvSpPr>
-          <p:cNvPr id="78" name="Google Shape;78;p14"/>
+          <p:cNvPr id="77" name="Google Shape;77;p14"/>
           <p:cNvSpPr/>
           <p:nvPr/>
         </p:nvSpPr>
@@ -14049,7 +15920,7 @@
       </p:sp>
       <p:sp>
         <p:nvSpPr>
-          <p:cNvPr id="79" name="Google Shape;79;p14"/>
+          <p:cNvPr id="78" name="Google Shape;78;p14"/>
           <p:cNvSpPr/>
           <p:nvPr/>
         </p:nvSpPr>
@@ -14112,7 +15983,649 @@
       </p:sp>
       <p:sp>
         <p:nvSpPr>
-          <p:cNvPr id="80" name="Google Shape;80;p14"/>
+          <p:cNvPr id="79" name="Google Shape;79;p14"/>
+          <p:cNvSpPr txBox="1"/>
+          <p:nvPr/>
+        </p:nvSpPr>
+        <p:spPr>
+          <a:xfrm>
+            <a:off x="0" y="3519200"/>
+            <a:ext cx="9144000" cy="785100"/>
+          </a:xfrm>
+          <a:prstGeom prst="rect">
+            <a:avLst/>
+          </a:prstGeom>
+          <a:noFill/>
+          <a:ln>
+            <a:noFill/>
+          </a:ln>
+        </p:spPr>
+        <p:txBody>
+          <a:bodyPr anchorCtr="0" anchor="t" bIns="91425" lIns="91425" spcFirstLastPara="1" rIns="91425" wrap="square" tIns="91425">
+            <a:spAutoFit/>
+          </a:bodyPr>
+          <a:lstStyle/>
+          <a:p>
+            <a:pPr indent="-311150" lvl="0" marL="457200" rtl="0" algn="l">
+              <a:spcBef>
+                <a:spcPts val="0"/>
+              </a:spcBef>
+              <a:spcAft>
+                <a:spcPts val="0"/>
+              </a:spcAft>
+              <a:buClr>
+                <a:schemeClr val="dk2"/>
+              </a:buClr>
+              <a:buSzPts val="1300"/>
+              <a:buFont typeface="Calibri"/>
+              <a:buChar char="●"/>
+            </a:pPr>
+            <a:r>
+              <a:rPr lang="en-GB" sz="1300">
+                <a:solidFill>
+                  <a:schemeClr val="dk2"/>
+                </a:solidFill>
+                <a:latin typeface="Calibri"/>
+                <a:ea typeface="Calibri"/>
+                <a:cs typeface="Calibri"/>
+                <a:sym typeface="Calibri"/>
+              </a:rPr>
+              <a:t>Dataset had 100.000 rows x 28 columns and included customers with multiple loans. </a:t>
+            </a:r>
+            <a:endParaRPr sz="1300">
+              <a:solidFill>
+                <a:schemeClr val="dk2"/>
+              </a:solidFill>
+              <a:latin typeface="Calibri"/>
+              <a:ea typeface="Calibri"/>
+              <a:cs typeface="Calibri"/>
+              <a:sym typeface="Calibri"/>
+            </a:endParaRPr>
+          </a:p>
+          <a:p>
+            <a:pPr indent="-311150" lvl="0" marL="457200" rtl="0" algn="l">
+              <a:spcBef>
+                <a:spcPts val="0"/>
+              </a:spcBef>
+              <a:spcAft>
+                <a:spcPts val="0"/>
+              </a:spcAft>
+              <a:buClr>
+                <a:schemeClr val="dk2"/>
+              </a:buClr>
+              <a:buSzPts val="1300"/>
+              <a:buFont typeface="Calibri"/>
+              <a:buChar char="●"/>
+            </a:pPr>
+            <a:r>
+              <a:rPr lang="en-GB" sz="1300">
+                <a:solidFill>
+                  <a:schemeClr val="dk2"/>
+                </a:solidFill>
+                <a:latin typeface="Calibri"/>
+                <a:ea typeface="Calibri"/>
+                <a:cs typeface="Calibri"/>
+                <a:sym typeface="Calibri"/>
+              </a:rPr>
+              <a:t>Dataset quality wasn’t very good. (too many typos, placeholders, missing entries)</a:t>
+            </a:r>
+            <a:endParaRPr sz="1300">
+              <a:solidFill>
+                <a:schemeClr val="dk2"/>
+              </a:solidFill>
+              <a:latin typeface="Calibri"/>
+              <a:ea typeface="Calibri"/>
+              <a:cs typeface="Calibri"/>
+              <a:sym typeface="Calibri"/>
+            </a:endParaRPr>
+          </a:p>
+          <a:p>
+            <a:pPr indent="-311150" lvl="0" marL="457200" rtl="0" algn="l">
+              <a:spcBef>
+                <a:spcPts val="0"/>
+              </a:spcBef>
+              <a:spcAft>
+                <a:spcPts val="0"/>
+              </a:spcAft>
+              <a:buClr>
+                <a:schemeClr val="dk2"/>
+              </a:buClr>
+              <a:buSzPts val="1300"/>
+              <a:buFont typeface="Calibri"/>
+              <a:buChar char="●"/>
+            </a:pPr>
+            <a:r>
+              <a:rPr lang="en-GB" sz="1300">
+                <a:solidFill>
+                  <a:schemeClr val="dk2"/>
+                </a:solidFill>
+                <a:latin typeface="Calibri"/>
+                <a:ea typeface="Calibri"/>
+                <a:cs typeface="Calibri"/>
+                <a:sym typeface="Calibri"/>
+              </a:rPr>
+              <a:t>However, well-explained features.</a:t>
+            </a:r>
+            <a:endParaRPr sz="1300">
+              <a:solidFill>
+                <a:schemeClr val="dk2"/>
+              </a:solidFill>
+              <a:latin typeface="Calibri"/>
+              <a:ea typeface="Calibri"/>
+              <a:cs typeface="Calibri"/>
+              <a:sym typeface="Calibri"/>
+            </a:endParaRPr>
+          </a:p>
+        </p:txBody>
+      </p:sp>
+    </p:spTree>
+  </p:cSld>
+  <p:clrMapOvr>
+    <a:masterClrMapping/>
+  </p:clrMapOvr>
+</p:sld>
+</file>
+
+<file path=ppt/slides/slide3.xml><?xml version="1.0" encoding="utf-8"?>
+<p:sld xmlns:a="http://schemas.openxmlformats.org/drawingml/2006/main" xmlns:r="http://schemas.openxmlformats.org/officeDocument/2006/relationships" xmlns:mc="http://schemas.openxmlformats.org/markup-compatibility/2006" xmlns:mv="urn:schemas-microsoft-com:mac:vml" xmlns:p="http://schemas.openxmlformats.org/presentationml/2006/main" xmlns:c="http://schemas.openxmlformats.org/drawingml/2006/chart" xmlns:dgm="http://schemas.openxmlformats.org/drawingml/2006/diagram" xmlns:o="urn:schemas-microsoft-com:office:office" xmlns:v="urn:schemas-microsoft-com:vml" xmlns:pvml="urn:schemas-microsoft-com:office:powerpoint" xmlns:com="http://schemas.openxmlformats.org/drawingml/2006/compatibility" xmlns:p14="http://schemas.microsoft.com/office/powerpoint/2010/main" xmlns:p15="http://schemas.microsoft.com/office/powerpoint/2012/main" xmlns:ahyp="http://schemas.microsoft.com/office/drawing/2018/hyperlinkcolor">
+  <p:cSld>
+    <p:spTree>
+      <p:nvGrpSpPr>
+        <p:cNvPr id="83" name="Shape 83"/>
+        <p:cNvGrpSpPr/>
+        <p:nvPr/>
+      </p:nvGrpSpPr>
+      <p:grpSpPr>
+        <a:xfrm>
+          <a:off x="0" y="0"/>
+          <a:ext cx="0" cy="0"/>
+          <a:chOff x="0" y="0"/>
+          <a:chExt cx="0" cy="0"/>
+        </a:xfrm>
+      </p:grpSpPr>
+      <p:sp>
+        <p:nvSpPr>
+          <p:cNvPr id="84" name="Google Shape;84;p15"/>
+          <p:cNvSpPr txBox="1"/>
+          <p:nvPr>
+            <p:ph type="title"/>
+          </p:nvPr>
+        </p:nvSpPr>
+        <p:spPr>
+          <a:xfrm>
+            <a:off x="311700" y="159275"/>
+            <a:ext cx="8230800" cy="675300"/>
+          </a:xfrm>
+          <a:prstGeom prst="rect">
+            <a:avLst/>
+          </a:prstGeom>
+          <a:noFill/>
+          <a:ln>
+            <a:noFill/>
+          </a:ln>
+        </p:spPr>
+        <p:txBody>
+          <a:bodyPr anchorCtr="0" anchor="t" bIns="91425" lIns="91425" spcFirstLastPara="1" rIns="91425" wrap="square" tIns="91425">
+            <a:noAutofit/>
+          </a:bodyPr>
+          <a:lstStyle/>
+          <a:p>
+            <a:pPr indent="0" lvl="0" marL="0" rtl="0" algn="l">
+              <a:lnSpc>
+                <a:spcPct val="100000"/>
+              </a:lnSpc>
+              <a:spcBef>
+                <a:spcPts val="0"/>
+              </a:spcBef>
+              <a:spcAft>
+                <a:spcPts val="0"/>
+              </a:spcAft>
+              <a:buSzPts val="990"/>
+              <a:buNone/>
+            </a:pPr>
+            <a:r>
+              <a:rPr lang="en-GB" sz="2640"/>
+              <a:t>Data overview</a:t>
+            </a:r>
+            <a:endParaRPr sz="2640"/>
+          </a:p>
+        </p:txBody>
+      </p:sp>
+      <p:pic>
+        <p:nvPicPr>
+          <p:cNvPr id="85" name="Google Shape;85;p15"/>
+          <p:cNvPicPr preferRelativeResize="0"/>
+          <p:nvPr/>
+        </p:nvPicPr>
+        <p:blipFill rotWithShape="1">
+          <a:blip r:embed="rId3">
+            <a:alphaModFix/>
+          </a:blip>
+          <a:srcRect b="36732" l="0" r="0" t="0"/>
+          <a:stretch/>
+        </p:blipFill>
+        <p:spPr>
+          <a:xfrm>
+            <a:off x="152400" y="872900"/>
+            <a:ext cx="8839199" cy="2244038"/>
+          </a:xfrm>
+          <a:prstGeom prst="rect">
+            <a:avLst/>
+          </a:prstGeom>
+          <a:noFill/>
+          <a:ln>
+            <a:noFill/>
+          </a:ln>
+        </p:spPr>
+      </p:pic>
+      <p:sp>
+        <p:nvSpPr>
+          <p:cNvPr id="86" name="Google Shape;86;p15"/>
+          <p:cNvSpPr txBox="1"/>
+          <p:nvPr/>
+        </p:nvSpPr>
+        <p:spPr>
+          <a:xfrm>
+            <a:off x="152400" y="3166550"/>
+            <a:ext cx="8991600" cy="400200"/>
+          </a:xfrm>
+          <a:prstGeom prst="rect">
+            <a:avLst/>
+          </a:prstGeom>
+          <a:noFill/>
+          <a:ln>
+            <a:noFill/>
+          </a:ln>
+        </p:spPr>
+        <p:txBody>
+          <a:bodyPr anchorCtr="0" anchor="t" bIns="91425" lIns="91425" spcFirstLastPara="1" rIns="91425" wrap="square" tIns="91425">
+            <a:spAutoFit/>
+          </a:bodyPr>
+          <a:lstStyle/>
+          <a:p>
+            <a:pPr indent="0" lvl="0" marL="0" marR="0" rtl="0" algn="l">
+              <a:lnSpc>
+                <a:spcPct val="100000"/>
+              </a:lnSpc>
+              <a:spcBef>
+                <a:spcPts val="0"/>
+              </a:spcBef>
+              <a:spcAft>
+                <a:spcPts val="0"/>
+              </a:spcAft>
+              <a:buClr>
+                <a:srgbClr val="000000"/>
+              </a:buClr>
+              <a:buSzPts val="1400"/>
+              <a:buFont typeface="Arial"/>
+              <a:buNone/>
+            </a:pPr>
+            <a:r>
+              <a:rPr b="0" i="0" lang="en-GB" sz="1400" u="none" cap="none" strike="noStrike">
+                <a:solidFill>
+                  <a:schemeClr val="dk2"/>
+                </a:solidFill>
+                <a:latin typeface="Calibri"/>
+                <a:ea typeface="Calibri"/>
+                <a:cs typeface="Calibri"/>
+                <a:sym typeface="Calibri"/>
+              </a:rPr>
+              <a:t>In our dataframe, customers with multiple loans. Which will help us filling the missing. Using </a:t>
+            </a:r>
+            <a:r>
+              <a:rPr b="1" i="0" lang="en-GB" sz="1400" u="none" cap="none" strike="noStrike">
+                <a:solidFill>
+                  <a:srgbClr val="212121"/>
+                </a:solidFill>
+                <a:latin typeface="Calibri"/>
+                <a:ea typeface="Calibri"/>
+                <a:cs typeface="Calibri"/>
+                <a:sym typeface="Calibri"/>
+              </a:rPr>
+              <a:t>FillMissingWithGroupMode</a:t>
+            </a:r>
+            <a:r>
+              <a:rPr b="0" i="0" lang="en-GB" sz="1400" u="none" cap="none" strike="noStrike">
+                <a:solidFill>
+                  <a:srgbClr val="212121"/>
+                </a:solidFill>
+                <a:latin typeface="Calibri"/>
+                <a:ea typeface="Calibri"/>
+                <a:cs typeface="Calibri"/>
+                <a:sym typeface="Calibri"/>
+              </a:rPr>
+              <a:t>.</a:t>
+            </a:r>
+            <a:endParaRPr b="0" i="0" sz="1100" u="none" cap="none" strike="noStrike">
+              <a:solidFill>
+                <a:srgbClr val="212121"/>
+              </a:solidFill>
+              <a:latin typeface="Calibri"/>
+              <a:ea typeface="Calibri"/>
+              <a:cs typeface="Calibri"/>
+              <a:sym typeface="Calibri"/>
+            </a:endParaRPr>
+          </a:p>
+        </p:txBody>
+      </p:sp>
+      <p:sp>
+        <p:nvSpPr>
+          <p:cNvPr id="87" name="Google Shape;87;p15"/>
+          <p:cNvSpPr/>
+          <p:nvPr/>
+        </p:nvSpPr>
+        <p:spPr>
+          <a:xfrm>
+            <a:off x="3007875" y="1143000"/>
+            <a:ext cx="451200" cy="375900"/>
+          </a:xfrm>
+          <a:prstGeom prst="flowChartConnector">
+            <a:avLst/>
+          </a:prstGeom>
+          <a:noFill/>
+          <a:ln cap="flat" cmpd="sng" w="9525">
+            <a:solidFill>
+              <a:srgbClr val="FF0000"/>
+            </a:solidFill>
+            <a:prstDash val="solid"/>
+            <a:round/>
+            <a:headEnd len="sm" w="sm" type="none"/>
+            <a:tailEnd len="sm" w="sm" type="none"/>
+          </a:ln>
+        </p:spPr>
+        <p:txBody>
+          <a:bodyPr anchorCtr="0" anchor="ctr" bIns="91425" lIns="91425" spcFirstLastPara="1" rIns="91425" wrap="square" tIns="91425">
+            <a:noAutofit/>
+          </a:bodyPr>
+          <a:lstStyle/>
+          <a:p>
+            <a:pPr indent="0" lvl="0" marL="0" marR="0" rtl="0" algn="ctr">
+              <a:lnSpc>
+                <a:spcPct val="100000"/>
+              </a:lnSpc>
+              <a:spcBef>
+                <a:spcPts val="0"/>
+              </a:spcBef>
+              <a:spcAft>
+                <a:spcPts val="0"/>
+              </a:spcAft>
+              <a:buClr>
+                <a:srgbClr val="000000"/>
+              </a:buClr>
+              <a:buSzPts val="1400"/>
+              <a:buFont typeface="Arial"/>
+              <a:buNone/>
+            </a:pPr>
+            <a:r>
+              <a:t/>
+            </a:r>
+            <a:endParaRPr b="0" i="0" sz="1400" u="none" cap="none" strike="noStrike">
+              <a:solidFill>
+                <a:srgbClr val="000000"/>
+              </a:solidFill>
+              <a:latin typeface="Open Sans"/>
+              <a:ea typeface="Open Sans"/>
+              <a:cs typeface="Open Sans"/>
+              <a:sym typeface="Open Sans"/>
+            </a:endParaRPr>
+          </a:p>
+        </p:txBody>
+      </p:sp>
+      <p:sp>
+        <p:nvSpPr>
+          <p:cNvPr id="88" name="Google Shape;88;p15"/>
+          <p:cNvSpPr/>
+          <p:nvPr/>
+        </p:nvSpPr>
+        <p:spPr>
+          <a:xfrm>
+            <a:off x="2331150" y="1143000"/>
+            <a:ext cx="278100" cy="263100"/>
+          </a:xfrm>
+          <a:prstGeom prst="flowChartConnector">
+            <a:avLst/>
+          </a:prstGeom>
+          <a:noFill/>
+          <a:ln cap="flat" cmpd="sng" w="9525">
+            <a:solidFill>
+              <a:srgbClr val="FF0000"/>
+            </a:solidFill>
+            <a:prstDash val="solid"/>
+            <a:round/>
+            <a:headEnd len="sm" w="sm" type="none"/>
+            <a:tailEnd len="sm" w="sm" type="none"/>
+          </a:ln>
+        </p:spPr>
+        <p:txBody>
+          <a:bodyPr anchorCtr="0" anchor="ctr" bIns="91425" lIns="91425" spcFirstLastPara="1" rIns="91425" wrap="square" tIns="91425">
+            <a:noAutofit/>
+          </a:bodyPr>
+          <a:lstStyle/>
+          <a:p>
+            <a:pPr indent="0" lvl="0" marL="0" marR="0" rtl="0" algn="ctr">
+              <a:lnSpc>
+                <a:spcPct val="100000"/>
+              </a:lnSpc>
+              <a:spcBef>
+                <a:spcPts val="0"/>
+              </a:spcBef>
+              <a:spcAft>
+                <a:spcPts val="0"/>
+              </a:spcAft>
+              <a:buClr>
+                <a:srgbClr val="000000"/>
+              </a:buClr>
+              <a:buSzPts val="1400"/>
+              <a:buFont typeface="Arial"/>
+              <a:buNone/>
+            </a:pPr>
+            <a:r>
+              <a:t/>
+            </a:r>
+            <a:endParaRPr b="0" i="0" sz="1400" u="none" cap="none" strike="noStrike">
+              <a:solidFill>
+                <a:srgbClr val="000000"/>
+              </a:solidFill>
+              <a:latin typeface="Open Sans"/>
+              <a:ea typeface="Open Sans"/>
+              <a:cs typeface="Open Sans"/>
+              <a:sym typeface="Open Sans"/>
+            </a:endParaRPr>
+          </a:p>
+        </p:txBody>
+      </p:sp>
+      <p:sp>
+        <p:nvSpPr>
+          <p:cNvPr id="89" name="Google Shape;89;p15"/>
+          <p:cNvSpPr/>
+          <p:nvPr/>
+        </p:nvSpPr>
+        <p:spPr>
+          <a:xfrm>
+            <a:off x="6568725" y="1936575"/>
+            <a:ext cx="451200" cy="375900"/>
+          </a:xfrm>
+          <a:prstGeom prst="flowChartConnector">
+            <a:avLst/>
+          </a:prstGeom>
+          <a:noFill/>
+          <a:ln cap="flat" cmpd="sng" w="9525">
+            <a:solidFill>
+              <a:srgbClr val="FF0000"/>
+            </a:solidFill>
+            <a:prstDash val="solid"/>
+            <a:round/>
+            <a:headEnd len="sm" w="sm" type="none"/>
+            <a:tailEnd len="sm" w="sm" type="none"/>
+          </a:ln>
+        </p:spPr>
+        <p:txBody>
+          <a:bodyPr anchorCtr="0" anchor="ctr" bIns="91425" lIns="91425" spcFirstLastPara="1" rIns="91425" wrap="square" tIns="91425">
+            <a:noAutofit/>
+          </a:bodyPr>
+          <a:lstStyle/>
+          <a:p>
+            <a:pPr indent="0" lvl="0" marL="0" marR="0" rtl="0" algn="ctr">
+              <a:lnSpc>
+                <a:spcPct val="100000"/>
+              </a:lnSpc>
+              <a:spcBef>
+                <a:spcPts val="0"/>
+              </a:spcBef>
+              <a:spcAft>
+                <a:spcPts val="0"/>
+              </a:spcAft>
+              <a:buClr>
+                <a:srgbClr val="000000"/>
+              </a:buClr>
+              <a:buSzPts val="1400"/>
+              <a:buFont typeface="Arial"/>
+              <a:buNone/>
+            </a:pPr>
+            <a:r>
+              <a:t/>
+            </a:r>
+            <a:endParaRPr b="0" i="0" sz="1400" u="none" cap="none" strike="noStrike">
+              <a:solidFill>
+                <a:srgbClr val="000000"/>
+              </a:solidFill>
+              <a:latin typeface="Open Sans"/>
+              <a:ea typeface="Open Sans"/>
+              <a:cs typeface="Open Sans"/>
+              <a:sym typeface="Open Sans"/>
+            </a:endParaRPr>
+          </a:p>
+        </p:txBody>
+      </p:sp>
+      <p:sp>
+        <p:nvSpPr>
+          <p:cNvPr id="90" name="Google Shape;90;p15"/>
+          <p:cNvSpPr/>
+          <p:nvPr/>
+        </p:nvSpPr>
+        <p:spPr>
+          <a:xfrm>
+            <a:off x="4848725" y="2312475"/>
+            <a:ext cx="451200" cy="375900"/>
+          </a:xfrm>
+          <a:prstGeom prst="flowChartConnector">
+            <a:avLst/>
+          </a:prstGeom>
+          <a:noFill/>
+          <a:ln cap="flat" cmpd="sng" w="9525">
+            <a:solidFill>
+              <a:srgbClr val="FF0000"/>
+            </a:solidFill>
+            <a:prstDash val="solid"/>
+            <a:round/>
+            <a:headEnd len="sm" w="sm" type="none"/>
+            <a:tailEnd len="sm" w="sm" type="none"/>
+          </a:ln>
+        </p:spPr>
+        <p:txBody>
+          <a:bodyPr anchorCtr="0" anchor="ctr" bIns="91425" lIns="91425" spcFirstLastPara="1" rIns="91425" wrap="square" tIns="91425">
+            <a:noAutofit/>
+          </a:bodyPr>
+          <a:lstStyle/>
+          <a:p>
+            <a:pPr indent="0" lvl="0" marL="0" marR="0" rtl="0" algn="ctr">
+              <a:lnSpc>
+                <a:spcPct val="100000"/>
+              </a:lnSpc>
+              <a:spcBef>
+                <a:spcPts val="0"/>
+              </a:spcBef>
+              <a:spcAft>
+                <a:spcPts val="0"/>
+              </a:spcAft>
+              <a:buClr>
+                <a:srgbClr val="000000"/>
+              </a:buClr>
+              <a:buSzPts val="1400"/>
+              <a:buFont typeface="Arial"/>
+              <a:buNone/>
+            </a:pPr>
+            <a:r>
+              <a:t/>
+            </a:r>
+            <a:endParaRPr b="0" i="0" sz="1400" u="none" cap="none" strike="noStrike">
+              <a:solidFill>
+                <a:srgbClr val="000000"/>
+              </a:solidFill>
+              <a:latin typeface="Open Sans"/>
+              <a:ea typeface="Open Sans"/>
+              <a:cs typeface="Open Sans"/>
+              <a:sym typeface="Open Sans"/>
+            </a:endParaRPr>
+          </a:p>
+        </p:txBody>
+      </p:sp>
+      <p:sp>
+        <p:nvSpPr>
+          <p:cNvPr id="91" name="Google Shape;91;p15"/>
+          <p:cNvSpPr/>
+          <p:nvPr/>
+        </p:nvSpPr>
+        <p:spPr>
+          <a:xfrm>
+            <a:off x="3670125" y="1936575"/>
+            <a:ext cx="518400" cy="375900"/>
+          </a:xfrm>
+          <a:prstGeom prst="flowChartConnector">
+            <a:avLst/>
+          </a:prstGeom>
+          <a:noFill/>
+          <a:ln cap="flat" cmpd="sng" w="9525">
+            <a:solidFill>
+              <a:srgbClr val="FF0000"/>
+            </a:solidFill>
+            <a:prstDash val="solid"/>
+            <a:round/>
+            <a:headEnd len="sm" w="sm" type="none"/>
+            <a:tailEnd len="sm" w="sm" type="none"/>
+          </a:ln>
+        </p:spPr>
+        <p:txBody>
+          <a:bodyPr anchorCtr="0" anchor="ctr" bIns="91425" lIns="91425" spcFirstLastPara="1" rIns="91425" wrap="square" tIns="91425">
+            <a:noAutofit/>
+          </a:bodyPr>
+          <a:lstStyle/>
+          <a:p>
+            <a:pPr indent="0" lvl="0" marL="0" marR="0" rtl="0" algn="ctr">
+              <a:lnSpc>
+                <a:spcPct val="100000"/>
+              </a:lnSpc>
+              <a:spcBef>
+                <a:spcPts val="0"/>
+              </a:spcBef>
+              <a:spcAft>
+                <a:spcPts val="0"/>
+              </a:spcAft>
+              <a:buClr>
+                <a:srgbClr val="000000"/>
+              </a:buClr>
+              <a:buSzPts val="1400"/>
+              <a:buFont typeface="Arial"/>
+              <a:buNone/>
+            </a:pPr>
+            <a:r>
+              <a:t/>
+            </a:r>
+            <a:endParaRPr b="0" i="0" sz="1400" u="none" cap="none" strike="noStrike">
+              <a:solidFill>
+                <a:srgbClr val="000000"/>
+              </a:solidFill>
+              <a:latin typeface="Open Sans"/>
+              <a:ea typeface="Open Sans"/>
+              <a:cs typeface="Open Sans"/>
+              <a:sym typeface="Open Sans"/>
+            </a:endParaRPr>
+          </a:p>
+        </p:txBody>
+      </p:sp>
+      <p:sp>
+        <p:nvSpPr>
+          <p:cNvPr id="92" name="Google Shape;92;p15"/>
           <p:cNvSpPr txBox="1"/>
           <p:nvPr/>
         </p:nvSpPr>
@@ -14242,7 +16755,7 @@
                 <a:cs typeface="Calibri"/>
                 <a:sym typeface="Calibri"/>
               </a:rPr>
-              <a:t>Monthly_Inhand_Salary	15,002</a:t>
+              <a:t>Monthly_Inhand_Salary	 15,002</a:t>
             </a:r>
             <a:endParaRPr b="0" i="0" sz="1100" u="none" cap="none" strike="noStrike">
               <a:solidFill>
@@ -14378,7 +16891,7 @@
       </p:sp>
       <p:sp>
         <p:nvSpPr>
-          <p:cNvPr id="81" name="Google Shape;81;p14"/>
+          <p:cNvPr id="93" name="Google Shape;93;p15"/>
           <p:cNvSpPr txBox="1"/>
           <p:nvPr/>
         </p:nvSpPr>
@@ -14610,12 +17123,12 @@
 </p:sld>
 </file>
 
-<file path=ppt/slides/slide3.xml><?xml version="1.0" encoding="utf-8"?>
+<file path=ppt/slides/slide4.xml><?xml version="1.0" encoding="utf-8"?>
 <p:sld xmlns:a="http://schemas.openxmlformats.org/drawingml/2006/main" xmlns:r="http://schemas.openxmlformats.org/officeDocument/2006/relationships" xmlns:mc="http://schemas.openxmlformats.org/markup-compatibility/2006" xmlns:mv="urn:schemas-microsoft-com:mac:vml" xmlns:p="http://schemas.openxmlformats.org/presentationml/2006/main" xmlns:c="http://schemas.openxmlformats.org/drawingml/2006/chart" xmlns:dgm="http://schemas.openxmlformats.org/drawingml/2006/diagram" xmlns:o="urn:schemas-microsoft-com:office:office" xmlns:v="urn:schemas-microsoft-com:vml" xmlns:pvml="urn:schemas-microsoft-com:office:powerpoint" xmlns:com="http://schemas.openxmlformats.org/drawingml/2006/compatibility" xmlns:p14="http://schemas.microsoft.com/office/powerpoint/2010/main" xmlns:p15="http://schemas.microsoft.com/office/powerpoint/2012/main" xmlns:ahyp="http://schemas.microsoft.com/office/drawing/2018/hyperlinkcolor">
   <p:cSld>
     <p:spTree>
       <p:nvGrpSpPr>
-        <p:cNvPr id="85" name="Shape 85"/>
+        <p:cNvPr id="97" name="Shape 97"/>
         <p:cNvGrpSpPr/>
         <p:nvPr/>
       </p:nvGrpSpPr>
@@ -14629,7 +17142,7 @@
       </p:grpSpPr>
       <p:sp>
         <p:nvSpPr>
-          <p:cNvPr id="86" name="Google Shape;86;p15"/>
+          <p:cNvPr id="98" name="Google Shape;98;p16"/>
           <p:cNvSpPr txBox="1"/>
           <p:nvPr/>
         </p:nvSpPr>
@@ -14695,7 +17208,7 @@
       </p:sp>
       <p:sp>
         <p:nvSpPr>
-          <p:cNvPr id="87" name="Google Shape;87;p15"/>
+          <p:cNvPr id="99" name="Google Shape;99;p16"/>
           <p:cNvSpPr txBox="1"/>
           <p:nvPr/>
         </p:nvSpPr>
@@ -15401,7 +17914,7 @@
       </p:sp>
       <p:sp>
         <p:nvSpPr>
-          <p:cNvPr id="88" name="Google Shape;88;p15"/>
+          <p:cNvPr id="100" name="Google Shape;100;p16"/>
           <p:cNvSpPr txBox="1"/>
           <p:nvPr/>
         </p:nvSpPr>
@@ -15879,7 +18392,7 @@
       </p:sp>
       <p:sp>
         <p:nvSpPr>
-          <p:cNvPr id="89" name="Google Shape;89;p15"/>
+          <p:cNvPr id="101" name="Google Shape;101;p16"/>
           <p:cNvSpPr txBox="1"/>
           <p:nvPr>
             <p:ph type="title"/>
@@ -15933,12 +18446,12 @@
 </p:sld>
 </file>
 
-<file path=ppt/slides/slide4.xml><?xml version="1.0" encoding="utf-8"?>
+<file path=ppt/slides/slide5.xml><?xml version="1.0" encoding="utf-8"?>
 <p:sld xmlns:a="http://schemas.openxmlformats.org/drawingml/2006/main" xmlns:r="http://schemas.openxmlformats.org/officeDocument/2006/relationships" xmlns:mc="http://schemas.openxmlformats.org/markup-compatibility/2006" xmlns:mv="urn:schemas-microsoft-com:mac:vml" xmlns:p="http://schemas.openxmlformats.org/presentationml/2006/main" xmlns:c="http://schemas.openxmlformats.org/drawingml/2006/chart" xmlns:dgm="http://schemas.openxmlformats.org/drawingml/2006/diagram" xmlns:o="urn:schemas-microsoft-com:office:office" xmlns:v="urn:schemas-microsoft-com:vml" xmlns:pvml="urn:schemas-microsoft-com:office:powerpoint" xmlns:com="http://schemas.openxmlformats.org/drawingml/2006/compatibility" xmlns:p14="http://schemas.microsoft.com/office/powerpoint/2010/main" xmlns:p15="http://schemas.microsoft.com/office/powerpoint/2012/main" xmlns:ahyp="http://schemas.microsoft.com/office/drawing/2018/hyperlinkcolor">
   <p:cSld>
     <p:spTree>
       <p:nvGrpSpPr>
-        <p:cNvPr id="93" name="Shape 93"/>
+        <p:cNvPr id="105" name="Shape 105"/>
         <p:cNvGrpSpPr/>
         <p:nvPr/>
       </p:nvGrpSpPr>
@@ -15952,7 +18465,7 @@
       </p:grpSpPr>
       <p:sp>
         <p:nvSpPr>
-          <p:cNvPr id="94" name="Google Shape;94;p16"/>
+          <p:cNvPr id="106" name="Google Shape;106;p17"/>
           <p:cNvSpPr txBox="1"/>
           <p:nvPr>
             <p:ph type="title"/>
@@ -16000,7 +18513,7 @@
       </p:sp>
       <p:pic>
         <p:nvPicPr>
-          <p:cNvPr id="95" name="Google Shape;95;p16"/>
+          <p:cNvPr id="107" name="Google Shape;107;p17"/>
           <p:cNvPicPr preferRelativeResize="0"/>
           <p:nvPr/>
         </p:nvPicPr>
@@ -16027,7 +18540,7 @@
       </p:pic>
       <p:pic>
         <p:nvPicPr>
-          <p:cNvPr id="96" name="Google Shape;96;p16"/>
+          <p:cNvPr id="108" name="Google Shape;108;p17"/>
           <p:cNvPicPr preferRelativeResize="0"/>
           <p:nvPr/>
         </p:nvPicPr>
@@ -16054,7 +18567,7 @@
       </p:pic>
       <p:pic>
         <p:nvPicPr>
-          <p:cNvPr id="97" name="Google Shape;97;p16"/>
+          <p:cNvPr id="109" name="Google Shape;109;p17"/>
           <p:cNvPicPr preferRelativeResize="0"/>
           <p:nvPr/>
         </p:nvPicPr>
@@ -16081,7 +18594,7 @@
       </p:pic>
       <p:pic>
         <p:nvPicPr>
-          <p:cNvPr id="98" name="Google Shape;98;p16"/>
+          <p:cNvPr id="110" name="Google Shape;110;p17"/>
           <p:cNvPicPr preferRelativeResize="0"/>
           <p:nvPr/>
         </p:nvPicPr>
@@ -16114,12 +18627,12 @@
 </p:sld>
 </file>
 
-<file path=ppt/slides/slide5.xml><?xml version="1.0" encoding="utf-8"?>
+<file path=ppt/slides/slide6.xml><?xml version="1.0" encoding="utf-8"?>
 <p:sld xmlns:a="http://schemas.openxmlformats.org/drawingml/2006/main" xmlns:r="http://schemas.openxmlformats.org/officeDocument/2006/relationships" xmlns:mc="http://schemas.openxmlformats.org/markup-compatibility/2006" xmlns:mv="urn:schemas-microsoft-com:mac:vml" xmlns:p="http://schemas.openxmlformats.org/presentationml/2006/main" xmlns:c="http://schemas.openxmlformats.org/drawingml/2006/chart" xmlns:dgm="http://schemas.openxmlformats.org/drawingml/2006/diagram" xmlns:o="urn:schemas-microsoft-com:office:office" xmlns:v="urn:schemas-microsoft-com:vml" xmlns:pvml="urn:schemas-microsoft-com:office:powerpoint" xmlns:com="http://schemas.openxmlformats.org/drawingml/2006/compatibility" xmlns:p14="http://schemas.microsoft.com/office/powerpoint/2010/main" xmlns:p15="http://schemas.microsoft.com/office/powerpoint/2012/main" xmlns:ahyp="http://schemas.microsoft.com/office/drawing/2018/hyperlinkcolor">
   <p:cSld>
     <p:spTree>
       <p:nvGrpSpPr>
-        <p:cNvPr id="102" name="Shape 102"/>
+        <p:cNvPr id="114" name="Shape 114"/>
         <p:cNvGrpSpPr/>
         <p:nvPr/>
       </p:nvGrpSpPr>
@@ -16133,7 +18646,7 @@
       </p:grpSpPr>
       <p:sp>
         <p:nvSpPr>
-          <p:cNvPr id="103" name="Google Shape;103;p17"/>
+          <p:cNvPr id="115" name="Google Shape;115;p18"/>
           <p:cNvSpPr txBox="1"/>
           <p:nvPr>
             <p:ph type="title"/>
@@ -16181,7 +18694,7 @@
       </p:sp>
       <p:sp>
         <p:nvSpPr>
-          <p:cNvPr id="104" name="Google Shape;104;p17"/>
+          <p:cNvPr id="116" name="Google Shape;116;p18"/>
           <p:cNvSpPr txBox="1"/>
           <p:nvPr>
             <p:ph idx="1" type="body"/>
@@ -16285,7 +18798,28 @@
                 <a:cs typeface="Calibri"/>
                 <a:sym typeface="Calibri"/>
               </a:rPr>
-              <a:t>different occupation, Annual Income for same customer.</a:t>
+              <a:t>different occupation, Annual Income for </a:t>
+            </a:r>
+            <a:r>
+              <a:rPr b="1" i="1" lang="en-GB" sz="1300">
+                <a:solidFill>
+                  <a:srgbClr val="EF6C00"/>
+                </a:solidFill>
+                <a:latin typeface="Calibri"/>
+                <a:ea typeface="Calibri"/>
+                <a:cs typeface="Calibri"/>
+                <a:sym typeface="Calibri"/>
+              </a:rPr>
+              <a:t>same</a:t>
+            </a:r>
+            <a:r>
+              <a:rPr i="1" lang="en-GB" sz="1300">
+                <a:latin typeface="Calibri"/>
+                <a:ea typeface="Calibri"/>
+                <a:cs typeface="Calibri"/>
+                <a:sym typeface="Calibri"/>
+              </a:rPr>
+              <a:t> customer.</a:t>
             </a:r>
             <a:endParaRPr i="1" sz="1300">
               <a:latin typeface="Calibri"/>
@@ -16453,24 +18987,7 @@
                 <a:cs typeface="Calibri"/>
                 <a:sym typeface="Calibri"/>
               </a:rPr>
-              <a:t>Example for ‘Type_of_Loan’:</a:t>
-            </a:r>
-            <a:br>
-              <a:rPr lang="en-GB" sz="1300">
-                <a:latin typeface="Calibri"/>
-                <a:ea typeface="Calibri"/>
-                <a:cs typeface="Calibri"/>
-                <a:sym typeface="Calibri"/>
-              </a:rPr>
-            </a:br>
-            <a:r>
-              <a:rPr lang="en-GB" sz="1300">
-                <a:latin typeface="Calibri"/>
-                <a:ea typeface="Calibri"/>
-                <a:cs typeface="Calibri"/>
-                <a:sym typeface="Calibri"/>
-              </a:rPr>
-              <a:t>'Type_of_Loan for Customer_ID CUS_0x2dbc: Auto Loan, Auto Loan, Personal Loan and Not Specified'</a:t>
+              <a:t>Example for ‘Type_of_Loan’:  'Type_of_Loan for Customer_ID CUS_0x2dbc: Auto Loan, Auto Loan, Personal Loan and Not Specified'</a:t>
             </a:r>
             <a:endParaRPr sz="1300">
               <a:latin typeface="Calibri"/>
@@ -16550,7 +19067,7 @@
                 <a:cs typeface="Calibri"/>
                 <a:sym typeface="Calibri"/>
               </a:rPr>
-              <a:t>And lastly, since I already have over 50 columns explaining the target variable well, given the computational cost constraint, I only engineered 3 most used ratios. </a:t>
+              <a:t>And lastly, since have over 50 columns explaining the target variable well, given the computational cost constraint, I only engineered 3 most used ratios. </a:t>
             </a:r>
             <a:r>
               <a:rPr i="1" lang="en-GB" sz="1300">
@@ -16584,12 +19101,12 @@
 </p:sld>
 </file>
 
-<file path=ppt/slides/slide6.xml><?xml version="1.0" encoding="utf-8"?>
+<file path=ppt/slides/slide7.xml><?xml version="1.0" encoding="utf-8"?>
 <p:sld xmlns:a="http://schemas.openxmlformats.org/drawingml/2006/main" xmlns:r="http://schemas.openxmlformats.org/officeDocument/2006/relationships" xmlns:mc="http://schemas.openxmlformats.org/markup-compatibility/2006" xmlns:mv="urn:schemas-microsoft-com:mac:vml" xmlns:p="http://schemas.openxmlformats.org/presentationml/2006/main" xmlns:c="http://schemas.openxmlformats.org/drawingml/2006/chart" xmlns:dgm="http://schemas.openxmlformats.org/drawingml/2006/diagram" xmlns:o="urn:schemas-microsoft-com:office:office" xmlns:v="urn:schemas-microsoft-com:vml" xmlns:pvml="urn:schemas-microsoft-com:office:powerpoint" xmlns:com="http://schemas.openxmlformats.org/drawingml/2006/compatibility" xmlns:p14="http://schemas.microsoft.com/office/powerpoint/2010/main" xmlns:p15="http://schemas.microsoft.com/office/powerpoint/2012/main" xmlns:ahyp="http://schemas.microsoft.com/office/drawing/2018/hyperlinkcolor">
   <p:cSld>
     <p:spTree>
       <p:nvGrpSpPr>
-        <p:cNvPr id="108" name="Shape 108"/>
+        <p:cNvPr id="120" name="Shape 120"/>
         <p:cNvGrpSpPr/>
         <p:nvPr/>
       </p:nvGrpSpPr>
@@ -16603,7 +19120,192 @@
       </p:grpSpPr>
       <p:sp>
         <p:nvSpPr>
-          <p:cNvPr id="109" name="Google Shape;109;p18"/>
+          <p:cNvPr id="121" name="Google Shape;121;p19"/>
+          <p:cNvSpPr txBox="1"/>
+          <p:nvPr>
+            <p:ph type="title"/>
+          </p:nvPr>
+        </p:nvSpPr>
+        <p:spPr>
+          <a:xfrm>
+            <a:off x="311700" y="159275"/>
+            <a:ext cx="6786900" cy="645300"/>
+          </a:xfrm>
+          <a:prstGeom prst="rect">
+            <a:avLst/>
+          </a:prstGeom>
+          <a:noFill/>
+          <a:ln>
+            <a:noFill/>
+          </a:ln>
+        </p:spPr>
+        <p:txBody>
+          <a:bodyPr anchorCtr="0" anchor="t" bIns="91425" lIns="91425" spcFirstLastPara="1" rIns="91425" wrap="square" tIns="91425">
+            <a:normAutofit/>
+          </a:bodyPr>
+          <a:lstStyle/>
+          <a:p>
+            <a:pPr indent="0" lvl="0" marL="0" rtl="0" algn="l">
+              <a:lnSpc>
+                <a:spcPct val="100000"/>
+              </a:lnSpc>
+              <a:spcBef>
+                <a:spcPts val="0"/>
+              </a:spcBef>
+              <a:spcAft>
+                <a:spcPts val="0"/>
+              </a:spcAft>
+              <a:buSzPts val="990"/>
+              <a:buNone/>
+            </a:pPr>
+            <a:r>
+              <a:rPr lang="en-GB" sz="2640"/>
+              <a:t>Feature selection: Basic Correlation</a:t>
+            </a:r>
+            <a:endParaRPr sz="2640"/>
+          </a:p>
+        </p:txBody>
+      </p:sp>
+      <p:pic>
+        <p:nvPicPr>
+          <p:cNvPr id="122" name="Google Shape;122;p19"/>
+          <p:cNvPicPr preferRelativeResize="0"/>
+          <p:nvPr/>
+        </p:nvPicPr>
+        <p:blipFill>
+          <a:blip r:embed="rId3">
+            <a:alphaModFix/>
+          </a:blip>
+          <a:stretch>
+            <a:fillRect/>
+          </a:stretch>
+        </p:blipFill>
+        <p:spPr>
+          <a:xfrm>
+            <a:off x="4731925" y="804575"/>
+            <a:ext cx="4343543" cy="4034124"/>
+          </a:xfrm>
+          <a:prstGeom prst="rect">
+            <a:avLst/>
+          </a:prstGeom>
+          <a:noFill/>
+          <a:ln>
+            <a:noFill/>
+          </a:ln>
+        </p:spPr>
+      </p:pic>
+      <p:sp>
+        <p:nvSpPr>
+          <p:cNvPr id="123" name="Google Shape;123;p19"/>
+          <p:cNvSpPr txBox="1"/>
+          <p:nvPr/>
+        </p:nvSpPr>
+        <p:spPr>
+          <a:xfrm>
+            <a:off x="311700" y="804575"/>
+            <a:ext cx="4331400" cy="3920100"/>
+          </a:xfrm>
+          <a:prstGeom prst="rect">
+            <a:avLst/>
+          </a:prstGeom>
+          <a:noFill/>
+          <a:ln>
+            <a:noFill/>
+          </a:ln>
+        </p:spPr>
+        <p:txBody>
+          <a:bodyPr anchorCtr="0" anchor="t" bIns="91425" lIns="91425" spcFirstLastPara="1" rIns="91425" wrap="square" tIns="91425">
+            <a:spAutoFit/>
+          </a:bodyPr>
+          <a:lstStyle/>
+          <a:p>
+            <a:pPr indent="0" lvl="0" marL="0" rtl="0" algn="l">
+              <a:lnSpc>
+                <a:spcPct val="110795"/>
+              </a:lnSpc>
+              <a:spcBef>
+                <a:spcPts val="0"/>
+              </a:spcBef>
+              <a:spcAft>
+                <a:spcPts val="0"/>
+              </a:spcAft>
+              <a:buNone/>
+            </a:pPr>
+            <a:r>
+              <a:rPr lang="en-GB" sz="1000">
+                <a:highlight>
+                  <a:srgbClr val="FFFFFF"/>
+                </a:highlight>
+                <a:latin typeface="Calibri"/>
+                <a:ea typeface="Calibri"/>
+                <a:cs typeface="Calibri"/>
+                <a:sym typeface="Calibri"/>
+              </a:rPr>
+              <a:t>highly correlated variables: ['Age', 'Annual_Income', 'Monthly_Inhand_Salary', 'Num_Bank_Accounts', 'Num_Credit_Card', 'Interest_Rate', 'Num_of_Loan', 'Delay_from_due_date', 'Num_of_Delayed_Payment', 'Changed_Credit_Limit', 'Num_Credit_Inquiries', 'Outstanding_Debt', 'Credit_Utilization_Ratio', 'Credit_History_Age', 'Total_EMI_per_month', 'Amount_invested_monthly', 'Monthly_Balance', 'Occupation_Architect', 'Occupation_Developer', 'Occupation_Doctor', 'Occupation_Engineer', 'Occupation_Entrepreneur', 'Occupation_Journalist', 'Occupation_Lawyer', 'Occupation_Manager', 'Occupation_Mechanic', 'Occupation_Media_Manager', 'Occupation_Musician', 'Occupation_Scientist', 'Occupation_Teacher', 'Occupation_Writer', 'Credit_Mix_Good', 'Credit_Mix_Standard', 'Payment_of_Min_Amount_No', 'Payment_of_Min_Amount_Yes', 'Payment_Behaviour_High_spent_Medium_value_payments', 'Payment_Behaviour_High_spent_Small_value_payments', 'Payment_Behaviour_Low_spent_Large_value_payments', 'Payment_Behaviour_Low_spent_Medium_value_payments', 'Payment_Behaviour_Low_spent_Small_value_payments', 'No Data', 'auto loan', 'credit-builder loan', 'debt consolidation loan', 'home equity loan', 'mortgage loan', 'not specified', 'payday loan', 'personal loan', 'student loan', 'Debt_Income_Ratio', 'Balance_Salary_Ratio', 'EMI_Salary_Ratio', 'Credit_Utilization_Category_Medium']</a:t>
+            </a:r>
+            <a:endParaRPr sz="1000">
+              <a:highlight>
+                <a:srgbClr val="FFFFFF"/>
+              </a:highlight>
+              <a:latin typeface="Calibri"/>
+              <a:ea typeface="Calibri"/>
+              <a:cs typeface="Calibri"/>
+              <a:sym typeface="Calibri"/>
+            </a:endParaRPr>
+          </a:p>
+          <a:p>
+            <a:pPr indent="0" lvl="0" marL="0" rtl="0" algn="l">
+              <a:spcBef>
+                <a:spcPts val="0"/>
+              </a:spcBef>
+              <a:spcAft>
+                <a:spcPts val="0"/>
+              </a:spcAft>
+              <a:buNone/>
+            </a:pPr>
+            <a:r>
+              <a:t/>
+            </a:r>
+            <a:endParaRPr sz="1000">
+              <a:solidFill>
+                <a:schemeClr val="dk2"/>
+              </a:solidFill>
+              <a:latin typeface="Calibri"/>
+              <a:ea typeface="Calibri"/>
+              <a:cs typeface="Calibri"/>
+              <a:sym typeface="Calibri"/>
+            </a:endParaRPr>
+          </a:p>
+        </p:txBody>
+      </p:sp>
+    </p:spTree>
+  </p:cSld>
+  <p:clrMapOvr>
+    <a:masterClrMapping/>
+  </p:clrMapOvr>
+</p:sld>
+</file>
+
+<file path=ppt/slides/slide8.xml><?xml version="1.0" encoding="utf-8"?>
+<p:sld xmlns:a="http://schemas.openxmlformats.org/drawingml/2006/main" xmlns:r="http://schemas.openxmlformats.org/officeDocument/2006/relationships" xmlns:mc="http://schemas.openxmlformats.org/markup-compatibility/2006" xmlns:mv="urn:schemas-microsoft-com:mac:vml" xmlns:p="http://schemas.openxmlformats.org/presentationml/2006/main" xmlns:c="http://schemas.openxmlformats.org/drawingml/2006/chart" xmlns:dgm="http://schemas.openxmlformats.org/drawingml/2006/diagram" xmlns:o="urn:schemas-microsoft-com:office:office" xmlns:v="urn:schemas-microsoft-com:vml" xmlns:pvml="urn:schemas-microsoft-com:office:powerpoint" xmlns:com="http://schemas.openxmlformats.org/drawingml/2006/compatibility" xmlns:p14="http://schemas.microsoft.com/office/powerpoint/2010/main" xmlns:p15="http://schemas.microsoft.com/office/powerpoint/2012/main" xmlns:ahyp="http://schemas.microsoft.com/office/drawing/2018/hyperlinkcolor">
+  <p:cSld>
+    <p:spTree>
+      <p:nvGrpSpPr>
+        <p:cNvPr id="127" name="Shape 127"/>
+        <p:cNvGrpSpPr/>
+        <p:nvPr/>
+      </p:nvGrpSpPr>
+      <p:grpSpPr>
+        <a:xfrm>
+          <a:off x="0" y="0"/>
+          <a:ext cx="0" cy="0"/>
+          <a:chOff x="0" y="0"/>
+          <a:chExt cx="0" cy="0"/>
+        </a:xfrm>
+      </p:grpSpPr>
+      <p:sp>
+        <p:nvSpPr>
+          <p:cNvPr id="128" name="Google Shape;128;p20"/>
           <p:cNvSpPr txBox="1"/>
           <p:nvPr>
             <p:ph type="title"/>
@@ -16651,7 +19353,7 @@
       </p:sp>
       <p:pic>
         <p:nvPicPr>
-          <p:cNvPr id="110" name="Google Shape;110;p18"/>
+          <p:cNvPr id="129" name="Google Shape;129;p20"/>
           <p:cNvPicPr preferRelativeResize="0"/>
           <p:nvPr/>
         </p:nvPicPr>
@@ -16684,12 +19386,12 @@
 </p:sld>
 </file>
 
-<file path=ppt/slides/slide7.xml><?xml version="1.0" encoding="utf-8"?>
+<file path=ppt/slides/slide9.xml><?xml version="1.0" encoding="utf-8"?>
 <p:sld xmlns:a="http://schemas.openxmlformats.org/drawingml/2006/main" xmlns:r="http://schemas.openxmlformats.org/officeDocument/2006/relationships" xmlns:mc="http://schemas.openxmlformats.org/markup-compatibility/2006" xmlns:mv="urn:schemas-microsoft-com:mac:vml" xmlns:p="http://schemas.openxmlformats.org/presentationml/2006/main" xmlns:c="http://schemas.openxmlformats.org/drawingml/2006/chart" xmlns:dgm="http://schemas.openxmlformats.org/drawingml/2006/diagram" xmlns:o="urn:schemas-microsoft-com:office:office" xmlns:v="urn:schemas-microsoft-com:vml" xmlns:pvml="urn:schemas-microsoft-com:office:powerpoint" xmlns:com="http://schemas.openxmlformats.org/drawingml/2006/compatibility" xmlns:p14="http://schemas.microsoft.com/office/powerpoint/2010/main" xmlns:p15="http://schemas.microsoft.com/office/powerpoint/2012/main" xmlns:ahyp="http://schemas.microsoft.com/office/drawing/2018/hyperlinkcolor">
   <p:cSld>
     <p:spTree>
       <p:nvGrpSpPr>
-        <p:cNvPr id="114" name="Shape 114"/>
+        <p:cNvPr id="133" name="Shape 133"/>
         <p:cNvGrpSpPr/>
         <p:nvPr/>
       </p:nvGrpSpPr>
@@ -16703,7 +19405,7 @@
       </p:grpSpPr>
       <p:sp>
         <p:nvSpPr>
-          <p:cNvPr id="115" name="Google Shape;115;p19"/>
+          <p:cNvPr id="134" name="Google Shape;134;p21"/>
           <p:cNvSpPr txBox="1"/>
           <p:nvPr>
             <p:ph type="title"/>
@@ -16751,7 +19453,7 @@
       </p:sp>
       <p:pic>
         <p:nvPicPr>
-          <p:cNvPr id="116" name="Google Shape;116;p19"/>
+          <p:cNvPr id="135" name="Google Shape;135;p21"/>
           <p:cNvPicPr preferRelativeResize="0"/>
           <p:nvPr/>
         </p:nvPicPr>
@@ -16778,7 +19480,7 @@
       </p:pic>
       <p:sp>
         <p:nvSpPr>
-          <p:cNvPr id="117" name="Google Shape;117;p19"/>
+          <p:cNvPr id="136" name="Google Shape;136;p21"/>
           <p:cNvSpPr txBox="1"/>
           <p:nvPr/>
         </p:nvSpPr>
@@ -16870,1724 +19572,6 @@
             <a:endParaRPr b="0" i="1" sz="1000" u="none" cap="none" strike="noStrike">
               <a:solidFill>
                 <a:schemeClr val="dk2"/>
-              </a:solidFill>
-              <a:latin typeface="Calibri"/>
-              <a:ea typeface="Calibri"/>
-              <a:cs typeface="Calibri"/>
-              <a:sym typeface="Calibri"/>
-            </a:endParaRPr>
-          </a:p>
-        </p:txBody>
-      </p:sp>
-    </p:spTree>
-  </p:cSld>
-  <p:clrMapOvr>
-    <a:masterClrMapping/>
-  </p:clrMapOvr>
-</p:sld>
-</file>
-
-<file path=ppt/slides/slide8.xml><?xml version="1.0" encoding="utf-8"?>
-<p:sld xmlns:a="http://schemas.openxmlformats.org/drawingml/2006/main" xmlns:r="http://schemas.openxmlformats.org/officeDocument/2006/relationships" xmlns:mc="http://schemas.openxmlformats.org/markup-compatibility/2006" xmlns:mv="urn:schemas-microsoft-com:mac:vml" xmlns:p="http://schemas.openxmlformats.org/presentationml/2006/main" xmlns:c="http://schemas.openxmlformats.org/drawingml/2006/chart" xmlns:dgm="http://schemas.openxmlformats.org/drawingml/2006/diagram" xmlns:o="urn:schemas-microsoft-com:office:office" xmlns:v="urn:schemas-microsoft-com:vml" xmlns:pvml="urn:schemas-microsoft-com:office:powerpoint" xmlns:com="http://schemas.openxmlformats.org/drawingml/2006/compatibility" xmlns:p14="http://schemas.microsoft.com/office/powerpoint/2010/main" xmlns:p15="http://schemas.microsoft.com/office/powerpoint/2012/main" xmlns:ahyp="http://schemas.microsoft.com/office/drawing/2018/hyperlinkcolor">
-  <p:cSld>
-    <p:spTree>
-      <p:nvGrpSpPr>
-        <p:cNvPr id="121" name="Shape 121"/>
-        <p:cNvGrpSpPr/>
-        <p:nvPr/>
-      </p:nvGrpSpPr>
-      <p:grpSpPr>
-        <a:xfrm>
-          <a:off x="0" y="0"/>
-          <a:ext cx="0" cy="0"/>
-          <a:chOff x="0" y="0"/>
-          <a:chExt cx="0" cy="0"/>
-        </a:xfrm>
-      </p:grpSpPr>
-      <p:sp>
-        <p:nvSpPr>
-          <p:cNvPr id="122" name="Google Shape;122;p20"/>
-          <p:cNvSpPr txBox="1"/>
-          <p:nvPr>
-            <p:ph type="title"/>
-          </p:nvPr>
-        </p:nvSpPr>
-        <p:spPr>
-          <a:xfrm>
-            <a:off x="311700" y="159275"/>
-            <a:ext cx="6538800" cy="532500"/>
-          </a:xfrm>
-          <a:prstGeom prst="rect">
-            <a:avLst/>
-          </a:prstGeom>
-          <a:noFill/>
-          <a:ln>
-            <a:noFill/>
-          </a:ln>
-        </p:spPr>
-        <p:txBody>
-          <a:bodyPr anchorCtr="0" anchor="t" bIns="91425" lIns="91425" spcFirstLastPara="1" rIns="91425" wrap="square" tIns="91425">
-            <a:normAutofit/>
-          </a:bodyPr>
-          <a:lstStyle/>
-          <a:p>
-            <a:pPr indent="0" lvl="0" marL="0" rtl="0" algn="l">
-              <a:lnSpc>
-                <a:spcPct val="100000"/>
-              </a:lnSpc>
-              <a:spcBef>
-                <a:spcPts val="0"/>
-              </a:spcBef>
-              <a:spcAft>
-                <a:spcPts val="0"/>
-              </a:spcAft>
-              <a:buSzPts val="891"/>
-              <a:buNone/>
-            </a:pPr>
-            <a:r>
-              <a:rPr lang="en-GB" sz="2076"/>
-              <a:t>Model Building and Tuning: Logistic Regression (baseline model)</a:t>
-            </a:r>
-            <a:endParaRPr sz="2076"/>
-          </a:p>
-        </p:txBody>
-      </p:sp>
-      <p:pic>
-        <p:nvPicPr>
-          <p:cNvPr id="123" name="Google Shape;123;p20"/>
-          <p:cNvPicPr preferRelativeResize="0"/>
-          <p:nvPr/>
-        </p:nvPicPr>
-        <p:blipFill rotWithShape="1">
-          <a:blip r:embed="rId3">
-            <a:alphaModFix/>
-          </a:blip>
-          <a:srcRect b="0" l="2104" r="0" t="0"/>
-          <a:stretch/>
-        </p:blipFill>
-        <p:spPr>
-          <a:xfrm>
-            <a:off x="3865150" y="691775"/>
-            <a:ext cx="5278850" cy="4146925"/>
-          </a:xfrm>
-          <a:prstGeom prst="rect">
-            <a:avLst/>
-          </a:prstGeom>
-          <a:noFill/>
-          <a:ln>
-            <a:noFill/>
-          </a:ln>
-        </p:spPr>
-      </p:pic>
-      <p:sp>
-        <p:nvSpPr>
-          <p:cNvPr id="124" name="Google Shape;124;p20"/>
-          <p:cNvSpPr txBox="1"/>
-          <p:nvPr/>
-        </p:nvSpPr>
-        <p:spPr>
-          <a:xfrm>
-            <a:off x="0" y="1272138"/>
-            <a:ext cx="4331400" cy="2986200"/>
-          </a:xfrm>
-          <a:prstGeom prst="rect">
-            <a:avLst/>
-          </a:prstGeom>
-          <a:noFill/>
-          <a:ln>
-            <a:noFill/>
-          </a:ln>
-        </p:spPr>
-        <p:txBody>
-          <a:bodyPr anchorCtr="0" anchor="t" bIns="91425" lIns="91425" spcFirstLastPara="1" rIns="91425" wrap="square" tIns="91425">
-            <a:spAutoFit/>
-          </a:bodyPr>
-          <a:lstStyle/>
-          <a:p>
-            <a:pPr indent="0" lvl="0" marL="0" marR="0" rtl="0" algn="l">
-              <a:lnSpc>
-                <a:spcPct val="100000"/>
-              </a:lnSpc>
-              <a:spcBef>
-                <a:spcPts val="0"/>
-              </a:spcBef>
-              <a:spcAft>
-                <a:spcPts val="0"/>
-              </a:spcAft>
-              <a:buClr>
-                <a:srgbClr val="000000"/>
-              </a:buClr>
-              <a:buSzPts val="1300"/>
-              <a:buFont typeface="Arial"/>
-              <a:buNone/>
-            </a:pPr>
-            <a:r>
-              <a:rPr b="1" i="0" lang="en-GB" sz="1300" u="none" cap="none" strike="noStrike">
-                <a:solidFill>
-                  <a:schemeClr val="dk2"/>
-                </a:solidFill>
-                <a:latin typeface="Calibri"/>
-                <a:ea typeface="Calibri"/>
-                <a:cs typeface="Calibri"/>
-                <a:sym typeface="Calibri"/>
-              </a:rPr>
-              <a:t>Training Accuracy:</a:t>
-            </a:r>
-            <a:r>
-              <a:rPr b="0" i="0" lang="en-GB" sz="1300" u="none" cap="none" strike="noStrike">
-                <a:solidFill>
-                  <a:schemeClr val="dk2"/>
-                </a:solidFill>
-                <a:latin typeface="Calibri"/>
-                <a:ea typeface="Calibri"/>
-                <a:cs typeface="Calibri"/>
-                <a:sym typeface="Calibri"/>
-              </a:rPr>
-              <a:t> 71.47%</a:t>
-            </a:r>
-            <a:endParaRPr b="0" i="0" sz="1300" u="none" cap="none" strike="noStrike">
-              <a:solidFill>
-                <a:schemeClr val="dk2"/>
-              </a:solidFill>
-              <a:latin typeface="Calibri"/>
-              <a:ea typeface="Calibri"/>
-              <a:cs typeface="Calibri"/>
-              <a:sym typeface="Calibri"/>
-            </a:endParaRPr>
-          </a:p>
-          <a:p>
-            <a:pPr indent="0" lvl="0" marL="0" marR="0" rtl="0" algn="l">
-              <a:lnSpc>
-                <a:spcPct val="100000"/>
-              </a:lnSpc>
-              <a:spcBef>
-                <a:spcPts val="0"/>
-              </a:spcBef>
-              <a:spcAft>
-                <a:spcPts val="0"/>
-              </a:spcAft>
-              <a:buClr>
-                <a:srgbClr val="000000"/>
-              </a:buClr>
-              <a:buSzPts val="1300"/>
-              <a:buFont typeface="Arial"/>
-              <a:buNone/>
-            </a:pPr>
-            <a:r>
-              <a:rPr b="1" i="0" lang="en-GB" sz="1300" u="none" cap="none" strike="noStrike">
-                <a:solidFill>
-                  <a:schemeClr val="dk2"/>
-                </a:solidFill>
-                <a:latin typeface="Calibri"/>
-                <a:ea typeface="Calibri"/>
-                <a:cs typeface="Calibri"/>
-                <a:sym typeface="Calibri"/>
-              </a:rPr>
-              <a:t>Validation Accuracy:</a:t>
-            </a:r>
-            <a:r>
-              <a:rPr b="0" i="0" lang="en-GB" sz="1300" u="none" cap="none" strike="noStrike">
-                <a:solidFill>
-                  <a:schemeClr val="dk2"/>
-                </a:solidFill>
-                <a:latin typeface="Calibri"/>
-                <a:ea typeface="Calibri"/>
-                <a:cs typeface="Calibri"/>
-                <a:sym typeface="Calibri"/>
-              </a:rPr>
-              <a:t> 71.02%</a:t>
-            </a:r>
-            <a:endParaRPr b="0" i="0" sz="1300" u="none" cap="none" strike="noStrike">
-              <a:solidFill>
-                <a:schemeClr val="dk2"/>
-              </a:solidFill>
-              <a:latin typeface="Calibri"/>
-              <a:ea typeface="Calibri"/>
-              <a:cs typeface="Calibri"/>
-              <a:sym typeface="Calibri"/>
-            </a:endParaRPr>
-          </a:p>
-          <a:p>
-            <a:pPr indent="0" lvl="0" marL="0" marR="0" rtl="0" algn="l">
-              <a:lnSpc>
-                <a:spcPct val="100000"/>
-              </a:lnSpc>
-              <a:spcBef>
-                <a:spcPts val="0"/>
-              </a:spcBef>
-              <a:spcAft>
-                <a:spcPts val="0"/>
-              </a:spcAft>
-              <a:buClr>
-                <a:srgbClr val="000000"/>
-              </a:buClr>
-              <a:buSzPts val="1300"/>
-              <a:buFont typeface="Arial"/>
-              <a:buNone/>
-            </a:pPr>
-            <a:r>
-              <a:t/>
-            </a:r>
-            <a:endParaRPr b="0" i="0" sz="1300" u="none" cap="none" strike="noStrike">
-              <a:solidFill>
-                <a:schemeClr val="dk2"/>
-              </a:solidFill>
-              <a:latin typeface="Calibri"/>
-              <a:ea typeface="Calibri"/>
-              <a:cs typeface="Calibri"/>
-              <a:sym typeface="Calibri"/>
-            </a:endParaRPr>
-          </a:p>
-          <a:p>
-            <a:pPr indent="0" lvl="0" marL="0" marR="0" rtl="0" algn="l">
-              <a:lnSpc>
-                <a:spcPct val="100000"/>
-              </a:lnSpc>
-              <a:spcBef>
-                <a:spcPts val="0"/>
-              </a:spcBef>
-              <a:spcAft>
-                <a:spcPts val="0"/>
-              </a:spcAft>
-              <a:buClr>
-                <a:srgbClr val="000000"/>
-              </a:buClr>
-              <a:buSzPts val="1300"/>
-              <a:buFont typeface="Arial"/>
-              <a:buNone/>
-            </a:pPr>
-            <a:r>
-              <a:rPr b="0" i="0" lang="en-GB" sz="1300" u="none" cap="none" strike="noStrike">
-                <a:solidFill>
-                  <a:schemeClr val="dk2"/>
-                </a:solidFill>
-                <a:latin typeface="Calibri"/>
-                <a:ea typeface="Calibri"/>
-                <a:cs typeface="Calibri"/>
-                <a:sym typeface="Calibri"/>
-              </a:rPr>
-              <a:t>Precision, Recall, F1-Score for each class:</a:t>
-            </a:r>
-            <a:endParaRPr b="0" i="0" sz="1300" u="none" cap="none" strike="noStrike">
-              <a:solidFill>
-                <a:schemeClr val="dk2"/>
-              </a:solidFill>
-              <a:latin typeface="Calibri"/>
-              <a:ea typeface="Calibri"/>
-              <a:cs typeface="Calibri"/>
-              <a:sym typeface="Calibri"/>
-            </a:endParaRPr>
-          </a:p>
-          <a:p>
-            <a:pPr indent="0" lvl="0" marL="0" marR="0" rtl="0" algn="l">
-              <a:lnSpc>
-                <a:spcPct val="100000"/>
-              </a:lnSpc>
-              <a:spcBef>
-                <a:spcPts val="0"/>
-              </a:spcBef>
-              <a:spcAft>
-                <a:spcPts val="0"/>
-              </a:spcAft>
-              <a:buClr>
-                <a:srgbClr val="000000"/>
-              </a:buClr>
-              <a:buSzPts val="1300"/>
-              <a:buFont typeface="Arial"/>
-              <a:buNone/>
-            </a:pPr>
-            <a:r>
-              <a:t/>
-            </a:r>
-            <a:endParaRPr b="0" i="0" sz="1300" u="none" cap="none" strike="noStrike">
-              <a:solidFill>
-                <a:schemeClr val="dk2"/>
-              </a:solidFill>
-              <a:latin typeface="Calibri"/>
-              <a:ea typeface="Calibri"/>
-              <a:cs typeface="Calibri"/>
-              <a:sym typeface="Calibri"/>
-            </a:endParaRPr>
-          </a:p>
-          <a:p>
-            <a:pPr indent="0" lvl="0" marL="0" marR="0" rtl="0" algn="l">
-              <a:lnSpc>
-                <a:spcPct val="100000"/>
-              </a:lnSpc>
-              <a:spcBef>
-                <a:spcPts val="0"/>
-              </a:spcBef>
-              <a:spcAft>
-                <a:spcPts val="0"/>
-              </a:spcAft>
-              <a:buClr>
-                <a:srgbClr val="000000"/>
-              </a:buClr>
-              <a:buSzPts val="1300"/>
-              <a:buFont typeface="Arial"/>
-              <a:buNone/>
-            </a:pPr>
-            <a:r>
-              <a:rPr b="1" i="0" lang="en-GB" sz="1300" u="none" cap="none" strike="noStrike">
-                <a:solidFill>
-                  <a:schemeClr val="dk2"/>
-                </a:solidFill>
-                <a:latin typeface="Calibri"/>
-                <a:ea typeface="Calibri"/>
-                <a:cs typeface="Calibri"/>
-                <a:sym typeface="Calibri"/>
-              </a:rPr>
-              <a:t>Good:</a:t>
-            </a:r>
-            <a:r>
-              <a:rPr b="0" i="0" lang="en-GB" sz="1300" u="none" cap="none" strike="noStrike">
-                <a:solidFill>
-                  <a:schemeClr val="dk2"/>
-                </a:solidFill>
-                <a:latin typeface="Calibri"/>
-                <a:ea typeface="Calibri"/>
-                <a:cs typeface="Calibri"/>
-                <a:sym typeface="Calibri"/>
-              </a:rPr>
-              <a:t> Precision - 70%, Recall - 86%, F1-Score - 77%</a:t>
-            </a:r>
-            <a:endParaRPr b="0" i="0" sz="1300" u="none" cap="none" strike="noStrike">
-              <a:solidFill>
-                <a:schemeClr val="dk2"/>
-              </a:solidFill>
-              <a:latin typeface="Calibri"/>
-              <a:ea typeface="Calibri"/>
-              <a:cs typeface="Calibri"/>
-              <a:sym typeface="Calibri"/>
-            </a:endParaRPr>
-          </a:p>
-          <a:p>
-            <a:pPr indent="0" lvl="0" marL="0" marR="0" rtl="0" algn="l">
-              <a:lnSpc>
-                <a:spcPct val="100000"/>
-              </a:lnSpc>
-              <a:spcBef>
-                <a:spcPts val="0"/>
-              </a:spcBef>
-              <a:spcAft>
-                <a:spcPts val="0"/>
-              </a:spcAft>
-              <a:buClr>
-                <a:srgbClr val="000000"/>
-              </a:buClr>
-              <a:buSzPts val="1300"/>
-              <a:buFont typeface="Arial"/>
-              <a:buNone/>
-            </a:pPr>
-            <a:r>
-              <a:rPr b="1" i="0" lang="en-GB" sz="1300" u="none" cap="none" strike="noStrike">
-                <a:solidFill>
-                  <a:schemeClr val="dk2"/>
-                </a:solidFill>
-                <a:latin typeface="Calibri"/>
-                <a:ea typeface="Calibri"/>
-                <a:cs typeface="Calibri"/>
-                <a:sym typeface="Calibri"/>
-              </a:rPr>
-              <a:t>Standard:</a:t>
-            </a:r>
-            <a:r>
-              <a:rPr b="0" i="0" lang="en-GB" sz="1300" u="none" cap="none" strike="noStrike">
-                <a:solidFill>
-                  <a:schemeClr val="dk2"/>
-                </a:solidFill>
-                <a:latin typeface="Calibri"/>
-                <a:ea typeface="Calibri"/>
-                <a:cs typeface="Calibri"/>
-                <a:sym typeface="Calibri"/>
-              </a:rPr>
-              <a:t> Precision - 74%, Recall - 68%, F1-Score - 71%</a:t>
-            </a:r>
-            <a:endParaRPr b="0" i="0" sz="1300" u="none" cap="none" strike="noStrike">
-              <a:solidFill>
-                <a:schemeClr val="dk2"/>
-              </a:solidFill>
-              <a:latin typeface="Calibri"/>
-              <a:ea typeface="Calibri"/>
-              <a:cs typeface="Calibri"/>
-              <a:sym typeface="Calibri"/>
-            </a:endParaRPr>
-          </a:p>
-          <a:p>
-            <a:pPr indent="0" lvl="0" marL="0" marR="0" rtl="0" algn="l">
-              <a:lnSpc>
-                <a:spcPct val="100000"/>
-              </a:lnSpc>
-              <a:spcBef>
-                <a:spcPts val="0"/>
-              </a:spcBef>
-              <a:spcAft>
-                <a:spcPts val="0"/>
-              </a:spcAft>
-              <a:buClr>
-                <a:srgbClr val="000000"/>
-              </a:buClr>
-              <a:buSzPts val="1300"/>
-              <a:buFont typeface="Arial"/>
-              <a:buNone/>
-            </a:pPr>
-            <a:r>
-              <a:rPr b="1" i="0" lang="en-GB" sz="1300" u="none" cap="none" strike="noStrike">
-                <a:solidFill>
-                  <a:schemeClr val="dk2"/>
-                </a:solidFill>
-                <a:latin typeface="Calibri"/>
-                <a:ea typeface="Calibri"/>
-                <a:cs typeface="Calibri"/>
-                <a:sym typeface="Calibri"/>
-              </a:rPr>
-              <a:t>Poor:</a:t>
-            </a:r>
-            <a:r>
-              <a:rPr b="0" i="0" lang="en-GB" sz="1300" u="none" cap="none" strike="noStrike">
-                <a:solidFill>
-                  <a:schemeClr val="dk2"/>
-                </a:solidFill>
-                <a:latin typeface="Calibri"/>
-                <a:ea typeface="Calibri"/>
-                <a:cs typeface="Calibri"/>
-                <a:sym typeface="Calibri"/>
-              </a:rPr>
-              <a:t> Precision - 69%, Recall - 59%, F1-Score - 64%</a:t>
-            </a:r>
-            <a:endParaRPr b="0" i="0" sz="1300" u="none" cap="none" strike="noStrike">
-              <a:solidFill>
-                <a:schemeClr val="dk2"/>
-              </a:solidFill>
-              <a:latin typeface="Calibri"/>
-              <a:ea typeface="Calibri"/>
-              <a:cs typeface="Calibri"/>
-              <a:sym typeface="Calibri"/>
-            </a:endParaRPr>
-          </a:p>
-          <a:p>
-            <a:pPr indent="0" lvl="0" marL="0" marR="0" rtl="0" algn="l">
-              <a:lnSpc>
-                <a:spcPct val="100000"/>
-              </a:lnSpc>
-              <a:spcBef>
-                <a:spcPts val="0"/>
-              </a:spcBef>
-              <a:spcAft>
-                <a:spcPts val="0"/>
-              </a:spcAft>
-              <a:buClr>
-                <a:srgbClr val="000000"/>
-              </a:buClr>
-              <a:buSzPts val="1300"/>
-              <a:buFont typeface="Arial"/>
-              <a:buNone/>
-            </a:pPr>
-            <a:r>
-              <a:t/>
-            </a:r>
-            <a:endParaRPr b="0" i="0" sz="1300" u="none" cap="none" strike="noStrike">
-              <a:solidFill>
-                <a:schemeClr val="dk2"/>
-              </a:solidFill>
-              <a:latin typeface="Calibri"/>
-              <a:ea typeface="Calibri"/>
-              <a:cs typeface="Calibri"/>
-              <a:sym typeface="Calibri"/>
-            </a:endParaRPr>
-          </a:p>
-          <a:p>
-            <a:pPr indent="457200" lvl="0" marL="0" marR="0" rtl="0" algn="l">
-              <a:lnSpc>
-                <a:spcPct val="100000"/>
-              </a:lnSpc>
-              <a:spcBef>
-                <a:spcPts val="0"/>
-              </a:spcBef>
-              <a:spcAft>
-                <a:spcPts val="0"/>
-              </a:spcAft>
-              <a:buClr>
-                <a:srgbClr val="000000"/>
-              </a:buClr>
-              <a:buSzPts val="1300"/>
-              <a:buFont typeface="Arial"/>
-              <a:buNone/>
-            </a:pPr>
-            <a:r>
-              <a:rPr b="0" i="0" lang="en-GB" sz="1300" u="none" cap="none" strike="noStrike">
-                <a:solidFill>
-                  <a:schemeClr val="dk2"/>
-                </a:solidFill>
-                <a:latin typeface="Calibri"/>
-                <a:ea typeface="Calibri"/>
-                <a:cs typeface="Calibri"/>
-                <a:sym typeface="Calibri"/>
-              </a:rPr>
-              <a:t>≈20s to train</a:t>
-            </a:r>
-            <a:endParaRPr b="0" i="0" sz="1300" u="none" cap="none" strike="noStrike">
-              <a:solidFill>
-                <a:schemeClr val="dk2"/>
-              </a:solidFill>
-              <a:latin typeface="Calibri"/>
-              <a:ea typeface="Calibri"/>
-              <a:cs typeface="Calibri"/>
-              <a:sym typeface="Calibri"/>
-            </a:endParaRPr>
-          </a:p>
-          <a:p>
-            <a:pPr indent="0" lvl="0" marL="0" marR="0" rtl="0" algn="l">
-              <a:lnSpc>
-                <a:spcPct val="100000"/>
-              </a:lnSpc>
-              <a:spcBef>
-                <a:spcPts val="0"/>
-              </a:spcBef>
-              <a:spcAft>
-                <a:spcPts val="0"/>
-              </a:spcAft>
-              <a:buClr>
-                <a:srgbClr val="000000"/>
-              </a:buClr>
-              <a:buSzPts val="1300"/>
-              <a:buFont typeface="Arial"/>
-              <a:buNone/>
-            </a:pPr>
-            <a:r>
-              <a:t/>
-            </a:r>
-            <a:endParaRPr b="0" i="0" sz="1300" u="none" cap="none" strike="noStrike">
-              <a:solidFill>
-                <a:schemeClr val="dk2"/>
-              </a:solidFill>
-              <a:latin typeface="Calibri"/>
-              <a:ea typeface="Calibri"/>
-              <a:cs typeface="Calibri"/>
-              <a:sym typeface="Calibri"/>
-            </a:endParaRPr>
-          </a:p>
-          <a:p>
-            <a:pPr indent="0" lvl="0" marL="0" marR="0" rtl="0" algn="l">
-              <a:lnSpc>
-                <a:spcPct val="100000"/>
-              </a:lnSpc>
-              <a:spcBef>
-                <a:spcPts val="0"/>
-              </a:spcBef>
-              <a:spcAft>
-                <a:spcPts val="0"/>
-              </a:spcAft>
-              <a:buClr>
-                <a:srgbClr val="000000"/>
-              </a:buClr>
-              <a:buSzPts val="1300"/>
-              <a:buFont typeface="Arial"/>
-              <a:buNone/>
-            </a:pPr>
-            <a:r>
-              <a:t/>
-            </a:r>
-            <a:endParaRPr b="0" i="0" sz="1300" u="none" cap="none" strike="noStrike">
-              <a:solidFill>
-                <a:schemeClr val="dk2"/>
-              </a:solidFill>
-              <a:latin typeface="Calibri"/>
-              <a:ea typeface="Calibri"/>
-              <a:cs typeface="Calibri"/>
-              <a:sym typeface="Calibri"/>
-            </a:endParaRPr>
-          </a:p>
-          <a:p>
-            <a:pPr indent="0" lvl="0" marL="0" marR="0" rtl="0" algn="l">
-              <a:lnSpc>
-                <a:spcPct val="100000"/>
-              </a:lnSpc>
-              <a:spcBef>
-                <a:spcPts val="0"/>
-              </a:spcBef>
-              <a:spcAft>
-                <a:spcPts val="0"/>
-              </a:spcAft>
-              <a:buClr>
-                <a:srgbClr val="000000"/>
-              </a:buClr>
-              <a:buSzPts val="1300"/>
-              <a:buFont typeface="Arial"/>
-              <a:buNone/>
-            </a:pPr>
-            <a:r>
-              <a:rPr b="0" i="0" lang="en-GB" sz="1300" u="none" cap="none" strike="noStrike">
-                <a:solidFill>
-                  <a:schemeClr val="dk2"/>
-                </a:solidFill>
-                <a:latin typeface="Calibri"/>
-                <a:ea typeface="Calibri"/>
-                <a:cs typeface="Calibri"/>
-                <a:sym typeface="Calibri"/>
-              </a:rPr>
-              <a:t>Note: No parameters, tuning and etc.</a:t>
-            </a:r>
-            <a:endParaRPr b="0" i="0" sz="1300" u="none" cap="none" strike="noStrike">
-              <a:solidFill>
-                <a:schemeClr val="dk2"/>
-              </a:solidFill>
-              <a:latin typeface="Calibri"/>
-              <a:ea typeface="Calibri"/>
-              <a:cs typeface="Calibri"/>
-              <a:sym typeface="Calibri"/>
-            </a:endParaRPr>
-          </a:p>
-          <a:p>
-            <a:pPr indent="0" lvl="0" marL="0" marR="0" rtl="0" algn="l">
-              <a:lnSpc>
-                <a:spcPct val="100000"/>
-              </a:lnSpc>
-              <a:spcBef>
-                <a:spcPts val="0"/>
-              </a:spcBef>
-              <a:spcAft>
-                <a:spcPts val="0"/>
-              </a:spcAft>
-              <a:buClr>
-                <a:srgbClr val="000000"/>
-              </a:buClr>
-              <a:buSzPts val="1300"/>
-              <a:buFont typeface="Arial"/>
-              <a:buNone/>
-            </a:pPr>
-            <a:r>
-              <a:t/>
-            </a:r>
-            <a:endParaRPr b="0" i="0" sz="1300" u="none" cap="none" strike="noStrike">
-              <a:solidFill>
-                <a:schemeClr val="dk2"/>
-              </a:solidFill>
-              <a:latin typeface="Calibri"/>
-              <a:ea typeface="Calibri"/>
-              <a:cs typeface="Calibri"/>
-              <a:sym typeface="Calibri"/>
-            </a:endParaRPr>
-          </a:p>
-        </p:txBody>
-      </p:sp>
-    </p:spTree>
-  </p:cSld>
-  <p:clrMapOvr>
-    <a:masterClrMapping/>
-  </p:clrMapOvr>
-</p:sld>
-</file>
-
-<file path=ppt/slides/slide9.xml><?xml version="1.0" encoding="utf-8"?>
-<p:sld xmlns:a="http://schemas.openxmlformats.org/drawingml/2006/main" xmlns:r="http://schemas.openxmlformats.org/officeDocument/2006/relationships" xmlns:mc="http://schemas.openxmlformats.org/markup-compatibility/2006" xmlns:mv="urn:schemas-microsoft-com:mac:vml" xmlns:p="http://schemas.openxmlformats.org/presentationml/2006/main" xmlns:c="http://schemas.openxmlformats.org/drawingml/2006/chart" xmlns:dgm="http://schemas.openxmlformats.org/drawingml/2006/diagram" xmlns:o="urn:schemas-microsoft-com:office:office" xmlns:v="urn:schemas-microsoft-com:vml" xmlns:pvml="urn:schemas-microsoft-com:office:powerpoint" xmlns:com="http://schemas.openxmlformats.org/drawingml/2006/compatibility" xmlns:p14="http://schemas.microsoft.com/office/powerpoint/2010/main" xmlns:p15="http://schemas.microsoft.com/office/powerpoint/2012/main" xmlns:ahyp="http://schemas.microsoft.com/office/drawing/2018/hyperlinkcolor">
-  <p:cSld>
-    <p:spTree>
-      <p:nvGrpSpPr>
-        <p:cNvPr id="128" name="Shape 128"/>
-        <p:cNvGrpSpPr/>
-        <p:nvPr/>
-      </p:nvGrpSpPr>
-      <p:grpSpPr>
-        <a:xfrm>
-          <a:off x="0" y="0"/>
-          <a:ext cx="0" cy="0"/>
-          <a:chOff x="0" y="0"/>
-          <a:chExt cx="0" cy="0"/>
-        </a:xfrm>
-      </p:grpSpPr>
-      <p:sp>
-        <p:nvSpPr>
-          <p:cNvPr id="129" name="Google Shape;129;p21"/>
-          <p:cNvSpPr txBox="1"/>
-          <p:nvPr>
-            <p:ph type="title"/>
-          </p:nvPr>
-        </p:nvSpPr>
-        <p:spPr>
-          <a:xfrm>
-            <a:off x="311700" y="159275"/>
-            <a:ext cx="6538800" cy="532500"/>
-          </a:xfrm>
-          <a:prstGeom prst="rect">
-            <a:avLst/>
-          </a:prstGeom>
-          <a:noFill/>
-          <a:ln>
-            <a:noFill/>
-          </a:ln>
-        </p:spPr>
-        <p:txBody>
-          <a:bodyPr anchorCtr="0" anchor="t" bIns="91425" lIns="91425" spcFirstLastPara="1" rIns="91425" wrap="square" tIns="91425">
-            <a:normAutofit fontScale="90000"/>
-          </a:bodyPr>
-          <a:lstStyle/>
-          <a:p>
-            <a:pPr indent="0" lvl="0" marL="0" rtl="0" algn="l">
-              <a:lnSpc>
-                <a:spcPct val="100000"/>
-              </a:lnSpc>
-              <a:spcBef>
-                <a:spcPts val="0"/>
-              </a:spcBef>
-              <a:spcAft>
-                <a:spcPts val="0"/>
-              </a:spcAft>
-              <a:buSzPct val="42919"/>
-              <a:buNone/>
-            </a:pPr>
-            <a:r>
-              <a:rPr lang="en-GB" sz="2076"/>
-              <a:t>Model Building and Tuning: Decision Trees</a:t>
-            </a:r>
-            <a:endParaRPr sz="2076"/>
-          </a:p>
-          <a:p>
-            <a:pPr indent="0" lvl="0" marL="0" rtl="0" algn="l">
-              <a:lnSpc>
-                <a:spcPct val="100000"/>
-              </a:lnSpc>
-              <a:spcBef>
-                <a:spcPts val="0"/>
-              </a:spcBef>
-              <a:spcAft>
-                <a:spcPts val="0"/>
-              </a:spcAft>
-              <a:buSzPct val="42919"/>
-              <a:buNone/>
-            </a:pPr>
-            <a:r>
-              <a:t/>
-            </a:r>
-            <a:endParaRPr sz="2076"/>
-          </a:p>
-        </p:txBody>
-      </p:sp>
-      <p:pic>
-        <p:nvPicPr>
-          <p:cNvPr id="130" name="Google Shape;130;p21"/>
-          <p:cNvPicPr preferRelativeResize="0"/>
-          <p:nvPr/>
-        </p:nvPicPr>
-        <p:blipFill rotWithShape="1">
-          <a:blip r:embed="rId3">
-            <a:alphaModFix/>
-          </a:blip>
-          <a:srcRect b="0" l="0" r="0" t="0"/>
-          <a:stretch/>
-        </p:blipFill>
-        <p:spPr>
-          <a:xfrm>
-            <a:off x="3919550" y="691775"/>
-            <a:ext cx="5224449" cy="4284150"/>
-          </a:xfrm>
-          <a:prstGeom prst="rect">
-            <a:avLst/>
-          </a:prstGeom>
-          <a:noFill/>
-          <a:ln>
-            <a:noFill/>
-          </a:ln>
-        </p:spPr>
-      </p:pic>
-      <p:sp>
-        <p:nvSpPr>
-          <p:cNvPr id="131" name="Google Shape;131;p21"/>
-          <p:cNvSpPr txBox="1"/>
-          <p:nvPr/>
-        </p:nvSpPr>
-        <p:spPr>
-          <a:xfrm>
-            <a:off x="0" y="1272150"/>
-            <a:ext cx="9144000" cy="3850500"/>
-          </a:xfrm>
-          <a:prstGeom prst="rect">
-            <a:avLst/>
-          </a:prstGeom>
-          <a:noFill/>
-          <a:ln>
-            <a:noFill/>
-          </a:ln>
-        </p:spPr>
-        <p:txBody>
-          <a:bodyPr anchorCtr="0" anchor="t" bIns="91425" lIns="91425" spcFirstLastPara="1" rIns="91425" wrap="square" tIns="91425">
-            <a:spAutoFit/>
-          </a:bodyPr>
-          <a:lstStyle/>
-          <a:p>
-            <a:pPr indent="0" lvl="0" marL="0" marR="0" rtl="0" algn="l">
-              <a:lnSpc>
-                <a:spcPct val="100000"/>
-              </a:lnSpc>
-              <a:spcBef>
-                <a:spcPts val="0"/>
-              </a:spcBef>
-              <a:spcAft>
-                <a:spcPts val="0"/>
-              </a:spcAft>
-              <a:buClr>
-                <a:srgbClr val="000000"/>
-              </a:buClr>
-              <a:buSzPts val="1300"/>
-              <a:buFont typeface="Arial"/>
-              <a:buNone/>
-            </a:pPr>
-            <a:r>
-              <a:rPr b="1" i="0" lang="en-GB" sz="1300" u="none" cap="none" strike="noStrike">
-                <a:solidFill>
-                  <a:schemeClr val="dk2"/>
-                </a:solidFill>
-                <a:latin typeface="Calibri"/>
-                <a:ea typeface="Calibri"/>
-                <a:cs typeface="Calibri"/>
-                <a:sym typeface="Calibri"/>
-              </a:rPr>
-              <a:t>Training Accuracy:</a:t>
-            </a:r>
-            <a:r>
-              <a:rPr b="0" i="0" lang="en-GB" sz="1300" u="none" cap="none" strike="noStrike">
-                <a:solidFill>
-                  <a:schemeClr val="dk2"/>
-                </a:solidFill>
-                <a:latin typeface="Calibri"/>
-                <a:ea typeface="Calibri"/>
-                <a:cs typeface="Calibri"/>
-                <a:sym typeface="Calibri"/>
-              </a:rPr>
-              <a:t> 88.09%</a:t>
-            </a:r>
-            <a:endParaRPr b="0" i="0" sz="1300" u="none" cap="none" strike="noStrike">
-              <a:solidFill>
-                <a:schemeClr val="dk2"/>
-              </a:solidFill>
-              <a:latin typeface="Calibri"/>
-              <a:ea typeface="Calibri"/>
-              <a:cs typeface="Calibri"/>
-              <a:sym typeface="Calibri"/>
-            </a:endParaRPr>
-          </a:p>
-          <a:p>
-            <a:pPr indent="0" lvl="0" marL="0" marR="0" rtl="0" algn="l">
-              <a:lnSpc>
-                <a:spcPct val="100000"/>
-              </a:lnSpc>
-              <a:spcBef>
-                <a:spcPts val="0"/>
-              </a:spcBef>
-              <a:spcAft>
-                <a:spcPts val="0"/>
-              </a:spcAft>
-              <a:buClr>
-                <a:srgbClr val="000000"/>
-              </a:buClr>
-              <a:buSzPts val="1300"/>
-              <a:buFont typeface="Arial"/>
-              <a:buNone/>
-            </a:pPr>
-            <a:r>
-              <a:rPr b="1" i="0" lang="en-GB" sz="1300" u="none" cap="none" strike="noStrike">
-                <a:solidFill>
-                  <a:schemeClr val="dk2"/>
-                </a:solidFill>
-                <a:latin typeface="Calibri"/>
-                <a:ea typeface="Calibri"/>
-                <a:cs typeface="Calibri"/>
-                <a:sym typeface="Calibri"/>
-              </a:rPr>
-              <a:t>Validation Accuracy:</a:t>
-            </a:r>
-            <a:r>
-              <a:rPr b="0" i="0" lang="en-GB" sz="1300" u="none" cap="none" strike="noStrike">
-                <a:solidFill>
-                  <a:schemeClr val="dk2"/>
-                </a:solidFill>
-                <a:latin typeface="Calibri"/>
-                <a:ea typeface="Calibri"/>
-                <a:cs typeface="Calibri"/>
-                <a:sym typeface="Calibri"/>
-              </a:rPr>
-              <a:t> 80.54%</a:t>
-            </a:r>
-            <a:endParaRPr b="0" i="0" sz="1300" u="none" cap="none" strike="noStrike">
-              <a:solidFill>
-                <a:schemeClr val="dk2"/>
-              </a:solidFill>
-              <a:latin typeface="Calibri"/>
-              <a:ea typeface="Calibri"/>
-              <a:cs typeface="Calibri"/>
-              <a:sym typeface="Calibri"/>
-            </a:endParaRPr>
-          </a:p>
-          <a:p>
-            <a:pPr indent="0" lvl="0" marL="0" marR="0" rtl="0" algn="l">
-              <a:lnSpc>
-                <a:spcPct val="100000"/>
-              </a:lnSpc>
-              <a:spcBef>
-                <a:spcPts val="0"/>
-              </a:spcBef>
-              <a:spcAft>
-                <a:spcPts val="0"/>
-              </a:spcAft>
-              <a:buClr>
-                <a:srgbClr val="000000"/>
-              </a:buClr>
-              <a:buSzPts val="1300"/>
-              <a:buFont typeface="Arial"/>
-              <a:buNone/>
-            </a:pPr>
-            <a:r>
-              <a:t/>
-            </a:r>
-            <a:endParaRPr b="0" i="0" sz="1300" u="none" cap="none" strike="noStrike">
-              <a:solidFill>
-                <a:schemeClr val="dk2"/>
-              </a:solidFill>
-              <a:latin typeface="Calibri"/>
-              <a:ea typeface="Calibri"/>
-              <a:cs typeface="Calibri"/>
-              <a:sym typeface="Calibri"/>
-            </a:endParaRPr>
-          </a:p>
-          <a:p>
-            <a:pPr indent="0" lvl="0" marL="0" marR="0" rtl="0" algn="l">
-              <a:lnSpc>
-                <a:spcPct val="100000"/>
-              </a:lnSpc>
-              <a:spcBef>
-                <a:spcPts val="0"/>
-              </a:spcBef>
-              <a:spcAft>
-                <a:spcPts val="0"/>
-              </a:spcAft>
-              <a:buClr>
-                <a:srgbClr val="000000"/>
-              </a:buClr>
-              <a:buSzPts val="1300"/>
-              <a:buFont typeface="Arial"/>
-              <a:buNone/>
-            </a:pPr>
-            <a:r>
-              <a:rPr b="0" i="0" lang="en-GB" sz="1300" u="none" cap="none" strike="noStrike">
-                <a:solidFill>
-                  <a:schemeClr val="dk2"/>
-                </a:solidFill>
-                <a:latin typeface="Calibri"/>
-                <a:ea typeface="Calibri"/>
-                <a:cs typeface="Calibri"/>
-                <a:sym typeface="Calibri"/>
-              </a:rPr>
-              <a:t>Precision, Recall, F1-Score for each class:</a:t>
-            </a:r>
-            <a:endParaRPr b="0" i="0" sz="1300" u="none" cap="none" strike="noStrike">
-              <a:solidFill>
-                <a:schemeClr val="dk2"/>
-              </a:solidFill>
-              <a:latin typeface="Calibri"/>
-              <a:ea typeface="Calibri"/>
-              <a:cs typeface="Calibri"/>
-              <a:sym typeface="Calibri"/>
-            </a:endParaRPr>
-          </a:p>
-          <a:p>
-            <a:pPr indent="0" lvl="0" marL="0" marR="0" rtl="0" algn="l">
-              <a:lnSpc>
-                <a:spcPct val="100000"/>
-              </a:lnSpc>
-              <a:spcBef>
-                <a:spcPts val="0"/>
-              </a:spcBef>
-              <a:spcAft>
-                <a:spcPts val="0"/>
-              </a:spcAft>
-              <a:buClr>
-                <a:srgbClr val="000000"/>
-              </a:buClr>
-              <a:buSzPts val="1300"/>
-              <a:buFont typeface="Arial"/>
-              <a:buNone/>
-            </a:pPr>
-            <a:r>
-              <a:t/>
-            </a:r>
-            <a:endParaRPr b="0" i="0" sz="1300" u="none" cap="none" strike="noStrike">
-              <a:solidFill>
-                <a:schemeClr val="dk2"/>
-              </a:solidFill>
-              <a:latin typeface="Calibri"/>
-              <a:ea typeface="Calibri"/>
-              <a:cs typeface="Calibri"/>
-              <a:sym typeface="Calibri"/>
-            </a:endParaRPr>
-          </a:p>
-          <a:p>
-            <a:pPr indent="0" lvl="0" marL="0" marR="0" rtl="0" algn="l">
-              <a:lnSpc>
-                <a:spcPct val="100000"/>
-              </a:lnSpc>
-              <a:spcBef>
-                <a:spcPts val="0"/>
-              </a:spcBef>
-              <a:spcAft>
-                <a:spcPts val="0"/>
-              </a:spcAft>
-              <a:buClr>
-                <a:srgbClr val="000000"/>
-              </a:buClr>
-              <a:buSzPts val="1300"/>
-              <a:buFont typeface="Arial"/>
-              <a:buNone/>
-            </a:pPr>
-            <a:r>
-              <a:rPr b="1" i="0" lang="en-GB" sz="1300" u="none" cap="none" strike="noStrike">
-                <a:solidFill>
-                  <a:schemeClr val="dk2"/>
-                </a:solidFill>
-                <a:latin typeface="Calibri"/>
-                <a:ea typeface="Calibri"/>
-                <a:cs typeface="Calibri"/>
-                <a:sym typeface="Calibri"/>
-              </a:rPr>
-              <a:t>Good:</a:t>
-            </a:r>
-            <a:r>
-              <a:rPr b="0" i="0" lang="en-GB" sz="1300" u="none" cap="none" strike="noStrike">
-                <a:solidFill>
-                  <a:schemeClr val="dk2"/>
-                </a:solidFill>
-                <a:latin typeface="Calibri"/>
-                <a:ea typeface="Calibri"/>
-                <a:cs typeface="Calibri"/>
-                <a:sym typeface="Calibri"/>
-              </a:rPr>
-              <a:t> Precision - 81%, Recall - 89%, F1-Score - 85%</a:t>
-            </a:r>
-            <a:endParaRPr b="0" i="0" sz="1300" u="none" cap="none" strike="noStrike">
-              <a:solidFill>
-                <a:schemeClr val="dk2"/>
-              </a:solidFill>
-              <a:latin typeface="Calibri"/>
-              <a:ea typeface="Calibri"/>
-              <a:cs typeface="Calibri"/>
-              <a:sym typeface="Calibri"/>
-            </a:endParaRPr>
-          </a:p>
-          <a:p>
-            <a:pPr indent="0" lvl="0" marL="0" marR="0" rtl="0" algn="l">
-              <a:lnSpc>
-                <a:spcPct val="100000"/>
-              </a:lnSpc>
-              <a:spcBef>
-                <a:spcPts val="0"/>
-              </a:spcBef>
-              <a:spcAft>
-                <a:spcPts val="0"/>
-              </a:spcAft>
-              <a:buClr>
-                <a:srgbClr val="000000"/>
-              </a:buClr>
-              <a:buSzPts val="1300"/>
-              <a:buFont typeface="Arial"/>
-              <a:buNone/>
-            </a:pPr>
-            <a:r>
-              <a:rPr b="1" i="0" lang="en-GB" sz="1300" u="none" cap="none" strike="noStrike">
-                <a:solidFill>
-                  <a:schemeClr val="dk2"/>
-                </a:solidFill>
-                <a:latin typeface="Calibri"/>
-                <a:ea typeface="Calibri"/>
-                <a:cs typeface="Calibri"/>
-                <a:sym typeface="Calibri"/>
-              </a:rPr>
-              <a:t>Standard:</a:t>
-            </a:r>
-            <a:r>
-              <a:rPr b="0" i="0" lang="en-GB" sz="1300" u="none" cap="none" strike="noStrike">
-                <a:solidFill>
-                  <a:schemeClr val="dk2"/>
-                </a:solidFill>
-                <a:latin typeface="Calibri"/>
-                <a:ea typeface="Calibri"/>
-                <a:cs typeface="Calibri"/>
-                <a:sym typeface="Calibri"/>
-              </a:rPr>
-              <a:t> Precision - 82%, Recall - 85%, F1-Score - 83%</a:t>
-            </a:r>
-            <a:endParaRPr b="0" i="0" sz="1300" u="none" cap="none" strike="noStrike">
-              <a:solidFill>
-                <a:schemeClr val="dk2"/>
-              </a:solidFill>
-              <a:latin typeface="Calibri"/>
-              <a:ea typeface="Calibri"/>
-              <a:cs typeface="Calibri"/>
-              <a:sym typeface="Calibri"/>
-            </a:endParaRPr>
-          </a:p>
-          <a:p>
-            <a:pPr indent="0" lvl="0" marL="0" marR="0" rtl="0" algn="l">
-              <a:lnSpc>
-                <a:spcPct val="100000"/>
-              </a:lnSpc>
-              <a:spcBef>
-                <a:spcPts val="0"/>
-              </a:spcBef>
-              <a:spcAft>
-                <a:spcPts val="0"/>
-              </a:spcAft>
-              <a:buClr>
-                <a:srgbClr val="000000"/>
-              </a:buClr>
-              <a:buSzPts val="1300"/>
-              <a:buFont typeface="Arial"/>
-              <a:buNone/>
-            </a:pPr>
-            <a:r>
-              <a:rPr b="1" i="0" lang="en-GB" sz="1300" u="none" cap="none" strike="noStrike">
-                <a:solidFill>
-                  <a:schemeClr val="dk2"/>
-                </a:solidFill>
-                <a:latin typeface="Calibri"/>
-                <a:ea typeface="Calibri"/>
-                <a:cs typeface="Calibri"/>
-                <a:sym typeface="Calibri"/>
-              </a:rPr>
-              <a:t>Poor:</a:t>
-            </a:r>
-            <a:r>
-              <a:rPr b="0" i="0" lang="en-GB" sz="1300" u="none" cap="none" strike="noStrike">
-                <a:solidFill>
-                  <a:schemeClr val="dk2"/>
-                </a:solidFill>
-                <a:latin typeface="Calibri"/>
-                <a:ea typeface="Calibri"/>
-                <a:cs typeface="Calibri"/>
-                <a:sym typeface="Calibri"/>
-              </a:rPr>
-              <a:t> Precision - 77%, Recall - 66%, F1-Score - 71%</a:t>
-            </a:r>
-            <a:endParaRPr b="0" i="0" sz="1300" u="none" cap="none" strike="noStrike">
-              <a:solidFill>
-                <a:schemeClr val="dk2"/>
-              </a:solidFill>
-              <a:latin typeface="Calibri"/>
-              <a:ea typeface="Calibri"/>
-              <a:cs typeface="Calibri"/>
-              <a:sym typeface="Calibri"/>
-            </a:endParaRPr>
-          </a:p>
-          <a:p>
-            <a:pPr indent="0" lvl="0" marL="0" marR="0" rtl="0" algn="l">
-              <a:lnSpc>
-                <a:spcPct val="100000"/>
-              </a:lnSpc>
-              <a:spcBef>
-                <a:spcPts val="0"/>
-              </a:spcBef>
-              <a:spcAft>
-                <a:spcPts val="0"/>
-              </a:spcAft>
-              <a:buClr>
-                <a:srgbClr val="000000"/>
-              </a:buClr>
-              <a:buSzPts val="1300"/>
-              <a:buFont typeface="Arial"/>
-              <a:buNone/>
-            </a:pPr>
-            <a:r>
-              <a:t/>
-            </a:r>
-            <a:endParaRPr b="0" i="0" sz="1300" u="none" cap="none" strike="noStrike">
-              <a:solidFill>
-                <a:schemeClr val="dk2"/>
-              </a:solidFill>
-              <a:latin typeface="Calibri"/>
-              <a:ea typeface="Calibri"/>
-              <a:cs typeface="Calibri"/>
-              <a:sym typeface="Calibri"/>
-            </a:endParaRPr>
-          </a:p>
-          <a:p>
-            <a:pPr indent="457200" lvl="0" marL="0" marR="0" rtl="0" algn="l">
-              <a:lnSpc>
-                <a:spcPct val="100000"/>
-              </a:lnSpc>
-              <a:spcBef>
-                <a:spcPts val="0"/>
-              </a:spcBef>
-              <a:spcAft>
-                <a:spcPts val="0"/>
-              </a:spcAft>
-              <a:buClr>
-                <a:srgbClr val="000000"/>
-              </a:buClr>
-              <a:buSzPts val="1300"/>
-              <a:buFont typeface="Arial"/>
-              <a:buNone/>
-            </a:pPr>
-            <a:r>
-              <a:rPr b="0" i="0" lang="en-GB" sz="1300" u="none" cap="none" strike="noStrike">
-                <a:solidFill>
-                  <a:schemeClr val="dk2"/>
-                </a:solidFill>
-                <a:latin typeface="Calibri"/>
-                <a:ea typeface="Calibri"/>
-                <a:cs typeface="Calibri"/>
-                <a:sym typeface="Calibri"/>
-              </a:rPr>
-              <a:t>≈15 minutes to train</a:t>
-            </a:r>
-            <a:endParaRPr b="0" i="0" sz="1300" u="none" cap="none" strike="noStrike">
-              <a:solidFill>
-                <a:schemeClr val="dk2"/>
-              </a:solidFill>
-              <a:latin typeface="Calibri"/>
-              <a:ea typeface="Calibri"/>
-              <a:cs typeface="Calibri"/>
-              <a:sym typeface="Calibri"/>
-            </a:endParaRPr>
-          </a:p>
-          <a:p>
-            <a:pPr indent="0" lvl="0" marL="0" marR="0" rtl="0" algn="l">
-              <a:lnSpc>
-                <a:spcPct val="100000"/>
-              </a:lnSpc>
-              <a:spcBef>
-                <a:spcPts val="0"/>
-              </a:spcBef>
-              <a:spcAft>
-                <a:spcPts val="0"/>
-              </a:spcAft>
-              <a:buClr>
-                <a:srgbClr val="000000"/>
-              </a:buClr>
-              <a:buSzPts val="1300"/>
-              <a:buFont typeface="Arial"/>
-              <a:buNone/>
-            </a:pPr>
-            <a:r>
-              <a:t/>
-            </a:r>
-            <a:endParaRPr b="0" i="0" sz="1300" u="none" cap="none" strike="noStrike">
-              <a:solidFill>
-                <a:schemeClr val="dk2"/>
-              </a:solidFill>
-              <a:latin typeface="Calibri"/>
-              <a:ea typeface="Calibri"/>
-              <a:cs typeface="Calibri"/>
-              <a:sym typeface="Calibri"/>
-            </a:endParaRPr>
-          </a:p>
-          <a:p>
-            <a:pPr indent="0" lvl="0" marL="0" marR="0" rtl="0" algn="l">
-              <a:lnSpc>
-                <a:spcPct val="100000"/>
-              </a:lnSpc>
-              <a:spcBef>
-                <a:spcPts val="0"/>
-              </a:spcBef>
-              <a:spcAft>
-                <a:spcPts val="0"/>
-              </a:spcAft>
-              <a:buClr>
-                <a:srgbClr val="000000"/>
-              </a:buClr>
-              <a:buSzPts val="1300"/>
-              <a:buFont typeface="Arial"/>
-              <a:buNone/>
-            </a:pPr>
-            <a:r>
-              <a:t/>
-            </a:r>
-            <a:endParaRPr b="0" i="0" sz="1300" u="none" cap="none" strike="noStrike">
-              <a:solidFill>
-                <a:schemeClr val="dk2"/>
-              </a:solidFill>
-              <a:latin typeface="Calibri"/>
-              <a:ea typeface="Calibri"/>
-              <a:cs typeface="Calibri"/>
-              <a:sym typeface="Calibri"/>
-            </a:endParaRPr>
-          </a:p>
-          <a:p>
-            <a:pPr indent="0" lvl="0" marL="0" marR="0" rtl="0" algn="l">
-              <a:lnSpc>
-                <a:spcPct val="100000"/>
-              </a:lnSpc>
-              <a:spcBef>
-                <a:spcPts val="0"/>
-              </a:spcBef>
-              <a:spcAft>
-                <a:spcPts val="0"/>
-              </a:spcAft>
-              <a:buClr>
-                <a:srgbClr val="000000"/>
-              </a:buClr>
-              <a:buSzPts val="1000"/>
-              <a:buFont typeface="Arial"/>
-              <a:buNone/>
-            </a:pPr>
-            <a:r>
-              <a:rPr b="1" i="0" lang="en-GB" sz="1000" u="none" cap="none" strike="noStrike">
-                <a:solidFill>
-                  <a:srgbClr val="212121"/>
-                </a:solidFill>
-                <a:latin typeface="Calibri"/>
-                <a:ea typeface="Calibri"/>
-                <a:cs typeface="Calibri"/>
-                <a:sym typeface="Calibri"/>
-              </a:rPr>
-              <a:t>param_grid_dt</a:t>
-            </a:r>
-            <a:r>
-              <a:rPr b="0" i="0" lang="en-GB" sz="1000" u="none" cap="none" strike="noStrike">
-                <a:solidFill>
-                  <a:srgbClr val="212121"/>
-                </a:solidFill>
-                <a:latin typeface="Calibri"/>
-                <a:ea typeface="Calibri"/>
-                <a:cs typeface="Calibri"/>
-                <a:sym typeface="Calibri"/>
-              </a:rPr>
-              <a:t> </a:t>
-            </a:r>
-            <a:r>
-              <a:rPr b="1" i="0" lang="en-GB" sz="1000" u="none" cap="none" strike="noStrike">
-                <a:solidFill>
-                  <a:srgbClr val="212121"/>
-                </a:solidFill>
-                <a:latin typeface="Calibri"/>
-                <a:ea typeface="Calibri"/>
-                <a:cs typeface="Calibri"/>
-                <a:sym typeface="Calibri"/>
-              </a:rPr>
-              <a:t>=</a:t>
-            </a:r>
-            <a:r>
-              <a:rPr b="0" i="0" lang="en-GB" sz="1000" u="none" cap="none" strike="noStrike">
-                <a:solidFill>
-                  <a:srgbClr val="212121"/>
-                </a:solidFill>
-                <a:latin typeface="Calibri"/>
-                <a:ea typeface="Calibri"/>
-                <a:cs typeface="Calibri"/>
-                <a:sym typeface="Calibri"/>
-              </a:rPr>
-              <a:t> {</a:t>
-            </a:r>
-            <a:endParaRPr b="0" i="0" sz="1000" u="none" cap="none" strike="noStrike">
-              <a:solidFill>
-                <a:srgbClr val="212121"/>
-              </a:solidFill>
-              <a:latin typeface="Calibri"/>
-              <a:ea typeface="Calibri"/>
-              <a:cs typeface="Calibri"/>
-              <a:sym typeface="Calibri"/>
-            </a:endParaRPr>
-          </a:p>
-          <a:p>
-            <a:pPr indent="0" lvl="0" marL="0" marR="0" rtl="0" algn="l">
-              <a:lnSpc>
-                <a:spcPct val="100000"/>
-              </a:lnSpc>
-              <a:spcBef>
-                <a:spcPts val="0"/>
-              </a:spcBef>
-              <a:spcAft>
-                <a:spcPts val="0"/>
-              </a:spcAft>
-              <a:buClr>
-                <a:srgbClr val="000000"/>
-              </a:buClr>
-              <a:buSzPts val="1000"/>
-              <a:buFont typeface="Arial"/>
-              <a:buNone/>
-            </a:pPr>
-            <a:r>
-              <a:rPr b="0" i="0" lang="en-GB" sz="1000" u="none" cap="none" strike="noStrike">
-                <a:solidFill>
-                  <a:srgbClr val="212121"/>
-                </a:solidFill>
-                <a:latin typeface="Calibri"/>
-                <a:ea typeface="Calibri"/>
-                <a:cs typeface="Calibri"/>
-                <a:sym typeface="Calibri"/>
-              </a:rPr>
-              <a:t>    'criterion': ['gini', 'entropy'],</a:t>
-            </a:r>
-            <a:endParaRPr b="0" i="0" sz="1000" u="none" cap="none" strike="noStrike">
-              <a:solidFill>
-                <a:srgbClr val="212121"/>
-              </a:solidFill>
-              <a:latin typeface="Calibri"/>
-              <a:ea typeface="Calibri"/>
-              <a:cs typeface="Calibri"/>
-              <a:sym typeface="Calibri"/>
-            </a:endParaRPr>
-          </a:p>
-          <a:p>
-            <a:pPr indent="0" lvl="0" marL="0" marR="0" rtl="0" algn="l">
-              <a:lnSpc>
-                <a:spcPct val="100000"/>
-              </a:lnSpc>
-              <a:spcBef>
-                <a:spcPts val="0"/>
-              </a:spcBef>
-              <a:spcAft>
-                <a:spcPts val="0"/>
-              </a:spcAft>
-              <a:buClr>
-                <a:srgbClr val="000000"/>
-              </a:buClr>
-              <a:buSzPts val="1000"/>
-              <a:buFont typeface="Arial"/>
-              <a:buNone/>
-            </a:pPr>
-            <a:r>
-              <a:rPr b="0" i="0" lang="en-GB" sz="1000" u="none" cap="none" strike="noStrike">
-                <a:solidFill>
-                  <a:srgbClr val="212121"/>
-                </a:solidFill>
-                <a:latin typeface="Calibri"/>
-                <a:ea typeface="Calibri"/>
-                <a:cs typeface="Calibri"/>
-                <a:sym typeface="Calibri"/>
-              </a:rPr>
-              <a:t>    'max_depth': [10, 15, 20],  </a:t>
-            </a:r>
-            <a:r>
-              <a:rPr b="0" i="1" lang="en-GB" sz="1000" u="none" cap="none" strike="noStrike">
-                <a:solidFill>
-                  <a:srgbClr val="212121"/>
-                </a:solidFill>
-                <a:latin typeface="Calibri"/>
-                <a:ea typeface="Calibri"/>
-                <a:cs typeface="Calibri"/>
-                <a:sym typeface="Calibri"/>
-              </a:rPr>
-              <a:t>#&lt;--- depth reduced to avoid overfitting</a:t>
-            </a:r>
-            <a:endParaRPr b="0" i="1" sz="1000" u="none" cap="none" strike="noStrike">
-              <a:solidFill>
-                <a:srgbClr val="212121"/>
-              </a:solidFill>
-              <a:latin typeface="Calibri"/>
-              <a:ea typeface="Calibri"/>
-              <a:cs typeface="Calibri"/>
-              <a:sym typeface="Calibri"/>
-            </a:endParaRPr>
-          </a:p>
-          <a:p>
-            <a:pPr indent="0" lvl="0" marL="0" marR="0" rtl="0" algn="l">
-              <a:lnSpc>
-                <a:spcPct val="100000"/>
-              </a:lnSpc>
-              <a:spcBef>
-                <a:spcPts val="0"/>
-              </a:spcBef>
-              <a:spcAft>
-                <a:spcPts val="0"/>
-              </a:spcAft>
-              <a:buClr>
-                <a:srgbClr val="000000"/>
-              </a:buClr>
-              <a:buSzPts val="1000"/>
-              <a:buFont typeface="Arial"/>
-              <a:buNone/>
-            </a:pPr>
-            <a:r>
-              <a:rPr b="0" i="0" lang="en-GB" sz="1000" u="none" cap="none" strike="noStrike">
-                <a:solidFill>
-                  <a:srgbClr val="212121"/>
-                </a:solidFill>
-                <a:latin typeface="Calibri"/>
-                <a:ea typeface="Calibri"/>
-                <a:cs typeface="Calibri"/>
-                <a:sym typeface="Calibri"/>
-              </a:rPr>
-              <a:t>    'min_samples_split': [4, 10, 20],  </a:t>
-            </a:r>
-            <a:r>
-              <a:rPr b="0" i="1" lang="en-GB" sz="1000" u="none" cap="none" strike="noStrike">
-                <a:solidFill>
-                  <a:srgbClr val="212121"/>
-                </a:solidFill>
-                <a:latin typeface="Calibri"/>
-                <a:ea typeface="Calibri"/>
-                <a:cs typeface="Calibri"/>
-                <a:sym typeface="Calibri"/>
-              </a:rPr>
-              <a:t>#&lt;--- (see: previous commit)</a:t>
-            </a:r>
-            <a:endParaRPr b="0" i="1" sz="1000" u="none" cap="none" strike="noStrike">
-              <a:solidFill>
-                <a:srgbClr val="212121"/>
-              </a:solidFill>
-              <a:latin typeface="Calibri"/>
-              <a:ea typeface="Calibri"/>
-              <a:cs typeface="Calibri"/>
-              <a:sym typeface="Calibri"/>
-            </a:endParaRPr>
-          </a:p>
-          <a:p>
-            <a:pPr indent="0" lvl="0" marL="0" marR="0" rtl="0" algn="l">
-              <a:lnSpc>
-                <a:spcPct val="100000"/>
-              </a:lnSpc>
-              <a:spcBef>
-                <a:spcPts val="0"/>
-              </a:spcBef>
-              <a:spcAft>
-                <a:spcPts val="0"/>
-              </a:spcAft>
-              <a:buClr>
-                <a:srgbClr val="000000"/>
-              </a:buClr>
-              <a:buSzPts val="1000"/>
-              <a:buFont typeface="Arial"/>
-              <a:buNone/>
-            </a:pPr>
-            <a:r>
-              <a:rPr b="0" i="0" lang="en-GB" sz="1000" u="none" cap="none" strike="noStrike">
-                <a:solidFill>
-                  <a:srgbClr val="212121"/>
-                </a:solidFill>
-                <a:latin typeface="Calibri"/>
-                <a:ea typeface="Calibri"/>
-                <a:cs typeface="Calibri"/>
-                <a:sym typeface="Calibri"/>
-              </a:rPr>
-              <a:t>    'min_samples_leaf': [4, 6, 8]  </a:t>
-            </a:r>
-            <a:r>
-              <a:rPr b="0" i="1" lang="en-GB" sz="1000" u="none" cap="none" strike="noStrike">
-                <a:solidFill>
-                  <a:srgbClr val="212121"/>
-                </a:solidFill>
-                <a:latin typeface="Calibri"/>
-                <a:ea typeface="Calibri"/>
-                <a:cs typeface="Calibri"/>
-                <a:sym typeface="Calibri"/>
-              </a:rPr>
-              <a:t>#&lt;--- same</a:t>
-            </a:r>
-            <a:endParaRPr b="0" i="0" sz="1000" u="none" cap="none" strike="noStrike">
-              <a:solidFill>
-                <a:srgbClr val="212121"/>
-              </a:solidFill>
-              <a:latin typeface="Calibri"/>
-              <a:ea typeface="Calibri"/>
-              <a:cs typeface="Calibri"/>
-              <a:sym typeface="Calibri"/>
-            </a:endParaRPr>
-          </a:p>
-          <a:p>
-            <a:pPr indent="0" lvl="0" marL="0" marR="0" rtl="0" algn="l">
-              <a:lnSpc>
-                <a:spcPct val="110795"/>
-              </a:lnSpc>
-              <a:spcBef>
-                <a:spcPts val="0"/>
-              </a:spcBef>
-              <a:spcAft>
-                <a:spcPts val="0"/>
-              </a:spcAft>
-              <a:buClr>
-                <a:srgbClr val="000000"/>
-              </a:buClr>
-              <a:buSzPts val="1000"/>
-              <a:buFont typeface="Arial"/>
-              <a:buNone/>
-            </a:pPr>
-            <a:r>
-              <a:rPr b="0" i="0" lang="en-GB" sz="1000" u="none" cap="none" strike="noStrike">
-                <a:solidFill>
-                  <a:srgbClr val="212121"/>
-                </a:solidFill>
-                <a:latin typeface="Calibri"/>
-                <a:ea typeface="Calibri"/>
-                <a:cs typeface="Calibri"/>
-                <a:sym typeface="Calibri"/>
-              </a:rPr>
-              <a:t>}</a:t>
-            </a:r>
-            <a:endParaRPr b="0" i="0" sz="1000" u="none" cap="none" strike="noStrike">
-              <a:solidFill>
-                <a:srgbClr val="212121"/>
-              </a:solidFill>
-              <a:latin typeface="Calibri"/>
-              <a:ea typeface="Calibri"/>
-              <a:cs typeface="Calibri"/>
-              <a:sym typeface="Calibri"/>
-            </a:endParaRPr>
-          </a:p>
-          <a:p>
-            <a:pPr indent="0" lvl="0" marL="0" marR="0" rtl="0" algn="l">
-              <a:lnSpc>
-                <a:spcPct val="110795"/>
-              </a:lnSpc>
-              <a:spcBef>
-                <a:spcPts val="0"/>
-              </a:spcBef>
-              <a:spcAft>
-                <a:spcPts val="0"/>
-              </a:spcAft>
-              <a:buClr>
-                <a:srgbClr val="000000"/>
-              </a:buClr>
-              <a:buSzPts val="1000"/>
-              <a:buFont typeface="Arial"/>
-              <a:buNone/>
-            </a:pPr>
-            <a:r>
-              <a:t/>
-            </a:r>
-            <a:endParaRPr b="0" i="0" sz="1000" u="none" cap="none" strike="noStrike">
-              <a:solidFill>
-                <a:srgbClr val="212121"/>
-              </a:solidFill>
-              <a:latin typeface="Calibri"/>
-              <a:ea typeface="Calibri"/>
-              <a:cs typeface="Calibri"/>
-              <a:sym typeface="Calibri"/>
-            </a:endParaRPr>
-          </a:p>
-          <a:p>
-            <a:pPr indent="0" lvl="0" marL="0" marR="0" rtl="0" algn="l">
-              <a:lnSpc>
-                <a:spcPct val="110795"/>
-              </a:lnSpc>
-              <a:spcBef>
-                <a:spcPts val="0"/>
-              </a:spcBef>
-              <a:spcAft>
-                <a:spcPts val="0"/>
-              </a:spcAft>
-              <a:buClr>
-                <a:srgbClr val="000000"/>
-              </a:buClr>
-              <a:buSzPts val="1000"/>
-              <a:buFont typeface="Arial"/>
-              <a:buNone/>
-            </a:pPr>
-            <a:r>
-              <a:rPr b="0" i="0" lang="en-GB" sz="1000" u="none" cap="none" strike="noStrike">
-                <a:solidFill>
-                  <a:srgbClr val="000000"/>
-                </a:solidFill>
-                <a:highlight>
-                  <a:srgbClr val="FFFFFF"/>
-                </a:highlight>
-                <a:latin typeface="Calibri"/>
-                <a:ea typeface="Calibri"/>
-                <a:cs typeface="Calibri"/>
-                <a:sym typeface="Calibri"/>
-              </a:rPr>
-              <a:t>Best parameters found: {'criterion': 'entropy', 'max_depth': 20, 'min_samples_leaf': 4, 'min_samples_split': 10}</a:t>
-            </a:r>
-            <a:endParaRPr b="0" i="0" sz="900" u="none" cap="none" strike="noStrike">
-              <a:solidFill>
-                <a:srgbClr val="212121"/>
               </a:solidFill>
               <a:latin typeface="Calibri"/>
               <a:ea typeface="Calibri"/>

--- a/present.pptx
+++ b/present.pptx
@@ -971,7 +971,7 @@
   <p:cSld>
     <p:spTree>
       <p:nvGrpSpPr>
-        <p:cNvPr id="137" name="Shape 137"/>
+        <p:cNvPr id="132" name="Shape 132"/>
         <p:cNvGrpSpPr/>
         <p:nvPr/>
       </p:nvGrpSpPr>
@@ -985,7 +985,7 @@
       </p:grpSpPr>
       <p:sp>
         <p:nvSpPr>
-          <p:cNvPr id="138" name="Google Shape;138;p8:notes"/>
+          <p:cNvPr id="133" name="Google Shape;133;p10:notes"/>
           <p:cNvSpPr/>
           <p:nvPr>
             <p:ph idx="2" type="sldImg"/>
@@ -1030,7 +1030,7 @@
       </p:sp>
       <p:sp>
         <p:nvSpPr>
-          <p:cNvPr id="139" name="Google Shape;139;p8:notes"/>
+          <p:cNvPr id="134" name="Google Shape;134;p10:notes"/>
           <p:cNvSpPr txBox="1"/>
           <p:nvPr>
             <p:ph idx="1" type="body"/>
@@ -1088,7 +1088,7 @@
   <p:cSld>
     <p:spTree>
       <p:nvGrpSpPr>
-        <p:cNvPr id="144" name="Shape 144"/>
+        <p:cNvPr id="139" name="Shape 139"/>
         <p:cNvGrpSpPr/>
         <p:nvPr/>
       </p:nvGrpSpPr>
@@ -1102,7 +1102,7 @@
       </p:grpSpPr>
       <p:sp>
         <p:nvSpPr>
-          <p:cNvPr id="145" name="Google Shape;145;p9:notes"/>
+          <p:cNvPr id="140" name="Google Shape;140;p11:notes"/>
           <p:cNvSpPr/>
           <p:nvPr>
             <p:ph idx="2" type="sldImg"/>
@@ -1147,7 +1147,7 @@
       </p:sp>
       <p:sp>
         <p:nvSpPr>
-          <p:cNvPr id="146" name="Google Shape;146;p9:notes"/>
+          <p:cNvPr id="141" name="Google Shape;141;p11:notes"/>
           <p:cNvSpPr txBox="1"/>
           <p:nvPr>
             <p:ph idx="1" type="body"/>
@@ -1205,7 +1205,7 @@
   <p:cSld>
     <p:spTree>
       <p:nvGrpSpPr>
-        <p:cNvPr id="151" name="Shape 151"/>
+        <p:cNvPr id="146" name="Shape 146"/>
         <p:cNvGrpSpPr/>
         <p:nvPr/>
       </p:nvGrpSpPr>
@@ -1219,7 +1219,7 @@
       </p:grpSpPr>
       <p:sp>
         <p:nvSpPr>
-          <p:cNvPr id="152" name="Google Shape;152;p10:notes"/>
+          <p:cNvPr id="147" name="Google Shape;147;p12:notes"/>
           <p:cNvSpPr/>
           <p:nvPr>
             <p:ph idx="2" type="sldImg"/>
@@ -1264,7 +1264,7 @@
       </p:sp>
       <p:sp>
         <p:nvSpPr>
-          <p:cNvPr id="153" name="Google Shape;153;p10:notes"/>
+          <p:cNvPr id="148" name="Google Shape;148;p12:notes"/>
           <p:cNvSpPr txBox="1"/>
           <p:nvPr>
             <p:ph idx="1" type="body"/>
@@ -1322,7 +1322,7 @@
   <p:cSld>
     <p:spTree>
       <p:nvGrpSpPr>
-        <p:cNvPr id="158" name="Shape 158"/>
+        <p:cNvPr id="153" name="Shape 153"/>
         <p:cNvGrpSpPr/>
         <p:nvPr/>
       </p:nvGrpSpPr>
@@ -1336,7 +1336,7 @@
       </p:grpSpPr>
       <p:sp>
         <p:nvSpPr>
-          <p:cNvPr id="159" name="Google Shape;159;p11:notes"/>
+          <p:cNvPr id="154" name="Google Shape;154;p13:notes"/>
           <p:cNvSpPr/>
           <p:nvPr>
             <p:ph idx="2" type="sldImg"/>
@@ -1381,7 +1381,7 @@
       </p:sp>
       <p:sp>
         <p:nvSpPr>
-          <p:cNvPr id="160" name="Google Shape;160;p11:notes"/>
+          <p:cNvPr id="155" name="Google Shape;155;p13:notes"/>
           <p:cNvSpPr txBox="1"/>
           <p:nvPr>
             <p:ph idx="1" type="body"/>
@@ -1439,7 +1439,7 @@
   <p:cSld>
     <p:spTree>
       <p:nvGrpSpPr>
-        <p:cNvPr id="164" name="Shape 164"/>
+        <p:cNvPr id="159" name="Shape 159"/>
         <p:cNvGrpSpPr/>
         <p:nvPr/>
       </p:nvGrpSpPr>
@@ -1453,7 +1453,7 @@
       </p:grpSpPr>
       <p:sp>
         <p:nvSpPr>
-          <p:cNvPr id="165" name="Google Shape;165;p12:notes"/>
+          <p:cNvPr id="160" name="Google Shape;160;p14:notes"/>
           <p:cNvSpPr/>
           <p:nvPr>
             <p:ph idx="2" type="sldImg"/>
@@ -1498,7 +1498,7 @@
       </p:sp>
       <p:sp>
         <p:nvSpPr>
-          <p:cNvPr id="166" name="Google Shape;166;p12:notes"/>
+          <p:cNvPr id="161" name="Google Shape;161;p14:notes"/>
           <p:cNvSpPr txBox="1"/>
           <p:nvPr>
             <p:ph idx="1" type="body"/>
@@ -1556,7 +1556,7 @@
   <p:cSld>
     <p:spTree>
       <p:nvGrpSpPr>
-        <p:cNvPr id="171" name="Shape 171"/>
+        <p:cNvPr id="166" name="Shape 166"/>
         <p:cNvGrpSpPr/>
         <p:nvPr/>
       </p:nvGrpSpPr>
@@ -1570,7 +1570,7 @@
       </p:grpSpPr>
       <p:sp>
         <p:nvSpPr>
-          <p:cNvPr id="172" name="Google Shape;172;p13:notes"/>
+          <p:cNvPr id="167" name="Google Shape;167;p15:notes"/>
           <p:cNvSpPr/>
           <p:nvPr>
             <p:ph idx="2" type="sldImg"/>
@@ -1615,7 +1615,7 @@
       </p:sp>
       <p:sp>
         <p:nvSpPr>
-          <p:cNvPr id="173" name="Google Shape;173;p13:notes"/>
+          <p:cNvPr id="168" name="Google Shape;168;p15:notes"/>
           <p:cNvSpPr txBox="1"/>
           <p:nvPr>
             <p:ph idx="1" type="body"/>
@@ -1790,7 +1790,7 @@
   <p:cSld>
     <p:spTree>
       <p:nvGrpSpPr>
-        <p:cNvPr id="80" name="Shape 80"/>
+        <p:cNvPr id="75" name="Shape 75"/>
         <p:cNvGrpSpPr/>
         <p:nvPr/>
       </p:nvGrpSpPr>
@@ -1804,7 +1804,7 @@
       </p:grpSpPr>
       <p:sp>
         <p:nvSpPr>
-          <p:cNvPr id="81" name="Google Shape;81;g28ead46669a_0_0:notes"/>
+          <p:cNvPr id="76" name="Google Shape;76;p3:notes"/>
           <p:cNvSpPr/>
           <p:nvPr>
             <p:ph idx="2" type="sldImg"/>
@@ -1849,7 +1849,7 @@
       </p:sp>
       <p:sp>
         <p:nvSpPr>
-          <p:cNvPr id="82" name="Google Shape;82;g28ead46669a_0_0:notes"/>
+          <p:cNvPr id="77" name="Google Shape;77;p3:notes"/>
           <p:cNvSpPr txBox="1"/>
           <p:nvPr>
             <p:ph idx="1" type="body"/>
@@ -1907,7 +1907,7 @@
   <p:cSld>
     <p:spTree>
       <p:nvGrpSpPr>
-        <p:cNvPr id="94" name="Shape 94"/>
+        <p:cNvPr id="89" name="Shape 89"/>
         <p:cNvGrpSpPr/>
         <p:nvPr/>
       </p:nvGrpSpPr>
@@ -1921,7 +1921,7 @@
       </p:grpSpPr>
       <p:sp>
         <p:nvSpPr>
-          <p:cNvPr id="95" name="Google Shape;95;p3:notes"/>
+          <p:cNvPr id="90" name="Google Shape;90;p4:notes"/>
           <p:cNvSpPr/>
           <p:nvPr>
             <p:ph idx="2" type="sldImg"/>
@@ -1966,7 +1966,7 @@
       </p:sp>
       <p:sp>
         <p:nvSpPr>
-          <p:cNvPr id="96" name="Google Shape;96;p3:notes"/>
+          <p:cNvPr id="91" name="Google Shape;91;p4:notes"/>
           <p:cNvSpPr txBox="1"/>
           <p:nvPr>
             <p:ph idx="1" type="body"/>
@@ -2024,7 +2024,7 @@
   <p:cSld>
     <p:spTree>
       <p:nvGrpSpPr>
-        <p:cNvPr id="102" name="Shape 102"/>
+        <p:cNvPr id="97" name="Shape 97"/>
         <p:cNvGrpSpPr/>
         <p:nvPr/>
       </p:nvGrpSpPr>
@@ -2038,7 +2038,7 @@
       </p:grpSpPr>
       <p:sp>
         <p:nvSpPr>
-          <p:cNvPr id="103" name="Google Shape;103;p4:notes"/>
+          <p:cNvPr id="98" name="Google Shape;98;p5:notes"/>
           <p:cNvSpPr/>
           <p:nvPr>
             <p:ph idx="2" type="sldImg"/>
@@ -2083,7 +2083,7 @@
       </p:sp>
       <p:sp>
         <p:nvSpPr>
-          <p:cNvPr id="104" name="Google Shape;104;p4:notes"/>
+          <p:cNvPr id="99" name="Google Shape;99;p5:notes"/>
           <p:cNvSpPr txBox="1"/>
           <p:nvPr>
             <p:ph idx="1" type="body"/>
@@ -2141,7 +2141,7 @@
   <p:cSld>
     <p:spTree>
       <p:nvGrpSpPr>
-        <p:cNvPr id="111" name="Shape 111"/>
+        <p:cNvPr id="106" name="Shape 106"/>
         <p:cNvGrpSpPr/>
         <p:nvPr/>
       </p:nvGrpSpPr>
@@ -2155,7 +2155,7 @@
       </p:grpSpPr>
       <p:sp>
         <p:nvSpPr>
-          <p:cNvPr id="112" name="Google Shape;112;p5:notes"/>
+          <p:cNvPr id="107" name="Google Shape;107;p6:notes"/>
           <p:cNvSpPr/>
           <p:nvPr>
             <p:ph idx="2" type="sldImg"/>
@@ -2200,7 +2200,7 @@
       </p:sp>
       <p:sp>
         <p:nvSpPr>
-          <p:cNvPr id="113" name="Google Shape;113;p5:notes"/>
+          <p:cNvPr id="108" name="Google Shape;108;p6:notes"/>
           <p:cNvSpPr txBox="1"/>
           <p:nvPr>
             <p:ph idx="1" type="body"/>
@@ -2258,7 +2258,7 @@
   <p:cSld>
     <p:spTree>
       <p:nvGrpSpPr>
-        <p:cNvPr id="117" name="Shape 117"/>
+        <p:cNvPr id="112" name="Shape 112"/>
         <p:cNvGrpSpPr/>
         <p:nvPr/>
       </p:nvGrpSpPr>
@@ -2272,7 +2272,7 @@
       </p:grpSpPr>
       <p:sp>
         <p:nvSpPr>
-          <p:cNvPr id="118" name="Google Shape;118;p6:notes"/>
+          <p:cNvPr id="113" name="Google Shape;113;p7:notes"/>
           <p:cNvSpPr/>
           <p:nvPr>
             <p:ph idx="2" type="sldImg"/>
@@ -2317,7 +2317,7 @@
       </p:sp>
       <p:sp>
         <p:nvSpPr>
-          <p:cNvPr id="119" name="Google Shape;119;p6:notes"/>
+          <p:cNvPr id="114" name="Google Shape;114;p7:notes"/>
           <p:cNvSpPr txBox="1"/>
           <p:nvPr>
             <p:ph idx="1" type="body"/>
@@ -2375,7 +2375,7 @@
   <p:cSld>
     <p:spTree>
       <p:nvGrpSpPr>
-        <p:cNvPr id="124" name="Shape 124"/>
+        <p:cNvPr id="119" name="Shape 119"/>
         <p:cNvGrpSpPr/>
         <p:nvPr/>
       </p:nvGrpSpPr>
@@ -2389,7 +2389,7 @@
       </p:grpSpPr>
       <p:sp>
         <p:nvSpPr>
-          <p:cNvPr id="125" name="Google Shape;125;g28ead46669a_0_14:notes"/>
+          <p:cNvPr id="120" name="Google Shape;120;p8:notes"/>
           <p:cNvSpPr/>
           <p:nvPr>
             <p:ph idx="2" type="sldImg"/>
@@ -2434,7 +2434,7 @@
       </p:sp>
       <p:sp>
         <p:nvSpPr>
-          <p:cNvPr id="126" name="Google Shape;126;g28ead46669a_0_14:notes"/>
+          <p:cNvPr id="121" name="Google Shape;121;p8:notes"/>
           <p:cNvSpPr txBox="1"/>
           <p:nvPr>
             <p:ph idx="1" type="body"/>
@@ -2492,7 +2492,7 @@
   <p:cSld>
     <p:spTree>
       <p:nvGrpSpPr>
-        <p:cNvPr id="130" name="Shape 130"/>
+        <p:cNvPr id="125" name="Shape 125"/>
         <p:cNvGrpSpPr/>
         <p:nvPr/>
       </p:nvGrpSpPr>
@@ -2506,7 +2506,7 @@
       </p:grpSpPr>
       <p:sp>
         <p:nvSpPr>
-          <p:cNvPr id="131" name="Google Shape;131;p7:notes"/>
+          <p:cNvPr id="126" name="Google Shape;126;p9:notes"/>
           <p:cNvSpPr/>
           <p:nvPr>
             <p:ph idx="2" type="sldImg"/>
@@ -2551,7 +2551,7 @@
       </p:sp>
       <p:sp>
         <p:nvSpPr>
-          <p:cNvPr id="132" name="Google Shape;132;p7:notes"/>
+          <p:cNvPr id="127" name="Google Shape;127;p9:notes"/>
           <p:cNvSpPr txBox="1"/>
           <p:nvPr>
             <p:ph idx="1" type="body"/>
@@ -10865,7 +10865,7 @@
           <a:blip r:embed="rId3">
             <a:alphaModFix/>
           </a:blip>
-          <a:srcRect b="0" l="0" r="9180" t="15717"/>
+          <a:srcRect b="0" l="0" r="9179" t="15717"/>
           <a:stretch/>
         </p:blipFill>
         <p:spPr>
@@ -11001,7 +11001,7 @@
   <p:cSld>
     <p:spTree>
       <p:nvGrpSpPr>
-        <p:cNvPr id="140" name="Shape 140"/>
+        <p:cNvPr id="135" name="Shape 135"/>
         <p:cNvGrpSpPr/>
         <p:nvPr/>
       </p:nvGrpSpPr>
@@ -11015,7 +11015,7 @@
       </p:grpSpPr>
       <p:sp>
         <p:nvSpPr>
-          <p:cNvPr id="141" name="Google Shape;141;p22"/>
+          <p:cNvPr id="136" name="Google Shape;136;p22"/>
           <p:cNvSpPr txBox="1"/>
           <p:nvPr>
             <p:ph type="title"/>
@@ -11063,7 +11063,7 @@
       </p:sp>
       <p:pic>
         <p:nvPicPr>
-          <p:cNvPr id="142" name="Google Shape;142;p22"/>
+          <p:cNvPr id="137" name="Google Shape;137;p22"/>
           <p:cNvPicPr preferRelativeResize="0"/>
           <p:nvPr/>
         </p:nvPicPr>
@@ -11090,7 +11090,7 @@
       </p:pic>
       <p:sp>
         <p:nvSpPr>
-          <p:cNvPr id="143" name="Google Shape;143;p22"/>
+          <p:cNvPr id="138" name="Google Shape;138;p22"/>
           <p:cNvSpPr txBox="1"/>
           <p:nvPr/>
         </p:nvSpPr>
@@ -11693,7 +11693,7 @@
   <p:cSld>
     <p:spTree>
       <p:nvGrpSpPr>
-        <p:cNvPr id="147" name="Shape 147"/>
+        <p:cNvPr id="142" name="Shape 142"/>
         <p:cNvGrpSpPr/>
         <p:nvPr/>
       </p:nvGrpSpPr>
@@ -11707,7 +11707,7 @@
       </p:grpSpPr>
       <p:sp>
         <p:nvSpPr>
-          <p:cNvPr id="148" name="Google Shape;148;p23"/>
+          <p:cNvPr id="143" name="Google Shape;143;p23"/>
           <p:cNvSpPr txBox="1"/>
           <p:nvPr>
             <p:ph type="title"/>
@@ -11774,7 +11774,7 @@
       </p:sp>
       <p:pic>
         <p:nvPicPr>
-          <p:cNvPr id="149" name="Google Shape;149;p23"/>
+          <p:cNvPr id="144" name="Google Shape;144;p23"/>
           <p:cNvPicPr preferRelativeResize="0"/>
           <p:nvPr/>
         </p:nvPicPr>
@@ -11801,7 +11801,7 @@
       </p:pic>
       <p:sp>
         <p:nvSpPr>
-          <p:cNvPr id="150" name="Google Shape;150;p23"/>
+          <p:cNvPr id="145" name="Google Shape;145;p23"/>
           <p:cNvSpPr txBox="1"/>
           <p:nvPr/>
         </p:nvSpPr>
@@ -11915,21 +11915,9 @@
                 <a:cs typeface="Calibri"/>
                 <a:sym typeface="Calibri"/>
               </a:rPr>
-              <a:t> 80.54% </a:t>
-            </a:r>
-            <a:r>
-              <a:rPr lang="en-GB" sz="1300">
-                <a:solidFill>
-                  <a:schemeClr val="dk2"/>
-                </a:solidFill>
-                <a:latin typeface="Calibri"/>
-                <a:ea typeface="Calibri"/>
-                <a:cs typeface="Calibri"/>
-                <a:sym typeface="Calibri"/>
-              </a:rPr>
-              <a:t>#worst trade-off</a:t>
-            </a:r>
-            <a:endParaRPr sz="1300">
+              <a:t> 80.54% #worst trade-off</a:t>
+            </a:r>
+            <a:endParaRPr b="0" i="0" sz="1300" u="none" cap="none" strike="noStrike">
               <a:solidFill>
                 <a:schemeClr val="dk2"/>
               </a:solidFill>
@@ -12731,7 +12719,7 @@
   <p:cSld>
     <p:spTree>
       <p:nvGrpSpPr>
-        <p:cNvPr id="154" name="Shape 154"/>
+        <p:cNvPr id="149" name="Shape 149"/>
         <p:cNvGrpSpPr/>
         <p:nvPr/>
       </p:nvGrpSpPr>
@@ -12745,7 +12733,7 @@
       </p:grpSpPr>
       <p:sp>
         <p:nvSpPr>
-          <p:cNvPr id="155" name="Google Shape;155;p24"/>
+          <p:cNvPr id="150" name="Google Shape;150;p24"/>
           <p:cNvSpPr txBox="1"/>
           <p:nvPr>
             <p:ph type="title"/>
@@ -12812,7 +12800,7 @@
       </p:sp>
       <p:pic>
         <p:nvPicPr>
-          <p:cNvPr id="156" name="Google Shape;156;p24"/>
+          <p:cNvPr id="151" name="Google Shape;151;p24"/>
           <p:cNvPicPr preferRelativeResize="0"/>
           <p:nvPr/>
         </p:nvPicPr>
@@ -12839,7 +12827,7 @@
       </p:pic>
       <p:sp>
         <p:nvSpPr>
-          <p:cNvPr id="157" name="Google Shape;157;p24"/>
+          <p:cNvPr id="152" name="Google Shape;152;p24"/>
           <p:cNvSpPr txBox="1"/>
           <p:nvPr/>
         </p:nvSpPr>
@@ -13807,7 +13795,7 @@
   <p:cSld>
     <p:spTree>
       <p:nvGrpSpPr>
-        <p:cNvPr id="161" name="Shape 161"/>
+        <p:cNvPr id="156" name="Shape 156"/>
         <p:cNvGrpSpPr/>
         <p:nvPr/>
       </p:nvGrpSpPr>
@@ -13821,7 +13809,7 @@
       </p:grpSpPr>
       <p:sp>
         <p:nvSpPr>
-          <p:cNvPr id="162" name="Google Shape;162;p25"/>
+          <p:cNvPr id="157" name="Google Shape;157;p25"/>
           <p:cNvSpPr txBox="1"/>
           <p:nvPr>
             <p:ph type="title"/>
@@ -13888,7 +13876,7 @@
       </p:sp>
       <p:pic>
         <p:nvPicPr>
-          <p:cNvPr id="163" name="Google Shape;163;p25"/>
+          <p:cNvPr id="158" name="Google Shape;158;p25"/>
           <p:cNvPicPr preferRelativeResize="0"/>
           <p:nvPr/>
         </p:nvPicPr>
@@ -13926,7 +13914,7 @@
   <p:cSld>
     <p:spTree>
       <p:nvGrpSpPr>
-        <p:cNvPr id="167" name="Shape 167"/>
+        <p:cNvPr id="162" name="Shape 162"/>
         <p:cNvGrpSpPr/>
         <p:nvPr/>
       </p:nvGrpSpPr>
@@ -13940,7 +13928,7 @@
       </p:grpSpPr>
       <p:sp>
         <p:nvSpPr>
-          <p:cNvPr id="168" name="Google Shape;168;p26"/>
+          <p:cNvPr id="163" name="Google Shape;163;p26"/>
           <p:cNvSpPr txBox="1"/>
           <p:nvPr>
             <p:ph type="title"/>
@@ -14007,7 +13995,7 @@
       </p:sp>
       <p:sp>
         <p:nvSpPr>
-          <p:cNvPr id="169" name="Google Shape;169;p26"/>
+          <p:cNvPr id="164" name="Google Shape;164;p26"/>
           <p:cNvSpPr txBox="1"/>
           <p:nvPr/>
         </p:nvSpPr>
@@ -15031,7 +15019,7 @@
       </p:sp>
       <p:pic>
         <p:nvPicPr>
-          <p:cNvPr id="170" name="Google Shape;170;p26"/>
+          <p:cNvPr id="165" name="Google Shape;165;p26"/>
           <p:cNvPicPr preferRelativeResize="0"/>
           <p:nvPr/>
         </p:nvPicPr>
@@ -15069,7 +15057,7 @@
   <p:cSld>
     <p:spTree>
       <p:nvGrpSpPr>
-        <p:cNvPr id="174" name="Shape 174"/>
+        <p:cNvPr id="169" name="Shape 169"/>
         <p:cNvGrpSpPr/>
         <p:nvPr/>
       </p:nvGrpSpPr>
@@ -15083,7 +15071,7 @@
       </p:grpSpPr>
       <p:sp>
         <p:nvSpPr>
-          <p:cNvPr id="175" name="Google Shape;175;p27"/>
+          <p:cNvPr id="170" name="Google Shape;170;p27"/>
           <p:cNvSpPr txBox="1"/>
           <p:nvPr>
             <p:ph type="title"/>
@@ -15131,7 +15119,7 @@
       </p:sp>
       <p:sp>
         <p:nvSpPr>
-          <p:cNvPr id="176" name="Google Shape;176;p27"/>
+          <p:cNvPr id="171" name="Google Shape;171;p27"/>
           <p:cNvSpPr txBox="1"/>
           <p:nvPr>
             <p:ph idx="1" type="body"/>
@@ -15182,22 +15170,7 @@
                 <a:cs typeface="Calibri"/>
                 <a:sym typeface="Calibri"/>
               </a:rPr>
-              <a:t>Considering </a:t>
-            </a:r>
-            <a:r>
-              <a:rPr i="1" lang="en-GB" sz="1300">
-                <a:solidFill>
-                  <a:srgbClr val="1F2328"/>
-                </a:solidFill>
-                <a:highlight>
-                  <a:srgbClr val="FFFFFF"/>
-                </a:highlight>
-                <a:latin typeface="Calibri"/>
-                <a:ea typeface="Calibri"/>
-                <a:cs typeface="Calibri"/>
-                <a:sym typeface="Calibri"/>
-              </a:rPr>
-              <a:t>the context of our application:</a:t>
+              <a:t>Considering the context of our application:</a:t>
             </a:r>
             <a:endParaRPr i="1" sz="1300">
               <a:solidFill>
@@ -15421,6 +15394,7 @@
               <a:spcAft>
                 <a:spcPts val="0"/>
               </a:spcAft>
+              <a:buSzPts val="1800"/>
               <a:buNone/>
             </a:pPr>
             <a:r>
@@ -15450,6 +15424,7 @@
               <a:spcAft>
                 <a:spcPts val="0"/>
               </a:spcAft>
+              <a:buSzPts val="1800"/>
               <a:buNone/>
             </a:pPr>
             <a:r>
@@ -15669,6 +15644,342 @@
       <p:sp>
         <p:nvSpPr>
           <p:cNvPr id="74" name="Google Shape;74;p14"/>
+          <p:cNvSpPr txBox="1"/>
+          <p:nvPr/>
+        </p:nvSpPr>
+        <p:spPr>
+          <a:xfrm>
+            <a:off x="-37600" y="3406400"/>
+            <a:ext cx="9144000" cy="785100"/>
+          </a:xfrm>
+          <a:prstGeom prst="rect">
+            <a:avLst/>
+          </a:prstGeom>
+          <a:noFill/>
+          <a:ln>
+            <a:noFill/>
+          </a:ln>
+        </p:spPr>
+        <p:txBody>
+          <a:bodyPr anchorCtr="0" anchor="t" bIns="91425" lIns="91425" spcFirstLastPara="1" rIns="91425" wrap="square" tIns="91425">
+            <a:spAutoFit/>
+          </a:bodyPr>
+          <a:lstStyle/>
+          <a:p>
+            <a:pPr indent="-311150" lvl="0" marL="457200" marR="0" rtl="0" algn="l">
+              <a:lnSpc>
+                <a:spcPct val="100000"/>
+              </a:lnSpc>
+              <a:spcBef>
+                <a:spcPts val="0"/>
+              </a:spcBef>
+              <a:spcAft>
+                <a:spcPts val="0"/>
+              </a:spcAft>
+              <a:buClr>
+                <a:schemeClr val="dk2"/>
+              </a:buClr>
+              <a:buSzPts val="1300"/>
+              <a:buFont typeface="Calibri"/>
+              <a:buChar char="●"/>
+            </a:pPr>
+            <a:r>
+              <a:rPr b="0" i="0" lang="en-GB" sz="1300" u="none" cap="none" strike="noStrike">
+                <a:solidFill>
+                  <a:schemeClr val="dk2"/>
+                </a:solidFill>
+                <a:latin typeface="Calibri"/>
+                <a:ea typeface="Calibri"/>
+                <a:cs typeface="Calibri"/>
+                <a:sym typeface="Calibri"/>
+              </a:rPr>
+              <a:t>Dataset had 100.000 rows x 28 columns and included customers with multiple loans. </a:t>
+            </a:r>
+            <a:endParaRPr b="0" i="0" sz="1300" u="none" cap="none" strike="noStrike">
+              <a:solidFill>
+                <a:schemeClr val="dk2"/>
+              </a:solidFill>
+              <a:latin typeface="Calibri"/>
+              <a:ea typeface="Calibri"/>
+              <a:cs typeface="Calibri"/>
+              <a:sym typeface="Calibri"/>
+            </a:endParaRPr>
+          </a:p>
+          <a:p>
+            <a:pPr indent="-311150" lvl="0" marL="457200" marR="0" rtl="0" algn="l">
+              <a:lnSpc>
+                <a:spcPct val="100000"/>
+              </a:lnSpc>
+              <a:spcBef>
+                <a:spcPts val="0"/>
+              </a:spcBef>
+              <a:spcAft>
+                <a:spcPts val="0"/>
+              </a:spcAft>
+              <a:buClr>
+                <a:schemeClr val="dk2"/>
+              </a:buClr>
+              <a:buSzPts val="1300"/>
+              <a:buFont typeface="Calibri"/>
+              <a:buChar char="●"/>
+            </a:pPr>
+            <a:r>
+              <a:rPr b="0" i="0" lang="en-GB" sz="1300" u="none" cap="none" strike="noStrike">
+                <a:solidFill>
+                  <a:schemeClr val="dk2"/>
+                </a:solidFill>
+                <a:latin typeface="Calibri"/>
+                <a:ea typeface="Calibri"/>
+                <a:cs typeface="Calibri"/>
+                <a:sym typeface="Calibri"/>
+              </a:rPr>
+              <a:t>Dataset quality wasn’t very good. (too many typos, placeholders, missing entries)</a:t>
+            </a:r>
+            <a:endParaRPr b="0" i="0" sz="1300" u="none" cap="none" strike="noStrike">
+              <a:solidFill>
+                <a:schemeClr val="dk2"/>
+              </a:solidFill>
+              <a:latin typeface="Calibri"/>
+              <a:ea typeface="Calibri"/>
+              <a:cs typeface="Calibri"/>
+              <a:sym typeface="Calibri"/>
+            </a:endParaRPr>
+          </a:p>
+          <a:p>
+            <a:pPr indent="-311150" lvl="0" marL="457200" marR="0" rtl="0" algn="l">
+              <a:lnSpc>
+                <a:spcPct val="100000"/>
+              </a:lnSpc>
+              <a:spcBef>
+                <a:spcPts val="0"/>
+              </a:spcBef>
+              <a:spcAft>
+                <a:spcPts val="0"/>
+              </a:spcAft>
+              <a:buClr>
+                <a:schemeClr val="dk2"/>
+              </a:buClr>
+              <a:buSzPts val="1300"/>
+              <a:buFont typeface="Calibri"/>
+              <a:buChar char="●"/>
+            </a:pPr>
+            <a:r>
+              <a:rPr b="0" i="0" lang="en-GB" sz="1300" u="none" cap="none" strike="noStrike">
+                <a:solidFill>
+                  <a:schemeClr val="dk2"/>
+                </a:solidFill>
+                <a:latin typeface="Calibri"/>
+                <a:ea typeface="Calibri"/>
+                <a:cs typeface="Calibri"/>
+                <a:sym typeface="Calibri"/>
+              </a:rPr>
+              <a:t>However, well-explained features.</a:t>
+            </a:r>
+            <a:endParaRPr b="0" i="0" sz="1300" u="none" cap="none" strike="noStrike">
+              <a:solidFill>
+                <a:schemeClr val="dk2"/>
+              </a:solidFill>
+              <a:latin typeface="Calibri"/>
+              <a:ea typeface="Calibri"/>
+              <a:cs typeface="Calibri"/>
+              <a:sym typeface="Calibri"/>
+            </a:endParaRPr>
+          </a:p>
+        </p:txBody>
+      </p:sp>
+    </p:spTree>
+  </p:cSld>
+  <p:clrMapOvr>
+    <a:masterClrMapping/>
+  </p:clrMapOvr>
+</p:sld>
+</file>
+
+<file path=ppt/slides/slide3.xml><?xml version="1.0" encoding="utf-8"?>
+<p:sld xmlns:a="http://schemas.openxmlformats.org/drawingml/2006/main" xmlns:r="http://schemas.openxmlformats.org/officeDocument/2006/relationships" xmlns:mc="http://schemas.openxmlformats.org/markup-compatibility/2006" xmlns:mv="urn:schemas-microsoft-com:mac:vml" xmlns:p="http://schemas.openxmlformats.org/presentationml/2006/main" xmlns:c="http://schemas.openxmlformats.org/drawingml/2006/chart" xmlns:dgm="http://schemas.openxmlformats.org/drawingml/2006/diagram" xmlns:o="urn:schemas-microsoft-com:office:office" xmlns:v="urn:schemas-microsoft-com:vml" xmlns:pvml="urn:schemas-microsoft-com:office:powerpoint" xmlns:com="http://schemas.openxmlformats.org/drawingml/2006/compatibility" xmlns:p14="http://schemas.microsoft.com/office/powerpoint/2010/main" xmlns:p15="http://schemas.microsoft.com/office/powerpoint/2012/main" xmlns:ahyp="http://schemas.microsoft.com/office/drawing/2018/hyperlinkcolor">
+  <p:cSld>
+    <p:spTree>
+      <p:nvGrpSpPr>
+        <p:cNvPr id="78" name="Shape 78"/>
+        <p:cNvGrpSpPr/>
+        <p:nvPr/>
+      </p:nvGrpSpPr>
+      <p:grpSpPr>
+        <a:xfrm>
+          <a:off x="0" y="0"/>
+          <a:ext cx="0" cy="0"/>
+          <a:chOff x="0" y="0"/>
+          <a:chExt cx="0" cy="0"/>
+        </a:xfrm>
+      </p:grpSpPr>
+      <p:sp>
+        <p:nvSpPr>
+          <p:cNvPr id="79" name="Google Shape;79;p15"/>
+          <p:cNvSpPr txBox="1"/>
+          <p:nvPr>
+            <p:ph type="title"/>
+          </p:nvPr>
+        </p:nvSpPr>
+        <p:spPr>
+          <a:xfrm>
+            <a:off x="311700" y="159275"/>
+            <a:ext cx="8230800" cy="675300"/>
+          </a:xfrm>
+          <a:prstGeom prst="rect">
+            <a:avLst/>
+          </a:prstGeom>
+          <a:noFill/>
+          <a:ln>
+            <a:noFill/>
+          </a:ln>
+        </p:spPr>
+        <p:txBody>
+          <a:bodyPr anchorCtr="0" anchor="t" bIns="91425" lIns="91425" spcFirstLastPara="1" rIns="91425" wrap="square" tIns="91425">
+            <a:noAutofit/>
+          </a:bodyPr>
+          <a:lstStyle/>
+          <a:p>
+            <a:pPr indent="0" lvl="0" marL="0" rtl="0" algn="l">
+              <a:lnSpc>
+                <a:spcPct val="100000"/>
+              </a:lnSpc>
+              <a:spcBef>
+                <a:spcPts val="0"/>
+              </a:spcBef>
+              <a:spcAft>
+                <a:spcPts val="0"/>
+              </a:spcAft>
+              <a:buSzPts val="990"/>
+              <a:buNone/>
+            </a:pPr>
+            <a:r>
+              <a:rPr lang="en-GB" sz="2640"/>
+              <a:t>Data overview</a:t>
+            </a:r>
+            <a:endParaRPr sz="2640"/>
+          </a:p>
+        </p:txBody>
+      </p:sp>
+      <p:pic>
+        <p:nvPicPr>
+          <p:cNvPr id="80" name="Google Shape;80;p15"/>
+          <p:cNvPicPr preferRelativeResize="0"/>
+          <p:nvPr/>
+        </p:nvPicPr>
+        <p:blipFill rotWithShape="1">
+          <a:blip r:embed="rId3">
+            <a:alphaModFix/>
+          </a:blip>
+          <a:srcRect b="36731" l="0" r="0" t="0"/>
+          <a:stretch/>
+        </p:blipFill>
+        <p:spPr>
+          <a:xfrm>
+            <a:off x="152400" y="872900"/>
+            <a:ext cx="8839199" cy="2244038"/>
+          </a:xfrm>
+          <a:prstGeom prst="rect">
+            <a:avLst/>
+          </a:prstGeom>
+          <a:noFill/>
+          <a:ln>
+            <a:noFill/>
+          </a:ln>
+        </p:spPr>
+      </p:pic>
+      <p:sp>
+        <p:nvSpPr>
+          <p:cNvPr id="81" name="Google Shape;81;p15"/>
+          <p:cNvSpPr txBox="1"/>
+          <p:nvPr/>
+        </p:nvSpPr>
+        <p:spPr>
+          <a:xfrm>
+            <a:off x="152400" y="3166550"/>
+            <a:ext cx="8991600" cy="400200"/>
+          </a:xfrm>
+          <a:prstGeom prst="rect">
+            <a:avLst/>
+          </a:prstGeom>
+          <a:noFill/>
+          <a:ln>
+            <a:noFill/>
+          </a:ln>
+        </p:spPr>
+        <p:txBody>
+          <a:bodyPr anchorCtr="0" anchor="t" bIns="91425" lIns="91425" spcFirstLastPara="1" rIns="91425" wrap="square" tIns="91425">
+            <a:spAutoFit/>
+          </a:bodyPr>
+          <a:lstStyle/>
+          <a:p>
+            <a:pPr indent="0" lvl="0" marL="0" marR="0" rtl="0" algn="l">
+              <a:lnSpc>
+                <a:spcPct val="100000"/>
+              </a:lnSpc>
+              <a:spcBef>
+                <a:spcPts val="0"/>
+              </a:spcBef>
+              <a:spcAft>
+                <a:spcPts val="0"/>
+              </a:spcAft>
+              <a:buClr>
+                <a:srgbClr val="000000"/>
+              </a:buClr>
+              <a:buSzPts val="1400"/>
+              <a:buFont typeface="Arial"/>
+              <a:buNone/>
+            </a:pPr>
+            <a:r>
+              <a:rPr b="0" i="0" lang="en-GB" sz="1400" u="none" cap="none" strike="noStrike">
+                <a:solidFill>
+                  <a:schemeClr val="dk2"/>
+                </a:solidFill>
+                <a:latin typeface="Calibri"/>
+                <a:ea typeface="Calibri"/>
+                <a:cs typeface="Calibri"/>
+                <a:sym typeface="Calibri"/>
+              </a:rPr>
+              <a:t>In our dataframe, customers with multiple loans. Which will help us filling the missing. Using </a:t>
+            </a:r>
+            <a:r>
+              <a:rPr b="1" i="0" lang="en-GB" sz="1400" u="none" cap="none" strike="noStrike">
+                <a:solidFill>
+                  <a:srgbClr val="212121"/>
+                </a:solidFill>
+                <a:latin typeface="Calibri"/>
+                <a:ea typeface="Calibri"/>
+                <a:cs typeface="Calibri"/>
+                <a:sym typeface="Calibri"/>
+              </a:rPr>
+              <a:t>FillMissingWithGroupMode</a:t>
+            </a:r>
+            <a:r>
+              <a:rPr b="0" i="0" lang="en-GB" sz="1400" u="none" cap="none" strike="noStrike">
+                <a:solidFill>
+                  <a:srgbClr val="212121"/>
+                </a:solidFill>
+                <a:latin typeface="Calibri"/>
+                <a:ea typeface="Calibri"/>
+                <a:cs typeface="Calibri"/>
+                <a:sym typeface="Calibri"/>
+              </a:rPr>
+              <a:t>.</a:t>
+            </a:r>
+            <a:endParaRPr b="0" i="0" sz="1100" u="none" cap="none" strike="noStrike">
+              <a:solidFill>
+                <a:srgbClr val="212121"/>
+              </a:solidFill>
+              <a:latin typeface="Calibri"/>
+              <a:ea typeface="Calibri"/>
+              <a:cs typeface="Calibri"/>
+              <a:sym typeface="Calibri"/>
+            </a:endParaRPr>
+          </a:p>
+        </p:txBody>
+      </p:sp>
+      <p:sp>
+        <p:nvSpPr>
+          <p:cNvPr id="82" name="Google Shape;82;p15"/>
           <p:cNvSpPr/>
           <p:nvPr/>
         </p:nvSpPr>
@@ -15731,7 +16042,7 @@
       </p:sp>
       <p:sp>
         <p:nvSpPr>
-          <p:cNvPr id="75" name="Google Shape;75;p14"/>
+          <p:cNvPr id="83" name="Google Shape;83;p15"/>
           <p:cNvSpPr/>
           <p:nvPr/>
         </p:nvSpPr>
@@ -15794,7 +16105,7 @@
       </p:sp>
       <p:sp>
         <p:nvSpPr>
-          <p:cNvPr id="76" name="Google Shape;76;p14"/>
+          <p:cNvPr id="84" name="Google Shape;84;p15"/>
           <p:cNvSpPr/>
           <p:nvPr/>
         </p:nvSpPr>
@@ -15857,7 +16168,7 @@
       </p:sp>
       <p:sp>
         <p:nvSpPr>
-          <p:cNvPr id="77" name="Google Shape;77;p14"/>
+          <p:cNvPr id="85" name="Google Shape;85;p15"/>
           <p:cNvSpPr/>
           <p:nvPr/>
         </p:nvSpPr>
@@ -15920,7 +16231,7 @@
       </p:sp>
       <p:sp>
         <p:nvSpPr>
-          <p:cNvPr id="78" name="Google Shape;78;p14"/>
+          <p:cNvPr id="86" name="Google Shape;86;p15"/>
           <p:cNvSpPr/>
           <p:nvPr/>
         </p:nvSpPr>
@@ -15983,649 +16294,7 @@
       </p:sp>
       <p:sp>
         <p:nvSpPr>
-          <p:cNvPr id="79" name="Google Shape;79;p14"/>
-          <p:cNvSpPr txBox="1"/>
-          <p:nvPr/>
-        </p:nvSpPr>
-        <p:spPr>
-          <a:xfrm>
-            <a:off x="0" y="3519200"/>
-            <a:ext cx="9144000" cy="785100"/>
-          </a:xfrm>
-          <a:prstGeom prst="rect">
-            <a:avLst/>
-          </a:prstGeom>
-          <a:noFill/>
-          <a:ln>
-            <a:noFill/>
-          </a:ln>
-        </p:spPr>
-        <p:txBody>
-          <a:bodyPr anchorCtr="0" anchor="t" bIns="91425" lIns="91425" spcFirstLastPara="1" rIns="91425" wrap="square" tIns="91425">
-            <a:spAutoFit/>
-          </a:bodyPr>
-          <a:lstStyle/>
-          <a:p>
-            <a:pPr indent="-311150" lvl="0" marL="457200" rtl="0" algn="l">
-              <a:spcBef>
-                <a:spcPts val="0"/>
-              </a:spcBef>
-              <a:spcAft>
-                <a:spcPts val="0"/>
-              </a:spcAft>
-              <a:buClr>
-                <a:schemeClr val="dk2"/>
-              </a:buClr>
-              <a:buSzPts val="1300"/>
-              <a:buFont typeface="Calibri"/>
-              <a:buChar char="●"/>
-            </a:pPr>
-            <a:r>
-              <a:rPr lang="en-GB" sz="1300">
-                <a:solidFill>
-                  <a:schemeClr val="dk2"/>
-                </a:solidFill>
-                <a:latin typeface="Calibri"/>
-                <a:ea typeface="Calibri"/>
-                <a:cs typeface="Calibri"/>
-                <a:sym typeface="Calibri"/>
-              </a:rPr>
-              <a:t>Dataset had 100.000 rows x 28 columns and included customers with multiple loans. </a:t>
-            </a:r>
-            <a:endParaRPr sz="1300">
-              <a:solidFill>
-                <a:schemeClr val="dk2"/>
-              </a:solidFill>
-              <a:latin typeface="Calibri"/>
-              <a:ea typeface="Calibri"/>
-              <a:cs typeface="Calibri"/>
-              <a:sym typeface="Calibri"/>
-            </a:endParaRPr>
-          </a:p>
-          <a:p>
-            <a:pPr indent="-311150" lvl="0" marL="457200" rtl="0" algn="l">
-              <a:spcBef>
-                <a:spcPts val="0"/>
-              </a:spcBef>
-              <a:spcAft>
-                <a:spcPts val="0"/>
-              </a:spcAft>
-              <a:buClr>
-                <a:schemeClr val="dk2"/>
-              </a:buClr>
-              <a:buSzPts val="1300"/>
-              <a:buFont typeface="Calibri"/>
-              <a:buChar char="●"/>
-            </a:pPr>
-            <a:r>
-              <a:rPr lang="en-GB" sz="1300">
-                <a:solidFill>
-                  <a:schemeClr val="dk2"/>
-                </a:solidFill>
-                <a:latin typeface="Calibri"/>
-                <a:ea typeface="Calibri"/>
-                <a:cs typeface="Calibri"/>
-                <a:sym typeface="Calibri"/>
-              </a:rPr>
-              <a:t>Dataset quality wasn’t very good. (too many typos, placeholders, missing entries)</a:t>
-            </a:r>
-            <a:endParaRPr sz="1300">
-              <a:solidFill>
-                <a:schemeClr val="dk2"/>
-              </a:solidFill>
-              <a:latin typeface="Calibri"/>
-              <a:ea typeface="Calibri"/>
-              <a:cs typeface="Calibri"/>
-              <a:sym typeface="Calibri"/>
-            </a:endParaRPr>
-          </a:p>
-          <a:p>
-            <a:pPr indent="-311150" lvl="0" marL="457200" rtl="0" algn="l">
-              <a:spcBef>
-                <a:spcPts val="0"/>
-              </a:spcBef>
-              <a:spcAft>
-                <a:spcPts val="0"/>
-              </a:spcAft>
-              <a:buClr>
-                <a:schemeClr val="dk2"/>
-              </a:buClr>
-              <a:buSzPts val="1300"/>
-              <a:buFont typeface="Calibri"/>
-              <a:buChar char="●"/>
-            </a:pPr>
-            <a:r>
-              <a:rPr lang="en-GB" sz="1300">
-                <a:solidFill>
-                  <a:schemeClr val="dk2"/>
-                </a:solidFill>
-                <a:latin typeface="Calibri"/>
-                <a:ea typeface="Calibri"/>
-                <a:cs typeface="Calibri"/>
-                <a:sym typeface="Calibri"/>
-              </a:rPr>
-              <a:t>However, well-explained features.</a:t>
-            </a:r>
-            <a:endParaRPr sz="1300">
-              <a:solidFill>
-                <a:schemeClr val="dk2"/>
-              </a:solidFill>
-              <a:latin typeface="Calibri"/>
-              <a:ea typeface="Calibri"/>
-              <a:cs typeface="Calibri"/>
-              <a:sym typeface="Calibri"/>
-            </a:endParaRPr>
-          </a:p>
-        </p:txBody>
-      </p:sp>
-    </p:spTree>
-  </p:cSld>
-  <p:clrMapOvr>
-    <a:masterClrMapping/>
-  </p:clrMapOvr>
-</p:sld>
-</file>
-
-<file path=ppt/slides/slide3.xml><?xml version="1.0" encoding="utf-8"?>
-<p:sld xmlns:a="http://schemas.openxmlformats.org/drawingml/2006/main" xmlns:r="http://schemas.openxmlformats.org/officeDocument/2006/relationships" xmlns:mc="http://schemas.openxmlformats.org/markup-compatibility/2006" xmlns:mv="urn:schemas-microsoft-com:mac:vml" xmlns:p="http://schemas.openxmlformats.org/presentationml/2006/main" xmlns:c="http://schemas.openxmlformats.org/drawingml/2006/chart" xmlns:dgm="http://schemas.openxmlformats.org/drawingml/2006/diagram" xmlns:o="urn:schemas-microsoft-com:office:office" xmlns:v="urn:schemas-microsoft-com:vml" xmlns:pvml="urn:schemas-microsoft-com:office:powerpoint" xmlns:com="http://schemas.openxmlformats.org/drawingml/2006/compatibility" xmlns:p14="http://schemas.microsoft.com/office/powerpoint/2010/main" xmlns:p15="http://schemas.microsoft.com/office/powerpoint/2012/main" xmlns:ahyp="http://schemas.microsoft.com/office/drawing/2018/hyperlinkcolor">
-  <p:cSld>
-    <p:spTree>
-      <p:nvGrpSpPr>
-        <p:cNvPr id="83" name="Shape 83"/>
-        <p:cNvGrpSpPr/>
-        <p:nvPr/>
-      </p:nvGrpSpPr>
-      <p:grpSpPr>
-        <a:xfrm>
-          <a:off x="0" y="0"/>
-          <a:ext cx="0" cy="0"/>
-          <a:chOff x="0" y="0"/>
-          <a:chExt cx="0" cy="0"/>
-        </a:xfrm>
-      </p:grpSpPr>
-      <p:sp>
-        <p:nvSpPr>
-          <p:cNvPr id="84" name="Google Shape;84;p15"/>
-          <p:cNvSpPr txBox="1"/>
-          <p:nvPr>
-            <p:ph type="title"/>
-          </p:nvPr>
-        </p:nvSpPr>
-        <p:spPr>
-          <a:xfrm>
-            <a:off x="311700" y="159275"/>
-            <a:ext cx="8230800" cy="675300"/>
-          </a:xfrm>
-          <a:prstGeom prst="rect">
-            <a:avLst/>
-          </a:prstGeom>
-          <a:noFill/>
-          <a:ln>
-            <a:noFill/>
-          </a:ln>
-        </p:spPr>
-        <p:txBody>
-          <a:bodyPr anchorCtr="0" anchor="t" bIns="91425" lIns="91425" spcFirstLastPara="1" rIns="91425" wrap="square" tIns="91425">
-            <a:noAutofit/>
-          </a:bodyPr>
-          <a:lstStyle/>
-          <a:p>
-            <a:pPr indent="0" lvl="0" marL="0" rtl="0" algn="l">
-              <a:lnSpc>
-                <a:spcPct val="100000"/>
-              </a:lnSpc>
-              <a:spcBef>
-                <a:spcPts val="0"/>
-              </a:spcBef>
-              <a:spcAft>
-                <a:spcPts val="0"/>
-              </a:spcAft>
-              <a:buSzPts val="990"/>
-              <a:buNone/>
-            </a:pPr>
-            <a:r>
-              <a:rPr lang="en-GB" sz="2640"/>
-              <a:t>Data overview</a:t>
-            </a:r>
-            <a:endParaRPr sz="2640"/>
-          </a:p>
-        </p:txBody>
-      </p:sp>
-      <p:pic>
-        <p:nvPicPr>
-          <p:cNvPr id="85" name="Google Shape;85;p15"/>
-          <p:cNvPicPr preferRelativeResize="0"/>
-          <p:nvPr/>
-        </p:nvPicPr>
-        <p:blipFill rotWithShape="1">
-          <a:blip r:embed="rId3">
-            <a:alphaModFix/>
-          </a:blip>
-          <a:srcRect b="36732" l="0" r="0" t="0"/>
-          <a:stretch/>
-        </p:blipFill>
-        <p:spPr>
-          <a:xfrm>
-            <a:off x="152400" y="872900"/>
-            <a:ext cx="8839199" cy="2244038"/>
-          </a:xfrm>
-          <a:prstGeom prst="rect">
-            <a:avLst/>
-          </a:prstGeom>
-          <a:noFill/>
-          <a:ln>
-            <a:noFill/>
-          </a:ln>
-        </p:spPr>
-      </p:pic>
-      <p:sp>
-        <p:nvSpPr>
-          <p:cNvPr id="86" name="Google Shape;86;p15"/>
-          <p:cNvSpPr txBox="1"/>
-          <p:nvPr/>
-        </p:nvSpPr>
-        <p:spPr>
-          <a:xfrm>
-            <a:off x="152400" y="3166550"/>
-            <a:ext cx="8991600" cy="400200"/>
-          </a:xfrm>
-          <a:prstGeom prst="rect">
-            <a:avLst/>
-          </a:prstGeom>
-          <a:noFill/>
-          <a:ln>
-            <a:noFill/>
-          </a:ln>
-        </p:spPr>
-        <p:txBody>
-          <a:bodyPr anchorCtr="0" anchor="t" bIns="91425" lIns="91425" spcFirstLastPara="1" rIns="91425" wrap="square" tIns="91425">
-            <a:spAutoFit/>
-          </a:bodyPr>
-          <a:lstStyle/>
-          <a:p>
-            <a:pPr indent="0" lvl="0" marL="0" marR="0" rtl="0" algn="l">
-              <a:lnSpc>
-                <a:spcPct val="100000"/>
-              </a:lnSpc>
-              <a:spcBef>
-                <a:spcPts val="0"/>
-              </a:spcBef>
-              <a:spcAft>
-                <a:spcPts val="0"/>
-              </a:spcAft>
-              <a:buClr>
-                <a:srgbClr val="000000"/>
-              </a:buClr>
-              <a:buSzPts val="1400"/>
-              <a:buFont typeface="Arial"/>
-              <a:buNone/>
-            </a:pPr>
-            <a:r>
-              <a:rPr b="0" i="0" lang="en-GB" sz="1400" u="none" cap="none" strike="noStrike">
-                <a:solidFill>
-                  <a:schemeClr val="dk2"/>
-                </a:solidFill>
-                <a:latin typeface="Calibri"/>
-                <a:ea typeface="Calibri"/>
-                <a:cs typeface="Calibri"/>
-                <a:sym typeface="Calibri"/>
-              </a:rPr>
-              <a:t>In our dataframe, customers with multiple loans. Which will help us filling the missing. Using </a:t>
-            </a:r>
-            <a:r>
-              <a:rPr b="1" i="0" lang="en-GB" sz="1400" u="none" cap="none" strike="noStrike">
-                <a:solidFill>
-                  <a:srgbClr val="212121"/>
-                </a:solidFill>
-                <a:latin typeface="Calibri"/>
-                <a:ea typeface="Calibri"/>
-                <a:cs typeface="Calibri"/>
-                <a:sym typeface="Calibri"/>
-              </a:rPr>
-              <a:t>FillMissingWithGroupMode</a:t>
-            </a:r>
-            <a:r>
-              <a:rPr b="0" i="0" lang="en-GB" sz="1400" u="none" cap="none" strike="noStrike">
-                <a:solidFill>
-                  <a:srgbClr val="212121"/>
-                </a:solidFill>
-                <a:latin typeface="Calibri"/>
-                <a:ea typeface="Calibri"/>
-                <a:cs typeface="Calibri"/>
-                <a:sym typeface="Calibri"/>
-              </a:rPr>
-              <a:t>.</a:t>
-            </a:r>
-            <a:endParaRPr b="0" i="0" sz="1100" u="none" cap="none" strike="noStrike">
-              <a:solidFill>
-                <a:srgbClr val="212121"/>
-              </a:solidFill>
-              <a:latin typeface="Calibri"/>
-              <a:ea typeface="Calibri"/>
-              <a:cs typeface="Calibri"/>
-              <a:sym typeface="Calibri"/>
-            </a:endParaRPr>
-          </a:p>
-        </p:txBody>
-      </p:sp>
-      <p:sp>
-        <p:nvSpPr>
           <p:cNvPr id="87" name="Google Shape;87;p15"/>
-          <p:cNvSpPr/>
-          <p:nvPr/>
-        </p:nvSpPr>
-        <p:spPr>
-          <a:xfrm>
-            <a:off x="3007875" y="1143000"/>
-            <a:ext cx="451200" cy="375900"/>
-          </a:xfrm>
-          <a:prstGeom prst="flowChartConnector">
-            <a:avLst/>
-          </a:prstGeom>
-          <a:noFill/>
-          <a:ln cap="flat" cmpd="sng" w="9525">
-            <a:solidFill>
-              <a:srgbClr val="FF0000"/>
-            </a:solidFill>
-            <a:prstDash val="solid"/>
-            <a:round/>
-            <a:headEnd len="sm" w="sm" type="none"/>
-            <a:tailEnd len="sm" w="sm" type="none"/>
-          </a:ln>
-        </p:spPr>
-        <p:txBody>
-          <a:bodyPr anchorCtr="0" anchor="ctr" bIns="91425" lIns="91425" spcFirstLastPara="1" rIns="91425" wrap="square" tIns="91425">
-            <a:noAutofit/>
-          </a:bodyPr>
-          <a:lstStyle/>
-          <a:p>
-            <a:pPr indent="0" lvl="0" marL="0" marR="0" rtl="0" algn="ctr">
-              <a:lnSpc>
-                <a:spcPct val="100000"/>
-              </a:lnSpc>
-              <a:spcBef>
-                <a:spcPts val="0"/>
-              </a:spcBef>
-              <a:spcAft>
-                <a:spcPts val="0"/>
-              </a:spcAft>
-              <a:buClr>
-                <a:srgbClr val="000000"/>
-              </a:buClr>
-              <a:buSzPts val="1400"/>
-              <a:buFont typeface="Arial"/>
-              <a:buNone/>
-            </a:pPr>
-            <a:r>
-              <a:t/>
-            </a:r>
-            <a:endParaRPr b="0" i="0" sz="1400" u="none" cap="none" strike="noStrike">
-              <a:solidFill>
-                <a:srgbClr val="000000"/>
-              </a:solidFill>
-              <a:latin typeface="Open Sans"/>
-              <a:ea typeface="Open Sans"/>
-              <a:cs typeface="Open Sans"/>
-              <a:sym typeface="Open Sans"/>
-            </a:endParaRPr>
-          </a:p>
-        </p:txBody>
-      </p:sp>
-      <p:sp>
-        <p:nvSpPr>
-          <p:cNvPr id="88" name="Google Shape;88;p15"/>
-          <p:cNvSpPr/>
-          <p:nvPr/>
-        </p:nvSpPr>
-        <p:spPr>
-          <a:xfrm>
-            <a:off x="2331150" y="1143000"/>
-            <a:ext cx="278100" cy="263100"/>
-          </a:xfrm>
-          <a:prstGeom prst="flowChartConnector">
-            <a:avLst/>
-          </a:prstGeom>
-          <a:noFill/>
-          <a:ln cap="flat" cmpd="sng" w="9525">
-            <a:solidFill>
-              <a:srgbClr val="FF0000"/>
-            </a:solidFill>
-            <a:prstDash val="solid"/>
-            <a:round/>
-            <a:headEnd len="sm" w="sm" type="none"/>
-            <a:tailEnd len="sm" w="sm" type="none"/>
-          </a:ln>
-        </p:spPr>
-        <p:txBody>
-          <a:bodyPr anchorCtr="0" anchor="ctr" bIns="91425" lIns="91425" spcFirstLastPara="1" rIns="91425" wrap="square" tIns="91425">
-            <a:noAutofit/>
-          </a:bodyPr>
-          <a:lstStyle/>
-          <a:p>
-            <a:pPr indent="0" lvl="0" marL="0" marR="0" rtl="0" algn="ctr">
-              <a:lnSpc>
-                <a:spcPct val="100000"/>
-              </a:lnSpc>
-              <a:spcBef>
-                <a:spcPts val="0"/>
-              </a:spcBef>
-              <a:spcAft>
-                <a:spcPts val="0"/>
-              </a:spcAft>
-              <a:buClr>
-                <a:srgbClr val="000000"/>
-              </a:buClr>
-              <a:buSzPts val="1400"/>
-              <a:buFont typeface="Arial"/>
-              <a:buNone/>
-            </a:pPr>
-            <a:r>
-              <a:t/>
-            </a:r>
-            <a:endParaRPr b="0" i="0" sz="1400" u="none" cap="none" strike="noStrike">
-              <a:solidFill>
-                <a:srgbClr val="000000"/>
-              </a:solidFill>
-              <a:latin typeface="Open Sans"/>
-              <a:ea typeface="Open Sans"/>
-              <a:cs typeface="Open Sans"/>
-              <a:sym typeface="Open Sans"/>
-            </a:endParaRPr>
-          </a:p>
-        </p:txBody>
-      </p:sp>
-      <p:sp>
-        <p:nvSpPr>
-          <p:cNvPr id="89" name="Google Shape;89;p15"/>
-          <p:cNvSpPr/>
-          <p:nvPr/>
-        </p:nvSpPr>
-        <p:spPr>
-          <a:xfrm>
-            <a:off x="6568725" y="1936575"/>
-            <a:ext cx="451200" cy="375900"/>
-          </a:xfrm>
-          <a:prstGeom prst="flowChartConnector">
-            <a:avLst/>
-          </a:prstGeom>
-          <a:noFill/>
-          <a:ln cap="flat" cmpd="sng" w="9525">
-            <a:solidFill>
-              <a:srgbClr val="FF0000"/>
-            </a:solidFill>
-            <a:prstDash val="solid"/>
-            <a:round/>
-            <a:headEnd len="sm" w="sm" type="none"/>
-            <a:tailEnd len="sm" w="sm" type="none"/>
-          </a:ln>
-        </p:spPr>
-        <p:txBody>
-          <a:bodyPr anchorCtr="0" anchor="ctr" bIns="91425" lIns="91425" spcFirstLastPara="1" rIns="91425" wrap="square" tIns="91425">
-            <a:noAutofit/>
-          </a:bodyPr>
-          <a:lstStyle/>
-          <a:p>
-            <a:pPr indent="0" lvl="0" marL="0" marR="0" rtl="0" algn="ctr">
-              <a:lnSpc>
-                <a:spcPct val="100000"/>
-              </a:lnSpc>
-              <a:spcBef>
-                <a:spcPts val="0"/>
-              </a:spcBef>
-              <a:spcAft>
-                <a:spcPts val="0"/>
-              </a:spcAft>
-              <a:buClr>
-                <a:srgbClr val="000000"/>
-              </a:buClr>
-              <a:buSzPts val="1400"/>
-              <a:buFont typeface="Arial"/>
-              <a:buNone/>
-            </a:pPr>
-            <a:r>
-              <a:t/>
-            </a:r>
-            <a:endParaRPr b="0" i="0" sz="1400" u="none" cap="none" strike="noStrike">
-              <a:solidFill>
-                <a:srgbClr val="000000"/>
-              </a:solidFill>
-              <a:latin typeface="Open Sans"/>
-              <a:ea typeface="Open Sans"/>
-              <a:cs typeface="Open Sans"/>
-              <a:sym typeface="Open Sans"/>
-            </a:endParaRPr>
-          </a:p>
-        </p:txBody>
-      </p:sp>
-      <p:sp>
-        <p:nvSpPr>
-          <p:cNvPr id="90" name="Google Shape;90;p15"/>
-          <p:cNvSpPr/>
-          <p:nvPr/>
-        </p:nvSpPr>
-        <p:spPr>
-          <a:xfrm>
-            <a:off x="4848725" y="2312475"/>
-            <a:ext cx="451200" cy="375900"/>
-          </a:xfrm>
-          <a:prstGeom prst="flowChartConnector">
-            <a:avLst/>
-          </a:prstGeom>
-          <a:noFill/>
-          <a:ln cap="flat" cmpd="sng" w="9525">
-            <a:solidFill>
-              <a:srgbClr val="FF0000"/>
-            </a:solidFill>
-            <a:prstDash val="solid"/>
-            <a:round/>
-            <a:headEnd len="sm" w="sm" type="none"/>
-            <a:tailEnd len="sm" w="sm" type="none"/>
-          </a:ln>
-        </p:spPr>
-        <p:txBody>
-          <a:bodyPr anchorCtr="0" anchor="ctr" bIns="91425" lIns="91425" spcFirstLastPara="1" rIns="91425" wrap="square" tIns="91425">
-            <a:noAutofit/>
-          </a:bodyPr>
-          <a:lstStyle/>
-          <a:p>
-            <a:pPr indent="0" lvl="0" marL="0" marR="0" rtl="0" algn="ctr">
-              <a:lnSpc>
-                <a:spcPct val="100000"/>
-              </a:lnSpc>
-              <a:spcBef>
-                <a:spcPts val="0"/>
-              </a:spcBef>
-              <a:spcAft>
-                <a:spcPts val="0"/>
-              </a:spcAft>
-              <a:buClr>
-                <a:srgbClr val="000000"/>
-              </a:buClr>
-              <a:buSzPts val="1400"/>
-              <a:buFont typeface="Arial"/>
-              <a:buNone/>
-            </a:pPr>
-            <a:r>
-              <a:t/>
-            </a:r>
-            <a:endParaRPr b="0" i="0" sz="1400" u="none" cap="none" strike="noStrike">
-              <a:solidFill>
-                <a:srgbClr val="000000"/>
-              </a:solidFill>
-              <a:latin typeface="Open Sans"/>
-              <a:ea typeface="Open Sans"/>
-              <a:cs typeface="Open Sans"/>
-              <a:sym typeface="Open Sans"/>
-            </a:endParaRPr>
-          </a:p>
-        </p:txBody>
-      </p:sp>
-      <p:sp>
-        <p:nvSpPr>
-          <p:cNvPr id="91" name="Google Shape;91;p15"/>
-          <p:cNvSpPr/>
-          <p:nvPr/>
-        </p:nvSpPr>
-        <p:spPr>
-          <a:xfrm>
-            <a:off x="3670125" y="1936575"/>
-            <a:ext cx="518400" cy="375900"/>
-          </a:xfrm>
-          <a:prstGeom prst="flowChartConnector">
-            <a:avLst/>
-          </a:prstGeom>
-          <a:noFill/>
-          <a:ln cap="flat" cmpd="sng" w="9525">
-            <a:solidFill>
-              <a:srgbClr val="FF0000"/>
-            </a:solidFill>
-            <a:prstDash val="solid"/>
-            <a:round/>
-            <a:headEnd len="sm" w="sm" type="none"/>
-            <a:tailEnd len="sm" w="sm" type="none"/>
-          </a:ln>
-        </p:spPr>
-        <p:txBody>
-          <a:bodyPr anchorCtr="0" anchor="ctr" bIns="91425" lIns="91425" spcFirstLastPara="1" rIns="91425" wrap="square" tIns="91425">
-            <a:noAutofit/>
-          </a:bodyPr>
-          <a:lstStyle/>
-          <a:p>
-            <a:pPr indent="0" lvl="0" marL="0" marR="0" rtl="0" algn="ctr">
-              <a:lnSpc>
-                <a:spcPct val="100000"/>
-              </a:lnSpc>
-              <a:spcBef>
-                <a:spcPts val="0"/>
-              </a:spcBef>
-              <a:spcAft>
-                <a:spcPts val="0"/>
-              </a:spcAft>
-              <a:buClr>
-                <a:srgbClr val="000000"/>
-              </a:buClr>
-              <a:buSzPts val="1400"/>
-              <a:buFont typeface="Arial"/>
-              <a:buNone/>
-            </a:pPr>
-            <a:r>
-              <a:t/>
-            </a:r>
-            <a:endParaRPr b="0" i="0" sz="1400" u="none" cap="none" strike="noStrike">
-              <a:solidFill>
-                <a:srgbClr val="000000"/>
-              </a:solidFill>
-              <a:latin typeface="Open Sans"/>
-              <a:ea typeface="Open Sans"/>
-              <a:cs typeface="Open Sans"/>
-              <a:sym typeface="Open Sans"/>
-            </a:endParaRPr>
-          </a:p>
-        </p:txBody>
-      </p:sp>
-      <p:sp>
-        <p:nvSpPr>
-          <p:cNvPr id="92" name="Google Shape;92;p15"/>
           <p:cNvSpPr txBox="1"/>
           <p:nvPr/>
         </p:nvSpPr>
@@ -16891,7 +16560,7 @@
       </p:sp>
       <p:sp>
         <p:nvSpPr>
-          <p:cNvPr id="93" name="Google Shape;93;p15"/>
+          <p:cNvPr id="88" name="Google Shape;88;p15"/>
           <p:cNvSpPr txBox="1"/>
           <p:nvPr/>
         </p:nvSpPr>
@@ -17128,7 +16797,7 @@
   <p:cSld>
     <p:spTree>
       <p:nvGrpSpPr>
-        <p:cNvPr id="97" name="Shape 97"/>
+        <p:cNvPr id="92" name="Shape 92"/>
         <p:cNvGrpSpPr/>
         <p:nvPr/>
       </p:nvGrpSpPr>
@@ -17142,7 +16811,7 @@
       </p:grpSpPr>
       <p:sp>
         <p:nvSpPr>
-          <p:cNvPr id="98" name="Google Shape;98;p16"/>
+          <p:cNvPr id="93" name="Google Shape;93;p16"/>
           <p:cNvSpPr txBox="1"/>
           <p:nvPr/>
         </p:nvSpPr>
@@ -17208,7 +16877,7 @@
       </p:sp>
       <p:sp>
         <p:nvSpPr>
-          <p:cNvPr id="99" name="Google Shape;99;p16"/>
+          <p:cNvPr id="94" name="Google Shape;94;p16"/>
           <p:cNvSpPr txBox="1"/>
           <p:nvPr/>
         </p:nvSpPr>
@@ -17914,7 +17583,7 @@
       </p:sp>
       <p:sp>
         <p:nvSpPr>
-          <p:cNvPr id="100" name="Google Shape;100;p16"/>
+          <p:cNvPr id="95" name="Google Shape;95;p16"/>
           <p:cNvSpPr txBox="1"/>
           <p:nvPr/>
         </p:nvSpPr>
@@ -18392,7 +18061,7 @@
       </p:sp>
       <p:sp>
         <p:nvSpPr>
-          <p:cNvPr id="101" name="Google Shape;101;p16"/>
+          <p:cNvPr id="96" name="Google Shape;96;p16"/>
           <p:cNvSpPr txBox="1"/>
           <p:nvPr>
             <p:ph type="title"/>
@@ -18451,7 +18120,7 @@
   <p:cSld>
     <p:spTree>
       <p:nvGrpSpPr>
-        <p:cNvPr id="105" name="Shape 105"/>
+        <p:cNvPr id="100" name="Shape 100"/>
         <p:cNvGrpSpPr/>
         <p:nvPr/>
       </p:nvGrpSpPr>
@@ -18465,7 +18134,7 @@
       </p:grpSpPr>
       <p:sp>
         <p:nvSpPr>
-          <p:cNvPr id="106" name="Google Shape;106;p17"/>
+          <p:cNvPr id="101" name="Google Shape;101;p17"/>
           <p:cNvSpPr txBox="1"/>
           <p:nvPr>
             <p:ph type="title"/>
@@ -18513,7 +18182,7 @@
       </p:sp>
       <p:pic>
         <p:nvPicPr>
-          <p:cNvPr id="107" name="Google Shape;107;p17"/>
+          <p:cNvPr id="102" name="Google Shape;102;p17"/>
           <p:cNvPicPr preferRelativeResize="0"/>
           <p:nvPr/>
         </p:nvPicPr>
@@ -18540,7 +18209,7 @@
       </p:pic>
       <p:pic>
         <p:nvPicPr>
-          <p:cNvPr id="108" name="Google Shape;108;p17"/>
+          <p:cNvPr id="103" name="Google Shape;103;p17"/>
           <p:cNvPicPr preferRelativeResize="0"/>
           <p:nvPr/>
         </p:nvPicPr>
@@ -18567,7 +18236,7 @@
       </p:pic>
       <p:pic>
         <p:nvPicPr>
-          <p:cNvPr id="109" name="Google Shape;109;p17"/>
+          <p:cNvPr id="104" name="Google Shape;104;p17"/>
           <p:cNvPicPr preferRelativeResize="0"/>
           <p:nvPr/>
         </p:nvPicPr>
@@ -18594,7 +18263,7 @@
       </p:pic>
       <p:pic>
         <p:nvPicPr>
-          <p:cNvPr id="110" name="Google Shape;110;p17"/>
+          <p:cNvPr id="105" name="Google Shape;105;p17"/>
           <p:cNvPicPr preferRelativeResize="0"/>
           <p:nvPr/>
         </p:nvPicPr>
@@ -18632,7 +18301,7 @@
   <p:cSld>
     <p:spTree>
       <p:nvGrpSpPr>
-        <p:cNvPr id="114" name="Shape 114"/>
+        <p:cNvPr id="109" name="Shape 109"/>
         <p:cNvGrpSpPr/>
         <p:nvPr/>
       </p:nvGrpSpPr>
@@ -18646,7 +18315,7 @@
       </p:grpSpPr>
       <p:sp>
         <p:nvSpPr>
-          <p:cNvPr id="115" name="Google Shape;115;p18"/>
+          <p:cNvPr id="110" name="Google Shape;110;p18"/>
           <p:cNvSpPr txBox="1"/>
           <p:nvPr>
             <p:ph type="title"/>
@@ -18694,7 +18363,7 @@
       </p:sp>
       <p:sp>
         <p:nvSpPr>
-          <p:cNvPr id="116" name="Google Shape;116;p18"/>
+          <p:cNvPr id="111" name="Google Shape;111;p18"/>
           <p:cNvSpPr txBox="1"/>
           <p:nvPr>
             <p:ph idx="1" type="body"/>
@@ -19106,7 +18775,7 @@
   <p:cSld>
     <p:spTree>
       <p:nvGrpSpPr>
-        <p:cNvPr id="120" name="Shape 120"/>
+        <p:cNvPr id="115" name="Shape 115"/>
         <p:cNvGrpSpPr/>
         <p:nvPr/>
       </p:nvGrpSpPr>
@@ -19120,7 +18789,7 @@
       </p:grpSpPr>
       <p:sp>
         <p:nvSpPr>
-          <p:cNvPr id="121" name="Google Shape;121;p19"/>
+          <p:cNvPr id="116" name="Google Shape;116;p19"/>
           <p:cNvSpPr txBox="1"/>
           <p:nvPr>
             <p:ph type="title"/>
@@ -19168,17 +18837,16 @@
       </p:sp>
       <p:pic>
         <p:nvPicPr>
-          <p:cNvPr id="122" name="Google Shape;122;p19"/>
+          <p:cNvPr id="117" name="Google Shape;117;p19"/>
           <p:cNvPicPr preferRelativeResize="0"/>
           <p:nvPr/>
         </p:nvPicPr>
-        <p:blipFill>
+        <p:blipFill rotWithShape="1">
           <a:blip r:embed="rId3">
             <a:alphaModFix/>
           </a:blip>
-          <a:stretch>
-            <a:fillRect/>
-          </a:stretch>
+          <a:srcRect b="0" l="0" r="0" t="0"/>
+          <a:stretch/>
         </p:blipFill>
         <p:spPr>
           <a:xfrm>
@@ -19196,7 +18864,7 @@
       </p:pic>
       <p:sp>
         <p:nvSpPr>
-          <p:cNvPr id="123" name="Google Shape;123;p19"/>
+          <p:cNvPr id="118" name="Google Shape;118;p19"/>
           <p:cNvSpPr txBox="1"/>
           <p:nvPr/>
         </p:nvSpPr>
@@ -19219,7 +18887,7 @@
           </a:bodyPr>
           <a:lstStyle/>
           <a:p>
-            <a:pPr indent="0" lvl="0" marL="0" rtl="0" algn="l">
+            <a:pPr indent="0" lvl="0" marL="0" marR="0" rtl="0" algn="l">
               <a:lnSpc>
                 <a:spcPct val="110795"/>
               </a:lnSpc>
@@ -19229,10 +18897,18 @@
               <a:spcAft>
                 <a:spcPts val="0"/>
               </a:spcAft>
-              <a:buNone/>
-            </a:pPr>
-            <a:r>
-              <a:rPr lang="en-GB" sz="1000">
+              <a:buClr>
+                <a:srgbClr val="000000"/>
+              </a:buClr>
+              <a:buSzPts val="1000"/>
+              <a:buFont typeface="Arial"/>
+              <a:buNone/>
+            </a:pPr>
+            <a:r>
+              <a:rPr b="0" i="0" lang="en-GB" sz="1000" u="none" cap="none" strike="noStrike">
+                <a:solidFill>
+                  <a:srgbClr val="000000"/>
+                </a:solidFill>
                 <a:highlight>
                   <a:srgbClr val="FFFFFF"/>
                 </a:highlight>
@@ -19243,7 +18919,10 @@
               </a:rPr>
               <a:t>highly correlated variables: ['Age', 'Annual_Income', 'Monthly_Inhand_Salary', 'Num_Bank_Accounts', 'Num_Credit_Card', 'Interest_Rate', 'Num_of_Loan', 'Delay_from_due_date', 'Num_of_Delayed_Payment', 'Changed_Credit_Limit', 'Num_Credit_Inquiries', 'Outstanding_Debt', 'Credit_Utilization_Ratio', 'Credit_History_Age', 'Total_EMI_per_month', 'Amount_invested_monthly', 'Monthly_Balance', 'Occupation_Architect', 'Occupation_Developer', 'Occupation_Doctor', 'Occupation_Engineer', 'Occupation_Entrepreneur', 'Occupation_Journalist', 'Occupation_Lawyer', 'Occupation_Manager', 'Occupation_Mechanic', 'Occupation_Media_Manager', 'Occupation_Musician', 'Occupation_Scientist', 'Occupation_Teacher', 'Occupation_Writer', 'Credit_Mix_Good', 'Credit_Mix_Standard', 'Payment_of_Min_Amount_No', 'Payment_of_Min_Amount_Yes', 'Payment_Behaviour_High_spent_Medium_value_payments', 'Payment_Behaviour_High_spent_Small_value_payments', 'Payment_Behaviour_Low_spent_Large_value_payments', 'Payment_Behaviour_Low_spent_Medium_value_payments', 'Payment_Behaviour_Low_spent_Small_value_payments', 'No Data', 'auto loan', 'credit-builder loan', 'debt consolidation loan', 'home equity loan', 'mortgage loan', 'not specified', 'payday loan', 'personal loan', 'student loan', 'Debt_Income_Ratio', 'Balance_Salary_Ratio', 'EMI_Salary_Ratio', 'Credit_Utilization_Category_Medium']</a:t>
             </a:r>
-            <a:endParaRPr sz="1000">
+            <a:endParaRPr b="0" i="0" sz="1000" u="none" cap="none" strike="noStrike">
+              <a:solidFill>
+                <a:srgbClr val="000000"/>
+              </a:solidFill>
               <a:highlight>
                 <a:srgbClr val="FFFFFF"/>
               </a:highlight>
@@ -19254,19 +18933,27 @@
             </a:endParaRPr>
           </a:p>
           <a:p>
-            <a:pPr indent="0" lvl="0" marL="0" rtl="0" algn="l">
-              <a:spcBef>
-                <a:spcPts val="0"/>
-              </a:spcBef>
-              <a:spcAft>
-                <a:spcPts val="0"/>
-              </a:spcAft>
+            <a:pPr indent="0" lvl="0" marL="0" marR="0" rtl="0" algn="l">
+              <a:lnSpc>
+                <a:spcPct val="100000"/>
+              </a:lnSpc>
+              <a:spcBef>
+                <a:spcPts val="0"/>
+              </a:spcBef>
+              <a:spcAft>
+                <a:spcPts val="0"/>
+              </a:spcAft>
+              <a:buClr>
+                <a:srgbClr val="000000"/>
+              </a:buClr>
+              <a:buSzPts val="1000"/>
+              <a:buFont typeface="Arial"/>
               <a:buNone/>
             </a:pPr>
             <a:r>
               <a:t/>
             </a:r>
-            <a:endParaRPr sz="1000">
+            <a:endParaRPr b="0" i="0" sz="1000" u="none" cap="none" strike="noStrike">
               <a:solidFill>
                 <a:schemeClr val="dk2"/>
               </a:solidFill>
@@ -19291,7 +18978,7 @@
   <p:cSld>
     <p:spTree>
       <p:nvGrpSpPr>
-        <p:cNvPr id="127" name="Shape 127"/>
+        <p:cNvPr id="122" name="Shape 122"/>
         <p:cNvGrpSpPr/>
         <p:nvPr/>
       </p:nvGrpSpPr>
@@ -19305,7 +18992,7 @@
       </p:grpSpPr>
       <p:sp>
         <p:nvSpPr>
-          <p:cNvPr id="128" name="Google Shape;128;p20"/>
+          <p:cNvPr id="123" name="Google Shape;123;p20"/>
           <p:cNvSpPr txBox="1"/>
           <p:nvPr>
             <p:ph type="title"/>
@@ -19353,7 +19040,7 @@
       </p:sp>
       <p:pic>
         <p:nvPicPr>
-          <p:cNvPr id="129" name="Google Shape;129;p20"/>
+          <p:cNvPr id="124" name="Google Shape;124;p20"/>
           <p:cNvPicPr preferRelativeResize="0"/>
           <p:nvPr/>
         </p:nvPicPr>
@@ -19391,7 +19078,7 @@
   <p:cSld>
     <p:spTree>
       <p:nvGrpSpPr>
-        <p:cNvPr id="133" name="Shape 133"/>
+        <p:cNvPr id="128" name="Shape 128"/>
         <p:cNvGrpSpPr/>
         <p:nvPr/>
       </p:nvGrpSpPr>
@@ -19405,7 +19092,7 @@
       </p:grpSpPr>
       <p:sp>
         <p:nvSpPr>
-          <p:cNvPr id="134" name="Google Shape;134;p21"/>
+          <p:cNvPr id="129" name="Google Shape;129;p21"/>
           <p:cNvSpPr txBox="1"/>
           <p:nvPr>
             <p:ph type="title"/>
@@ -19453,7 +19140,7 @@
       </p:sp>
       <p:pic>
         <p:nvPicPr>
-          <p:cNvPr id="135" name="Google Shape;135;p21"/>
+          <p:cNvPr id="130" name="Google Shape;130;p21"/>
           <p:cNvPicPr preferRelativeResize="0"/>
           <p:nvPr/>
         </p:nvPicPr>
@@ -19480,7 +19167,7 @@
       </p:pic>
       <p:sp>
         <p:nvSpPr>
-          <p:cNvPr id="136" name="Google Shape;136;p21"/>
+          <p:cNvPr id="131" name="Google Shape;131;p21"/>
           <p:cNvSpPr txBox="1"/>
           <p:nvPr/>
         </p:nvSpPr>
@@ -19590,6 +19277,285 @@
 </file>
 
 <file path=ppt/theme/theme1.xml><?xml version="1.0" encoding="utf-8"?>
+<a:theme xmlns:a="http://schemas.openxmlformats.org/drawingml/2006/main" xmlns:r="http://schemas.openxmlformats.org/officeDocument/2006/relationships">
+  <a:themeElements>
+    <a:clrScheme name="Default">
+      <a:dk1>
+        <a:srgbClr val="000000"/>
+      </a:dk1>
+      <a:lt1>
+        <a:srgbClr val="FFFFFF"/>
+      </a:lt1>
+      <a:dk2>
+        <a:srgbClr val="158158"/>
+      </a:dk2>
+      <a:lt2>
+        <a:srgbClr val="F3F3F3"/>
+      </a:lt2>
+      <a:accent1>
+        <a:srgbClr val="058DC7"/>
+      </a:accent1>
+      <a:accent2>
+        <a:srgbClr val="50B432"/>
+      </a:accent2>
+      <a:accent3>
+        <a:srgbClr val="ED561B"/>
+      </a:accent3>
+      <a:accent4>
+        <a:srgbClr val="EDEF00"/>
+      </a:accent4>
+      <a:accent5>
+        <a:srgbClr val="24CBE5"/>
+      </a:accent5>
+      <a:accent6>
+        <a:srgbClr val="64E572"/>
+      </a:accent6>
+      <a:hlink>
+        <a:srgbClr val="2200CC"/>
+      </a:hlink>
+      <a:folHlink>
+        <a:srgbClr val="551A8B"/>
+      </a:folHlink>
+    </a:clrScheme>
+    <a:fontScheme name="Office">
+      <a:majorFont>
+        <a:latin typeface="Arial"/>
+        <a:ea typeface=""/>
+        <a:cs typeface=""/>
+        <a:font script="Jpan" typeface="ＭＳ Ｐゴシック"/>
+        <a:font script="Hang" typeface="맑은 고딕"/>
+        <a:font script="Hans" typeface="宋体"/>
+        <a:font script="Hant" typeface="新細明體"/>
+        <a:font script="Arab" typeface="Times New Roman"/>
+        <a:font script="Hebr" typeface="Times New Roman"/>
+        <a:font script="Thai" typeface="Angsana New"/>
+        <a:font script="Ethi" typeface="Nyala"/>
+        <a:font script="Beng" typeface="Vrinda"/>
+        <a:font script="Gujr" typeface="Shruti"/>
+        <a:font script="Khmr" typeface="MoolBoran"/>
+        <a:font script="Knda" typeface="Tunga"/>
+        <a:font script="Guru" typeface="Raavi"/>
+        <a:font script="Cans" typeface="Euphemia"/>
+        <a:font script="Cher" typeface="Plantagenet Cherokee"/>
+        <a:font script="Yiii" typeface="Microsoft Yi Baiti"/>
+        <a:font script="Tibt" typeface="Microsoft Himalaya"/>
+        <a:font script="Thaa" typeface="MV Boli"/>
+        <a:font script="Deva" typeface="Mangal"/>
+        <a:font script="Telu" typeface="Gautami"/>
+        <a:font script="Taml" typeface="Latha"/>
+        <a:font script="Syrc" typeface="Estrangelo Edessa"/>
+        <a:font script="Orya" typeface="Kalinga"/>
+        <a:font script="Mlym" typeface="Kartika"/>
+        <a:font script="Laoo" typeface="DokChampa"/>
+        <a:font script="Sinh" typeface="Iskoola Pota"/>
+        <a:font script="Mong" typeface="Mongolian Baiti"/>
+        <a:font script="Viet" typeface="Times New Roman"/>
+        <a:font script="Uigh" typeface="Microsoft Uighur"/>
+        <a:font script="Geor" typeface="Sylfaen"/>
+      </a:majorFont>
+      <a:minorFont>
+        <a:latin typeface="Arial"/>
+        <a:ea typeface=""/>
+        <a:cs typeface=""/>
+        <a:font script="Jpan" typeface="ＭＳ Ｐゴシック"/>
+        <a:font script="Hang" typeface="맑은 고딕"/>
+        <a:font script="Hans" typeface="宋体"/>
+        <a:font script="Hant" typeface="新細明體"/>
+        <a:font script="Arab" typeface="Arial"/>
+        <a:font script="Hebr" typeface="Arial"/>
+        <a:font script="Thai" typeface="Cordia New"/>
+        <a:font script="Ethi" typeface="Nyala"/>
+        <a:font script="Beng" typeface="Vrinda"/>
+        <a:font script="Gujr" typeface="Shruti"/>
+        <a:font script="Khmr" typeface="DaunPenh"/>
+        <a:font script="Knda" typeface="Tunga"/>
+        <a:font script="Guru" typeface="Raavi"/>
+        <a:font script="Cans" typeface="Euphemia"/>
+        <a:font script="Cher" typeface="Plantagenet Cherokee"/>
+        <a:font script="Yiii" typeface="Microsoft Yi Baiti"/>
+        <a:font script="Tibt" typeface="Microsoft Himalaya"/>
+        <a:font script="Thaa" typeface="MV Boli"/>
+        <a:font script="Deva" typeface="Mangal"/>
+        <a:font script="Telu" typeface="Gautami"/>
+        <a:font script="Taml" typeface="Latha"/>
+        <a:font script="Syrc" typeface="Estrangelo Edessa"/>
+        <a:font script="Orya" typeface="Kalinga"/>
+        <a:font script="Mlym" typeface="Kartika"/>
+        <a:font script="Laoo" typeface="DokChampa"/>
+        <a:font script="Sinh" typeface="Iskoola Pota"/>
+        <a:font script="Mong" typeface="Mongolian Baiti"/>
+        <a:font script="Viet" typeface="Arial"/>
+        <a:font script="Uigh" typeface="Microsoft Uighur"/>
+        <a:font script="Geor" typeface="Sylfaen"/>
+      </a:minorFont>
+    </a:fontScheme>
+    <a:fmtScheme name="Office">
+      <a:fillStyleLst>
+        <a:solidFill>
+          <a:schemeClr val="phClr"/>
+        </a:solidFill>
+        <a:gradFill rotWithShape="1">
+          <a:gsLst>
+            <a:gs pos="0">
+              <a:schemeClr val="phClr">
+                <a:tint val="50000"/>
+                <a:satMod val="300000"/>
+              </a:schemeClr>
+            </a:gs>
+            <a:gs pos="35000">
+              <a:schemeClr val="phClr">
+                <a:tint val="37000"/>
+                <a:satMod val="300000"/>
+              </a:schemeClr>
+            </a:gs>
+            <a:gs pos="100000">
+              <a:schemeClr val="phClr">
+                <a:tint val="15000"/>
+                <a:satMod val="350000"/>
+              </a:schemeClr>
+            </a:gs>
+          </a:gsLst>
+          <a:lin ang="16200000" scaled="1"/>
+        </a:gradFill>
+        <a:gradFill rotWithShape="1">
+          <a:gsLst>
+            <a:gs pos="0">
+              <a:schemeClr val="phClr">
+                <a:tint val="100000"/>
+                <a:shade val="100000"/>
+                <a:satMod val="130000"/>
+              </a:schemeClr>
+            </a:gs>
+            <a:gs pos="100000">
+              <a:schemeClr val="phClr">
+                <a:tint val="50000"/>
+                <a:shade val="100000"/>
+                <a:satMod val="350000"/>
+              </a:schemeClr>
+            </a:gs>
+          </a:gsLst>
+          <a:lin ang="16200000" scaled="0"/>
+        </a:gradFill>
+      </a:fillStyleLst>
+      <a:lnStyleLst>
+        <a:ln w="9525" cap="flat" cmpd="sng" algn="ctr">
+          <a:solidFill>
+            <a:schemeClr val="phClr">
+              <a:shade val="95000"/>
+              <a:satMod val="105000"/>
+            </a:schemeClr>
+          </a:solidFill>
+          <a:prstDash val="solid"/>
+        </a:ln>
+        <a:ln w="25400" cap="flat" cmpd="sng" algn="ctr">
+          <a:solidFill>
+            <a:schemeClr val="phClr"/>
+          </a:solidFill>
+          <a:prstDash val="solid"/>
+        </a:ln>
+        <a:ln w="38100" cap="flat" cmpd="sng" algn="ctr">
+          <a:solidFill>
+            <a:schemeClr val="phClr"/>
+          </a:solidFill>
+          <a:prstDash val="solid"/>
+        </a:ln>
+      </a:lnStyleLst>
+      <a:effectStyleLst>
+        <a:effectStyle>
+          <a:effectLst>
+            <a:outerShdw blurRad="40000" dist="20000" dir="5400000" rotWithShape="0">
+              <a:srgbClr val="000000">
+                <a:alpha val="38000"/>
+              </a:srgbClr>
+            </a:outerShdw>
+          </a:effectLst>
+        </a:effectStyle>
+        <a:effectStyle>
+          <a:effectLst>
+            <a:outerShdw blurRad="40000" dist="23000" dir="5400000" rotWithShape="0">
+              <a:srgbClr val="000000">
+                <a:alpha val="35000"/>
+              </a:srgbClr>
+            </a:outerShdw>
+          </a:effectLst>
+        </a:effectStyle>
+        <a:effectStyle>
+          <a:effectLst>
+            <a:outerShdw blurRad="40000" dist="23000" dir="5400000" rotWithShape="0">
+              <a:srgbClr val="000000">
+                <a:alpha val="35000"/>
+              </a:srgbClr>
+            </a:outerShdw>
+          </a:effectLst>
+          <a:scene3d>
+            <a:camera prst="orthographicFront">
+              <a:rot lat="0" lon="0" rev="0"/>
+            </a:camera>
+            <a:lightRig rig="threePt" dir="t">
+              <a:rot lat="0" lon="0" rev="1200000"/>
+            </a:lightRig>
+          </a:scene3d>
+          <a:sp3d>
+            <a:bevelT w="63500" h="25400"/>
+          </a:sp3d>
+        </a:effectStyle>
+      </a:effectStyleLst>
+      <a:bgFillStyleLst>
+        <a:solidFill>
+          <a:schemeClr val="phClr"/>
+        </a:solidFill>
+        <a:gradFill rotWithShape="1">
+          <a:gsLst>
+            <a:gs pos="0">
+              <a:schemeClr val="phClr">
+                <a:tint val="40000"/>
+                <a:satMod val="350000"/>
+              </a:schemeClr>
+            </a:gs>
+            <a:gs pos="40000">
+              <a:schemeClr val="phClr">
+                <a:tint val="45000"/>
+                <a:shade val="99000"/>
+                <a:satMod val="350000"/>
+              </a:schemeClr>
+            </a:gs>
+            <a:gs pos="100000">
+              <a:schemeClr val="phClr">
+                <a:shade val="20000"/>
+                <a:satMod val="255000"/>
+              </a:schemeClr>
+            </a:gs>
+          </a:gsLst>
+          <a:path path="circle">
+            <a:fillToRect l="50000" t="-80000" r="50000" b="180000"/>
+          </a:path>
+        </a:gradFill>
+        <a:gradFill rotWithShape="1">
+          <a:gsLst>
+            <a:gs pos="0">
+              <a:schemeClr val="phClr">
+                <a:tint val="80000"/>
+                <a:satMod val="300000"/>
+              </a:schemeClr>
+            </a:gs>
+            <a:gs pos="100000">
+              <a:schemeClr val="phClr">
+                <a:shade val="30000"/>
+                <a:satMod val="200000"/>
+              </a:schemeClr>
+            </a:gs>
+          </a:gsLst>
+          <a:path path="circle">
+            <a:fillToRect l="50000" t="50000" r="50000" b="50000"/>
+          </a:path>
+        </a:gradFill>
+      </a:bgFillStyleLst>
+    </a:fmtScheme>
+  </a:themeElements>
+</a:theme>
+</file>
+
+<file path=ppt/theme/theme2.xml><?xml version="1.0" encoding="utf-8"?>
 <a:theme xmlns:a="http://schemas.openxmlformats.org/drawingml/2006/main" xmlns:r="http://schemas.openxmlformats.org/officeDocument/2006/relationships" name="Tropic">
   <a:themeElements>
     <a:clrScheme name="Tropic">
@@ -19866,283 +19832,4 @@
     </a:fmtScheme>
   </a:themeElements>
 </a:theme>
-</file>
-
-<file path=ppt/theme/theme2.xml><?xml version="1.0" encoding="utf-8"?>
-<a:theme xmlns:a="http://schemas.openxmlformats.org/drawingml/2006/main" xmlns:r="http://schemas.openxmlformats.org/officeDocument/2006/relationships">
-  <a:themeElements>
-    <a:clrScheme name="Default">
-      <a:dk1>
-        <a:srgbClr val="000000"/>
-      </a:dk1>
-      <a:lt1>
-        <a:srgbClr val="FFFFFF"/>
-      </a:lt1>
-      <a:dk2>
-        <a:srgbClr val="158158"/>
-      </a:dk2>
-      <a:lt2>
-        <a:srgbClr val="F3F3F3"/>
-      </a:lt2>
-      <a:accent1>
-        <a:srgbClr val="058DC7"/>
-      </a:accent1>
-      <a:accent2>
-        <a:srgbClr val="50B432"/>
-      </a:accent2>
-      <a:accent3>
-        <a:srgbClr val="ED561B"/>
-      </a:accent3>
-      <a:accent4>
-        <a:srgbClr val="EDEF00"/>
-      </a:accent4>
-      <a:accent5>
-        <a:srgbClr val="24CBE5"/>
-      </a:accent5>
-      <a:accent6>
-        <a:srgbClr val="64E572"/>
-      </a:accent6>
-      <a:hlink>
-        <a:srgbClr val="2200CC"/>
-      </a:hlink>
-      <a:folHlink>
-        <a:srgbClr val="551A8B"/>
-      </a:folHlink>
-    </a:clrScheme>
-    <a:fontScheme name="Office">
-      <a:majorFont>
-        <a:latin typeface="Arial"/>
-        <a:ea typeface=""/>
-        <a:cs typeface=""/>
-        <a:font script="Jpan" typeface="ＭＳ Ｐゴシック"/>
-        <a:font script="Hang" typeface="맑은 고딕"/>
-        <a:font script="Hans" typeface="宋体"/>
-        <a:font script="Hant" typeface="新細明體"/>
-        <a:font script="Arab" typeface="Times New Roman"/>
-        <a:font script="Hebr" typeface="Times New Roman"/>
-        <a:font script="Thai" typeface="Angsana New"/>
-        <a:font script="Ethi" typeface="Nyala"/>
-        <a:font script="Beng" typeface="Vrinda"/>
-        <a:font script="Gujr" typeface="Shruti"/>
-        <a:font script="Khmr" typeface="MoolBoran"/>
-        <a:font script="Knda" typeface="Tunga"/>
-        <a:font script="Guru" typeface="Raavi"/>
-        <a:font script="Cans" typeface="Euphemia"/>
-        <a:font script="Cher" typeface="Plantagenet Cherokee"/>
-        <a:font script="Yiii" typeface="Microsoft Yi Baiti"/>
-        <a:font script="Tibt" typeface="Microsoft Himalaya"/>
-        <a:font script="Thaa" typeface="MV Boli"/>
-        <a:font script="Deva" typeface="Mangal"/>
-        <a:font script="Telu" typeface="Gautami"/>
-        <a:font script="Taml" typeface="Latha"/>
-        <a:font script="Syrc" typeface="Estrangelo Edessa"/>
-        <a:font script="Orya" typeface="Kalinga"/>
-        <a:font script="Mlym" typeface="Kartika"/>
-        <a:font script="Laoo" typeface="DokChampa"/>
-        <a:font script="Sinh" typeface="Iskoola Pota"/>
-        <a:font script="Mong" typeface="Mongolian Baiti"/>
-        <a:font script="Viet" typeface="Times New Roman"/>
-        <a:font script="Uigh" typeface="Microsoft Uighur"/>
-        <a:font script="Geor" typeface="Sylfaen"/>
-      </a:majorFont>
-      <a:minorFont>
-        <a:latin typeface="Arial"/>
-        <a:ea typeface=""/>
-        <a:cs typeface=""/>
-        <a:font script="Jpan" typeface="ＭＳ Ｐゴシック"/>
-        <a:font script="Hang" typeface="맑은 고딕"/>
-        <a:font script="Hans" typeface="宋体"/>
-        <a:font script="Hant" typeface="新細明體"/>
-        <a:font script="Arab" typeface="Arial"/>
-        <a:font script="Hebr" typeface="Arial"/>
-        <a:font script="Thai" typeface="Cordia New"/>
-        <a:font script="Ethi" typeface="Nyala"/>
-        <a:font script="Beng" typeface="Vrinda"/>
-        <a:font script="Gujr" typeface="Shruti"/>
-        <a:font script="Khmr" typeface="DaunPenh"/>
-        <a:font script="Knda" typeface="Tunga"/>
-        <a:font script="Guru" typeface="Raavi"/>
-        <a:font script="Cans" typeface="Euphemia"/>
-        <a:font script="Cher" typeface="Plantagenet Cherokee"/>
-        <a:font script="Yiii" typeface="Microsoft Yi Baiti"/>
-        <a:font script="Tibt" typeface="Microsoft Himalaya"/>
-        <a:font script="Thaa" typeface="MV Boli"/>
-        <a:font script="Deva" typeface="Mangal"/>
-        <a:font script="Telu" typeface="Gautami"/>
-        <a:font script="Taml" typeface="Latha"/>
-        <a:font script="Syrc" typeface="Estrangelo Edessa"/>
-        <a:font script="Orya" typeface="Kalinga"/>
-        <a:font script="Mlym" typeface="Kartika"/>
-        <a:font script="Laoo" typeface="DokChampa"/>
-        <a:font script="Sinh" typeface="Iskoola Pota"/>
-        <a:font script="Mong" typeface="Mongolian Baiti"/>
-        <a:font script="Viet" typeface="Arial"/>
-        <a:font script="Uigh" typeface="Microsoft Uighur"/>
-        <a:font script="Geor" typeface="Sylfaen"/>
-      </a:minorFont>
-    </a:fontScheme>
-    <a:fmtScheme name="Office">
-      <a:fillStyleLst>
-        <a:solidFill>
-          <a:schemeClr val="phClr"/>
-        </a:solidFill>
-        <a:gradFill rotWithShape="1">
-          <a:gsLst>
-            <a:gs pos="0">
-              <a:schemeClr val="phClr">
-                <a:tint val="50000"/>
-                <a:satMod val="300000"/>
-              </a:schemeClr>
-            </a:gs>
-            <a:gs pos="35000">
-              <a:schemeClr val="phClr">
-                <a:tint val="37000"/>
-                <a:satMod val="300000"/>
-              </a:schemeClr>
-            </a:gs>
-            <a:gs pos="100000">
-              <a:schemeClr val="phClr">
-                <a:tint val="15000"/>
-                <a:satMod val="350000"/>
-              </a:schemeClr>
-            </a:gs>
-          </a:gsLst>
-          <a:lin ang="16200000" scaled="1"/>
-        </a:gradFill>
-        <a:gradFill rotWithShape="1">
-          <a:gsLst>
-            <a:gs pos="0">
-              <a:schemeClr val="phClr">
-                <a:tint val="100000"/>
-                <a:shade val="100000"/>
-                <a:satMod val="130000"/>
-              </a:schemeClr>
-            </a:gs>
-            <a:gs pos="100000">
-              <a:schemeClr val="phClr">
-                <a:tint val="50000"/>
-                <a:shade val="100000"/>
-                <a:satMod val="350000"/>
-              </a:schemeClr>
-            </a:gs>
-          </a:gsLst>
-          <a:lin ang="16200000" scaled="0"/>
-        </a:gradFill>
-      </a:fillStyleLst>
-      <a:lnStyleLst>
-        <a:ln w="9525" cap="flat" cmpd="sng" algn="ctr">
-          <a:solidFill>
-            <a:schemeClr val="phClr">
-              <a:shade val="95000"/>
-              <a:satMod val="105000"/>
-            </a:schemeClr>
-          </a:solidFill>
-          <a:prstDash val="solid"/>
-        </a:ln>
-        <a:ln w="25400" cap="flat" cmpd="sng" algn="ctr">
-          <a:solidFill>
-            <a:schemeClr val="phClr"/>
-          </a:solidFill>
-          <a:prstDash val="solid"/>
-        </a:ln>
-        <a:ln w="38100" cap="flat" cmpd="sng" algn="ctr">
-          <a:solidFill>
-            <a:schemeClr val="phClr"/>
-          </a:solidFill>
-          <a:prstDash val="solid"/>
-        </a:ln>
-      </a:lnStyleLst>
-      <a:effectStyleLst>
-        <a:effectStyle>
-          <a:effectLst>
-            <a:outerShdw blurRad="40000" dist="20000" dir="5400000" rotWithShape="0">
-              <a:srgbClr val="000000">
-                <a:alpha val="38000"/>
-              </a:srgbClr>
-            </a:outerShdw>
-          </a:effectLst>
-        </a:effectStyle>
-        <a:effectStyle>
-          <a:effectLst>
-            <a:outerShdw blurRad="40000" dist="23000" dir="5400000" rotWithShape="0">
-              <a:srgbClr val="000000">
-                <a:alpha val="35000"/>
-              </a:srgbClr>
-            </a:outerShdw>
-          </a:effectLst>
-        </a:effectStyle>
-        <a:effectStyle>
-          <a:effectLst>
-            <a:outerShdw blurRad="40000" dist="23000" dir="5400000" rotWithShape="0">
-              <a:srgbClr val="000000">
-                <a:alpha val="35000"/>
-              </a:srgbClr>
-            </a:outerShdw>
-          </a:effectLst>
-          <a:scene3d>
-            <a:camera prst="orthographicFront">
-              <a:rot lat="0" lon="0" rev="0"/>
-            </a:camera>
-            <a:lightRig rig="threePt" dir="t">
-              <a:rot lat="0" lon="0" rev="1200000"/>
-            </a:lightRig>
-          </a:scene3d>
-          <a:sp3d>
-            <a:bevelT w="63500" h="25400"/>
-          </a:sp3d>
-        </a:effectStyle>
-      </a:effectStyleLst>
-      <a:bgFillStyleLst>
-        <a:solidFill>
-          <a:schemeClr val="phClr"/>
-        </a:solidFill>
-        <a:gradFill rotWithShape="1">
-          <a:gsLst>
-            <a:gs pos="0">
-              <a:schemeClr val="phClr">
-                <a:tint val="40000"/>
-                <a:satMod val="350000"/>
-              </a:schemeClr>
-            </a:gs>
-            <a:gs pos="40000">
-              <a:schemeClr val="phClr">
-                <a:tint val="45000"/>
-                <a:shade val="99000"/>
-                <a:satMod val="350000"/>
-              </a:schemeClr>
-            </a:gs>
-            <a:gs pos="100000">
-              <a:schemeClr val="phClr">
-                <a:shade val="20000"/>
-                <a:satMod val="255000"/>
-              </a:schemeClr>
-            </a:gs>
-          </a:gsLst>
-          <a:path path="circle">
-            <a:fillToRect l="50000" t="-80000" r="50000" b="180000"/>
-          </a:path>
-        </a:gradFill>
-        <a:gradFill rotWithShape="1">
-          <a:gsLst>
-            <a:gs pos="0">
-              <a:schemeClr val="phClr">
-                <a:tint val="80000"/>
-                <a:satMod val="300000"/>
-              </a:schemeClr>
-            </a:gs>
-            <a:gs pos="100000">
-              <a:schemeClr val="phClr">
-                <a:shade val="30000"/>
-                <a:satMod val="200000"/>
-              </a:schemeClr>
-            </a:gs>
-          </a:gsLst>
-          <a:path path="circle">
-            <a:fillToRect l="50000" t="50000" r="50000" b="50000"/>
-          </a:path>
-        </a:gradFill>
-      </a:bgFillStyleLst>
-    </a:fmtScheme>
-  </a:themeElements>
-</a:theme>
 </file>
--- a/present.pptx
+++ b/present.pptx
@@ -16918,7 +16918,7 @@
               <a:buChar char="●"/>
             </a:pPr>
             <a:r>
-              <a:rPr b="0" i="0" lang="en-GB" sz="1100" u="none" cap="none" strike="noStrike">
+              <a:rPr b="1" i="0" lang="en-GB" sz="1100" u="none" cap="none" strike="noStrike">
                 <a:solidFill>
                   <a:schemeClr val="dk2"/>
                 </a:solidFill>
@@ -16927,7 +16927,19 @@
                 <a:cs typeface="Calibri"/>
                 <a:sym typeface="Calibri"/>
               </a:rPr>
-              <a:t>ID: Represents a unique identification of an entry.</a:t>
+              <a:t>ID:</a:t>
+            </a:r>
+            <a:r>
+              <a:rPr b="0" i="0" lang="en-GB" sz="1100" u="none" cap="none" strike="noStrike">
+                <a:solidFill>
+                  <a:schemeClr val="dk2"/>
+                </a:solidFill>
+                <a:latin typeface="Calibri"/>
+                <a:ea typeface="Calibri"/>
+                <a:cs typeface="Calibri"/>
+                <a:sym typeface="Calibri"/>
+              </a:rPr>
+              <a:t> Represents a unique identification of an entry.</a:t>
             </a:r>
             <a:endParaRPr b="0" i="0" sz="1100" u="none" cap="none" strike="noStrike">
               <a:solidFill>
@@ -16958,7 +16970,7 @@
               <a:buChar char="●"/>
             </a:pPr>
             <a:r>
-              <a:rPr b="0" i="0" lang="en-GB" sz="1100" u="none" cap="none" strike="noStrike">
+              <a:rPr b="1" i="0" lang="en-GB" sz="1100" u="none" cap="none" strike="noStrike">
                 <a:solidFill>
                   <a:schemeClr val="dk2"/>
                 </a:solidFill>
@@ -16967,7 +16979,19 @@
                 <a:cs typeface="Calibri"/>
                 <a:sym typeface="Calibri"/>
               </a:rPr>
-              <a:t>Customer_ID: Represents a unique identification of a person.</a:t>
+              <a:t>Customer_ID:</a:t>
+            </a:r>
+            <a:r>
+              <a:rPr b="0" i="0" lang="en-GB" sz="1100" u="none" cap="none" strike="noStrike">
+                <a:solidFill>
+                  <a:schemeClr val="dk2"/>
+                </a:solidFill>
+                <a:latin typeface="Calibri"/>
+                <a:ea typeface="Calibri"/>
+                <a:cs typeface="Calibri"/>
+                <a:sym typeface="Calibri"/>
+              </a:rPr>
+              <a:t> Represents a unique identification of a person.</a:t>
             </a:r>
             <a:endParaRPr b="0" i="0" sz="1100" u="none" cap="none" strike="noStrike">
               <a:solidFill>
@@ -16998,7 +17022,7 @@
               <a:buChar char="●"/>
             </a:pPr>
             <a:r>
-              <a:rPr b="0" i="0" lang="en-GB" sz="1100" u="none" cap="none" strike="noStrike">
+              <a:rPr b="1" i="0" lang="en-GB" sz="1100" u="none" cap="none" strike="noStrike">
                 <a:solidFill>
                   <a:schemeClr val="dk2"/>
                 </a:solidFill>
@@ -17007,7 +17031,19 @@
                 <a:cs typeface="Calibri"/>
                 <a:sym typeface="Calibri"/>
               </a:rPr>
-              <a:t>Month: Represents the month of the year.</a:t>
+              <a:t>Month:</a:t>
+            </a:r>
+            <a:r>
+              <a:rPr b="0" i="0" lang="en-GB" sz="1100" u="none" cap="none" strike="noStrike">
+                <a:solidFill>
+                  <a:schemeClr val="dk2"/>
+                </a:solidFill>
+                <a:latin typeface="Calibri"/>
+                <a:ea typeface="Calibri"/>
+                <a:cs typeface="Calibri"/>
+                <a:sym typeface="Calibri"/>
+              </a:rPr>
+              <a:t> Represents the month of the year.</a:t>
             </a:r>
             <a:endParaRPr b="0" i="0" sz="1100" u="none" cap="none" strike="noStrike">
               <a:solidFill>
@@ -17038,7 +17074,7 @@
               <a:buChar char="●"/>
             </a:pPr>
             <a:r>
-              <a:rPr b="0" i="0" lang="en-GB" sz="1100" u="none" cap="none" strike="noStrike">
+              <a:rPr b="1" i="0" lang="en-GB" sz="1100" u="none" cap="none" strike="noStrike">
                 <a:solidFill>
                   <a:schemeClr val="dk2"/>
                 </a:solidFill>
@@ -17047,7 +17083,19 @@
                 <a:cs typeface="Calibri"/>
                 <a:sym typeface="Calibri"/>
               </a:rPr>
-              <a:t>Name: Represents the name of a person.</a:t>
+              <a:t>Name:</a:t>
+            </a:r>
+            <a:r>
+              <a:rPr b="0" i="0" lang="en-GB" sz="1100" u="none" cap="none" strike="noStrike">
+                <a:solidFill>
+                  <a:schemeClr val="dk2"/>
+                </a:solidFill>
+                <a:latin typeface="Calibri"/>
+                <a:ea typeface="Calibri"/>
+                <a:cs typeface="Calibri"/>
+                <a:sym typeface="Calibri"/>
+              </a:rPr>
+              <a:t> Represents the name of a person.</a:t>
             </a:r>
             <a:endParaRPr b="0" i="0" sz="1100" u="none" cap="none" strike="noStrike">
               <a:solidFill>
@@ -17078,7 +17126,7 @@
               <a:buChar char="●"/>
             </a:pPr>
             <a:r>
-              <a:rPr b="0" i="0" lang="en-GB" sz="1100" u="none" cap="none" strike="noStrike">
+              <a:rPr b="1" i="0" lang="en-GB" sz="1100" u="none" cap="none" strike="noStrike">
                 <a:solidFill>
                   <a:schemeClr val="dk2"/>
                 </a:solidFill>
@@ -17087,7 +17135,19 @@
                 <a:cs typeface="Calibri"/>
                 <a:sym typeface="Calibri"/>
               </a:rPr>
-              <a:t>Age: Represents the age of the person.</a:t>
+              <a:t>Age:</a:t>
+            </a:r>
+            <a:r>
+              <a:rPr b="0" i="0" lang="en-GB" sz="1100" u="none" cap="none" strike="noStrike">
+                <a:solidFill>
+                  <a:schemeClr val="dk2"/>
+                </a:solidFill>
+                <a:latin typeface="Calibri"/>
+                <a:ea typeface="Calibri"/>
+                <a:cs typeface="Calibri"/>
+                <a:sym typeface="Calibri"/>
+              </a:rPr>
+              <a:t> Represents the age of the person.</a:t>
             </a:r>
             <a:endParaRPr b="0" i="0" sz="1100" u="none" cap="none" strike="noStrike">
               <a:solidFill>
@@ -17118,7 +17178,7 @@
               <a:buChar char="●"/>
             </a:pPr>
             <a:r>
-              <a:rPr b="0" i="0" lang="en-GB" sz="1100" u="none" cap="none" strike="noStrike">
+              <a:rPr b="1" i="0" lang="en-GB" sz="1100" u="none" cap="none" strike="noStrike">
                 <a:solidFill>
                   <a:schemeClr val="dk2"/>
                 </a:solidFill>
@@ -17127,7 +17187,19 @@
                 <a:cs typeface="Calibri"/>
                 <a:sym typeface="Calibri"/>
               </a:rPr>
-              <a:t>SSN: Represents the social security number of a person.</a:t>
+              <a:t>SSN: </a:t>
+            </a:r>
+            <a:r>
+              <a:rPr b="0" i="0" lang="en-GB" sz="1100" u="none" cap="none" strike="noStrike">
+                <a:solidFill>
+                  <a:schemeClr val="dk2"/>
+                </a:solidFill>
+                <a:latin typeface="Calibri"/>
+                <a:ea typeface="Calibri"/>
+                <a:cs typeface="Calibri"/>
+                <a:sym typeface="Calibri"/>
+              </a:rPr>
+              <a:t>Represents the social security number of a person.</a:t>
             </a:r>
             <a:endParaRPr b="0" i="0" sz="1100" u="none" cap="none" strike="noStrike">
               <a:solidFill>
@@ -17158,7 +17230,7 @@
               <a:buChar char="●"/>
             </a:pPr>
             <a:r>
-              <a:rPr b="0" i="0" lang="en-GB" sz="1100" u="none" cap="none" strike="noStrike">
+              <a:rPr b="1" i="0" lang="en-GB" sz="1100" u="none" cap="none" strike="noStrike">
                 <a:solidFill>
                   <a:schemeClr val="dk2"/>
                 </a:solidFill>
@@ -17167,7 +17239,19 @@
                 <a:cs typeface="Calibri"/>
                 <a:sym typeface="Calibri"/>
               </a:rPr>
-              <a:t>Occupation: Represents the occupation of the person.</a:t>
+              <a:t>Occupation:</a:t>
+            </a:r>
+            <a:r>
+              <a:rPr b="0" i="0" lang="en-GB" sz="1100" u="none" cap="none" strike="noStrike">
+                <a:solidFill>
+                  <a:schemeClr val="dk2"/>
+                </a:solidFill>
+                <a:latin typeface="Calibri"/>
+                <a:ea typeface="Calibri"/>
+                <a:cs typeface="Calibri"/>
+                <a:sym typeface="Calibri"/>
+              </a:rPr>
+              <a:t> Represents the occupation of the person.</a:t>
             </a:r>
             <a:endParaRPr b="0" i="0" sz="1100" u="none" cap="none" strike="noStrike">
               <a:solidFill>
@@ -17198,7 +17282,7 @@
               <a:buChar char="●"/>
             </a:pPr>
             <a:r>
-              <a:rPr b="0" i="0" lang="en-GB" sz="1100" u="none" cap="none" strike="noStrike">
+              <a:rPr b="1" i="0" lang="en-GB" sz="1100" u="none" cap="none" strike="noStrike">
                 <a:solidFill>
                   <a:schemeClr val="dk2"/>
                 </a:solidFill>
@@ -17207,7 +17291,19 @@
                 <a:cs typeface="Calibri"/>
                 <a:sym typeface="Calibri"/>
               </a:rPr>
-              <a:t>Annual_Income: Represents the annual income of the person.</a:t>
+              <a:t>Annual_Income:</a:t>
+            </a:r>
+            <a:r>
+              <a:rPr b="0" i="0" lang="en-GB" sz="1100" u="none" cap="none" strike="noStrike">
+                <a:solidFill>
+                  <a:schemeClr val="dk2"/>
+                </a:solidFill>
+                <a:latin typeface="Calibri"/>
+                <a:ea typeface="Calibri"/>
+                <a:cs typeface="Calibri"/>
+                <a:sym typeface="Calibri"/>
+              </a:rPr>
+              <a:t> Represents the annual income of the person.</a:t>
             </a:r>
             <a:endParaRPr b="0" i="0" sz="1100" u="none" cap="none" strike="noStrike">
               <a:solidFill>
@@ -17238,7 +17334,7 @@
               <a:buChar char="●"/>
             </a:pPr>
             <a:r>
-              <a:rPr b="0" i="0" lang="en-GB" sz="1100" u="none" cap="none" strike="noStrike">
+              <a:rPr b="1" i="0" lang="en-GB" sz="1100" u="none" cap="none" strike="noStrike">
                 <a:solidFill>
                   <a:schemeClr val="dk2"/>
                 </a:solidFill>
@@ -17247,7 +17343,19 @@
                 <a:cs typeface="Calibri"/>
                 <a:sym typeface="Calibri"/>
               </a:rPr>
-              <a:t>Monthly_Inhand_Salary: Represents the monthly base salary of a person.</a:t>
+              <a:t>Monthly_Inhand_Salary: </a:t>
+            </a:r>
+            <a:r>
+              <a:rPr b="0" i="0" lang="en-GB" sz="1100" u="none" cap="none" strike="noStrike">
+                <a:solidFill>
+                  <a:schemeClr val="dk2"/>
+                </a:solidFill>
+                <a:latin typeface="Calibri"/>
+                <a:ea typeface="Calibri"/>
+                <a:cs typeface="Calibri"/>
+                <a:sym typeface="Calibri"/>
+              </a:rPr>
+              <a:t>Represents the monthly base salary of a person.</a:t>
             </a:r>
             <a:endParaRPr b="0" i="0" sz="1100" u="none" cap="none" strike="noStrike">
               <a:solidFill>
@@ -17278,7 +17386,7 @@
               <a:buChar char="●"/>
             </a:pPr>
             <a:r>
-              <a:rPr b="0" i="0" lang="en-GB" sz="1100" u="none" cap="none" strike="noStrike">
+              <a:rPr b="1" i="0" lang="en-GB" sz="1100" u="none" cap="none" strike="noStrike">
                 <a:solidFill>
                   <a:schemeClr val="dk2"/>
                 </a:solidFill>
@@ -17287,7 +17395,19 @@
                 <a:cs typeface="Calibri"/>
                 <a:sym typeface="Calibri"/>
               </a:rPr>
-              <a:t>Num_Bank_Accounts: Represents the number of bank accounts a person holds.</a:t>
+              <a:t>Num_Bank_Accounts: </a:t>
+            </a:r>
+            <a:r>
+              <a:rPr b="0" i="0" lang="en-GB" sz="1100" u="none" cap="none" strike="noStrike">
+                <a:solidFill>
+                  <a:schemeClr val="dk2"/>
+                </a:solidFill>
+                <a:latin typeface="Calibri"/>
+                <a:ea typeface="Calibri"/>
+                <a:cs typeface="Calibri"/>
+                <a:sym typeface="Calibri"/>
+              </a:rPr>
+              <a:t>Represents the number of bank accounts a person holds.</a:t>
             </a:r>
             <a:endParaRPr b="0" i="0" sz="1100" u="none" cap="none" strike="noStrike">
               <a:solidFill>
@@ -17318,7 +17438,7 @@
               <a:buChar char="●"/>
             </a:pPr>
             <a:r>
-              <a:rPr b="0" i="0" lang="en-GB" sz="1100" u="none" cap="none" strike="noStrike">
+              <a:rPr b="1" i="0" lang="en-GB" sz="1100" u="none" cap="none" strike="noStrike">
                 <a:solidFill>
                   <a:schemeClr val="dk2"/>
                 </a:solidFill>
@@ -17327,7 +17447,19 @@
                 <a:cs typeface="Calibri"/>
                 <a:sym typeface="Calibri"/>
               </a:rPr>
-              <a:t>Num_Credit_Card: Represents the number of other credit cards held by a person.</a:t>
+              <a:t>Num_Credit_Card:</a:t>
+            </a:r>
+            <a:r>
+              <a:rPr b="0" i="0" lang="en-GB" sz="1100" u="none" cap="none" strike="noStrike">
+                <a:solidFill>
+                  <a:schemeClr val="dk2"/>
+                </a:solidFill>
+                <a:latin typeface="Calibri"/>
+                <a:ea typeface="Calibri"/>
+                <a:cs typeface="Calibri"/>
+                <a:sym typeface="Calibri"/>
+              </a:rPr>
+              <a:t> Represents the number of other credit cards held by a person.</a:t>
             </a:r>
             <a:endParaRPr b="0" i="0" sz="1100" u="none" cap="none" strike="noStrike">
               <a:solidFill>
@@ -17358,7 +17490,7 @@
               <a:buChar char="●"/>
             </a:pPr>
             <a:r>
-              <a:rPr b="0" i="0" lang="en-GB" sz="1100" u="none" cap="none" strike="noStrike">
+              <a:rPr b="1" i="0" lang="en-GB" sz="1100" u="none" cap="none" strike="noStrike">
                 <a:solidFill>
                   <a:schemeClr val="dk2"/>
                 </a:solidFill>
@@ -17367,7 +17499,19 @@
                 <a:cs typeface="Calibri"/>
                 <a:sym typeface="Calibri"/>
               </a:rPr>
-              <a:t>Interest_Rate: Represents the interest rate on a credit card.</a:t>
+              <a:t>Interest_Rate: </a:t>
+            </a:r>
+            <a:r>
+              <a:rPr b="0" i="0" lang="en-GB" sz="1100" u="none" cap="none" strike="noStrike">
+                <a:solidFill>
+                  <a:schemeClr val="dk2"/>
+                </a:solidFill>
+                <a:latin typeface="Calibri"/>
+                <a:ea typeface="Calibri"/>
+                <a:cs typeface="Calibri"/>
+                <a:sym typeface="Calibri"/>
+              </a:rPr>
+              <a:t>Represents the interest rate on a credit card.</a:t>
             </a:r>
             <a:endParaRPr b="0" i="0" sz="1100" u="none" cap="none" strike="noStrike">
               <a:solidFill>
@@ -17398,7 +17542,7 @@
               <a:buChar char="●"/>
             </a:pPr>
             <a:r>
-              <a:rPr b="0" i="0" lang="en-GB" sz="1100" u="none" cap="none" strike="noStrike">
+              <a:rPr b="1" i="0" lang="en-GB" sz="1100" u="none" cap="none" strike="noStrike">
                 <a:solidFill>
                   <a:schemeClr val="dk2"/>
                 </a:solidFill>
@@ -17407,7 +17551,19 @@
                 <a:cs typeface="Calibri"/>
                 <a:sym typeface="Calibri"/>
               </a:rPr>
-              <a:t>Num_of_Loan: Represents the number of loans taken.</a:t>
+              <a:t>Num_of_Loan: </a:t>
+            </a:r>
+            <a:r>
+              <a:rPr b="0" i="0" lang="en-GB" sz="1100" u="none" cap="none" strike="noStrike">
+                <a:solidFill>
+                  <a:schemeClr val="dk2"/>
+                </a:solidFill>
+                <a:latin typeface="Calibri"/>
+                <a:ea typeface="Calibri"/>
+                <a:cs typeface="Calibri"/>
+                <a:sym typeface="Calibri"/>
+              </a:rPr>
+              <a:t>Represents the number of loans taken.</a:t>
             </a:r>
             <a:endParaRPr b="0" i="0" sz="1100" u="none" cap="none" strike="noStrike">
               <a:solidFill>
@@ -17438,7 +17594,7 @@
               <a:buChar char="●"/>
             </a:pPr>
             <a:r>
-              <a:rPr b="0" i="0" lang="en-GB" sz="1100" u="none" cap="none" strike="noStrike">
+              <a:rPr b="1" i="0" lang="en-GB" sz="1100" u="none" cap="none" strike="noStrike">
                 <a:solidFill>
                   <a:schemeClr val="dk2"/>
                 </a:solidFill>
@@ -17447,7 +17603,19 @@
                 <a:cs typeface="Calibri"/>
                 <a:sym typeface="Calibri"/>
               </a:rPr>
-              <a:t>Type_of_Loan: Represents the types of loans taken by a person.</a:t>
+              <a:t>Type_of_Loan: </a:t>
+            </a:r>
+            <a:r>
+              <a:rPr b="0" i="0" lang="en-GB" sz="1100" u="none" cap="none" strike="noStrike">
+                <a:solidFill>
+                  <a:schemeClr val="dk2"/>
+                </a:solidFill>
+                <a:latin typeface="Calibri"/>
+                <a:ea typeface="Calibri"/>
+                <a:cs typeface="Calibri"/>
+                <a:sym typeface="Calibri"/>
+              </a:rPr>
+              <a:t>Represents the types of loans taken by a person.</a:t>
             </a:r>
             <a:endParaRPr b="0" i="0" sz="1100" u="none" cap="none" strike="noStrike">
               <a:solidFill>
@@ -17478,7 +17646,7 @@
               <a:buChar char="●"/>
             </a:pPr>
             <a:r>
-              <a:rPr b="0" i="0" lang="en-GB" sz="1100" u="none" cap="none" strike="noStrike">
+              <a:rPr b="1" i="0" lang="en-GB" sz="1100" u="none" cap="none" strike="noStrike">
                 <a:solidFill>
                   <a:schemeClr val="dk2"/>
                 </a:solidFill>
@@ -17487,7 +17655,19 @@
                 <a:cs typeface="Calibri"/>
                 <a:sym typeface="Calibri"/>
               </a:rPr>
-              <a:t>Delay_from_due_date: Represents the average number of days delayed from the payment date.</a:t>
+              <a:t>Delay_from_due_date: </a:t>
+            </a:r>
+            <a:r>
+              <a:rPr b="0" i="0" lang="en-GB" sz="1100" u="none" cap="none" strike="noStrike">
+                <a:solidFill>
+                  <a:schemeClr val="dk2"/>
+                </a:solidFill>
+                <a:latin typeface="Calibri"/>
+                <a:ea typeface="Calibri"/>
+                <a:cs typeface="Calibri"/>
+                <a:sym typeface="Calibri"/>
+              </a:rPr>
+              <a:t>Represents the average number of days delayed from the payment date.</a:t>
             </a:r>
             <a:endParaRPr b="0" i="0" sz="1100" u="none" cap="none" strike="noStrike">
               <a:solidFill>
@@ -17518,7 +17698,7 @@
               <a:buChar char="●"/>
             </a:pPr>
             <a:r>
-              <a:rPr b="0" i="0" lang="en-GB" sz="1200" u="none" cap="none" strike="noStrike">
+              <a:rPr b="1" i="0" lang="en-GB" sz="1200" u="none" cap="none" strike="noStrike">
                 <a:solidFill>
                   <a:schemeClr val="dk2"/>
                 </a:solidFill>
@@ -17527,7 +17707,19 @@
                 <a:cs typeface="Calibri"/>
                 <a:sym typeface="Calibri"/>
               </a:rPr>
-              <a:t>Payment_Behaviour: Represents the payment behavior of the customer (in USD).</a:t>
+              <a:t>Payment_Behaviour:</a:t>
+            </a:r>
+            <a:r>
+              <a:rPr b="0" i="0" lang="en-GB" sz="1200" u="none" cap="none" strike="noStrike">
+                <a:solidFill>
+                  <a:schemeClr val="dk2"/>
+                </a:solidFill>
+                <a:latin typeface="Calibri"/>
+                <a:ea typeface="Calibri"/>
+                <a:cs typeface="Calibri"/>
+                <a:sym typeface="Calibri"/>
+              </a:rPr>
+              <a:t> Represents the payment behavior of the customer (in USD).</a:t>
             </a:r>
             <a:endParaRPr b="0" i="0" sz="1200" u="none" cap="none" strike="noStrike">
               <a:solidFill>
@@ -17558,7 +17750,7 @@
               <a:buChar char="●"/>
             </a:pPr>
             <a:r>
-              <a:rPr b="0" i="0" lang="en-GB" sz="1200" u="none" cap="none" strike="noStrike">
+              <a:rPr b="1" i="0" lang="en-GB" sz="1200" u="none" cap="none" strike="noStrike">
                 <a:solidFill>
                   <a:schemeClr val="dk2"/>
                 </a:solidFill>
@@ -17567,7 +17759,19 @@
                 <a:cs typeface="Calibri"/>
                 <a:sym typeface="Calibri"/>
               </a:rPr>
-              <a:t>Monthly_Balance: Represents the monthly balance amount of the customer (in USD).</a:t>
+              <a:t>Monthly_Balance: </a:t>
+            </a:r>
+            <a:r>
+              <a:rPr b="0" i="0" lang="en-GB" sz="1200" u="none" cap="none" strike="noStrike">
+                <a:solidFill>
+                  <a:schemeClr val="dk2"/>
+                </a:solidFill>
+                <a:latin typeface="Calibri"/>
+                <a:ea typeface="Calibri"/>
+                <a:cs typeface="Calibri"/>
+                <a:sym typeface="Calibri"/>
+              </a:rPr>
+              <a:t>Represents the monthly balance amount of the customer (in USD).</a:t>
             </a:r>
             <a:endParaRPr b="0" i="0" sz="1100" u="none" cap="none" strike="noStrike">
               <a:solidFill>
@@ -17590,7 +17794,7 @@
         <p:spPr>
           <a:xfrm>
             <a:off x="4331400" y="664200"/>
-            <a:ext cx="4737300" cy="3063000"/>
+            <a:ext cx="4737300" cy="3232500"/>
           </a:xfrm>
           <a:prstGeom prst="rect">
             <a:avLst/>
@@ -17624,7 +17828,7 @@
               <a:buChar char="●"/>
             </a:pPr>
             <a:r>
-              <a:rPr b="0" i="0" lang="en-GB" sz="1100" u="none" cap="none" strike="noStrike">
+              <a:rPr b="1" i="0" lang="en-GB" sz="1100" u="none" cap="none" strike="noStrike">
                 <a:solidFill>
                   <a:schemeClr val="dk2"/>
                 </a:solidFill>
@@ -17633,7 +17837,19 @@
                 <a:cs typeface="Calibri"/>
                 <a:sym typeface="Calibri"/>
               </a:rPr>
-              <a:t>Num_of_Delayed_Payment: Represents the average number of payments delayed by a person.</a:t>
+              <a:t>Num_of_Delayed_Payment:</a:t>
+            </a:r>
+            <a:r>
+              <a:rPr b="0" i="0" lang="en-GB" sz="1100" u="none" cap="none" strike="noStrike">
+                <a:solidFill>
+                  <a:schemeClr val="dk2"/>
+                </a:solidFill>
+                <a:latin typeface="Calibri"/>
+                <a:ea typeface="Calibri"/>
+                <a:cs typeface="Calibri"/>
+                <a:sym typeface="Calibri"/>
+              </a:rPr>
+              <a:t> Represents the average number of payments delayed by a person.</a:t>
             </a:r>
             <a:endParaRPr b="0" i="0" sz="1100" u="none" cap="none" strike="noStrike">
               <a:solidFill>
@@ -17664,7 +17880,7 @@
               <a:buChar char="●"/>
             </a:pPr>
             <a:r>
-              <a:rPr b="0" i="0" lang="en-GB" sz="1100" u="none" cap="none" strike="noStrike">
+              <a:rPr b="1" i="0" lang="en-GB" sz="1100" u="none" cap="none" strike="noStrike">
                 <a:solidFill>
                   <a:schemeClr val="dk2"/>
                 </a:solidFill>
@@ -17673,7 +17889,19 @@
                 <a:cs typeface="Calibri"/>
                 <a:sym typeface="Calibri"/>
               </a:rPr>
-              <a:t>Changed_Credit_Limit: Represents the percentage change in credit card limit.</a:t>
+              <a:t>Changed_Credit_Limit:</a:t>
+            </a:r>
+            <a:r>
+              <a:rPr b="0" i="0" lang="en-GB" sz="1100" u="none" cap="none" strike="noStrike">
+                <a:solidFill>
+                  <a:schemeClr val="dk2"/>
+                </a:solidFill>
+                <a:latin typeface="Calibri"/>
+                <a:ea typeface="Calibri"/>
+                <a:cs typeface="Calibri"/>
+                <a:sym typeface="Calibri"/>
+              </a:rPr>
+              <a:t> Represents the percentage change in credit card limit.</a:t>
             </a:r>
             <a:endParaRPr b="0" i="0" sz="1100" u="none" cap="none" strike="noStrike">
               <a:solidFill>
@@ -17704,7 +17932,7 @@
               <a:buChar char="●"/>
             </a:pPr>
             <a:r>
-              <a:rPr b="0" i="0" lang="en-GB" sz="1100" u="none" cap="none" strike="noStrike">
+              <a:rPr b="1" i="0" lang="en-GB" sz="1100" u="none" cap="none" strike="noStrike">
                 <a:solidFill>
                   <a:schemeClr val="dk2"/>
                 </a:solidFill>
@@ -17713,7 +17941,19 @@
                 <a:cs typeface="Calibri"/>
                 <a:sym typeface="Calibri"/>
               </a:rPr>
-              <a:t>Num_Credit_Inquiries: Represents the number of credit card inquiries.</a:t>
+              <a:t>Num_Credit_Inquiries:</a:t>
+            </a:r>
+            <a:r>
+              <a:rPr b="0" i="0" lang="en-GB" sz="1100" u="none" cap="none" strike="noStrike">
+                <a:solidFill>
+                  <a:schemeClr val="dk2"/>
+                </a:solidFill>
+                <a:latin typeface="Calibri"/>
+                <a:ea typeface="Calibri"/>
+                <a:cs typeface="Calibri"/>
+                <a:sym typeface="Calibri"/>
+              </a:rPr>
+              <a:t> Represents the number of credit card inquiries.</a:t>
             </a:r>
             <a:endParaRPr b="0" i="0" sz="1100" u="none" cap="none" strike="noStrike">
               <a:solidFill>
@@ -17744,7 +17984,7 @@
               <a:buChar char="●"/>
             </a:pPr>
             <a:r>
-              <a:rPr b="0" i="0" lang="en-GB" sz="1100" u="none" cap="none" strike="noStrike">
+              <a:rPr b="1" i="0" lang="en-GB" sz="1100" u="none" cap="none" strike="noStrike">
                 <a:solidFill>
                   <a:schemeClr val="dk2"/>
                 </a:solidFill>
@@ -17753,7 +17993,19 @@
                 <a:cs typeface="Calibri"/>
                 <a:sym typeface="Calibri"/>
               </a:rPr>
-              <a:t>Credit_Mix: Represents the classification of the mix of credits.</a:t>
+              <a:t>Credit_Mix:</a:t>
+            </a:r>
+            <a:r>
+              <a:rPr b="0" i="0" lang="en-GB" sz="1100" u="none" cap="none" strike="noStrike">
+                <a:solidFill>
+                  <a:schemeClr val="dk2"/>
+                </a:solidFill>
+                <a:latin typeface="Calibri"/>
+                <a:ea typeface="Calibri"/>
+                <a:cs typeface="Calibri"/>
+                <a:sym typeface="Calibri"/>
+              </a:rPr>
+              <a:t> Represents the classification of the mix of credits.</a:t>
             </a:r>
             <a:endParaRPr b="0" i="0" sz="1100" u="none" cap="none" strike="noStrike">
               <a:solidFill>
@@ -17784,7 +18036,7 @@
               <a:buChar char="●"/>
             </a:pPr>
             <a:r>
-              <a:rPr b="0" i="0" lang="en-GB" sz="1100" u="none" cap="none" strike="noStrike">
+              <a:rPr b="1" i="0" lang="en-GB" sz="1100" u="none" cap="none" strike="noStrike">
                 <a:solidFill>
                   <a:schemeClr val="dk2"/>
                 </a:solidFill>
@@ -17793,7 +18045,19 @@
                 <a:cs typeface="Calibri"/>
                 <a:sym typeface="Calibri"/>
               </a:rPr>
-              <a:t>Outstanding_Debt: Represents the remaining debt to be paid (in USD).</a:t>
+              <a:t>Outstanding_Debt:</a:t>
+            </a:r>
+            <a:r>
+              <a:rPr b="0" i="0" lang="en-GB" sz="1100" u="none" cap="none" strike="noStrike">
+                <a:solidFill>
+                  <a:schemeClr val="dk2"/>
+                </a:solidFill>
+                <a:latin typeface="Calibri"/>
+                <a:ea typeface="Calibri"/>
+                <a:cs typeface="Calibri"/>
+                <a:sym typeface="Calibri"/>
+              </a:rPr>
+              <a:t> Represents the remaining debt to be paid (in USD).</a:t>
             </a:r>
             <a:endParaRPr b="0" i="0" sz="1100" u="none" cap="none" strike="noStrike">
               <a:solidFill>
@@ -17824,7 +18088,7 @@
               <a:buChar char="●"/>
             </a:pPr>
             <a:r>
-              <a:rPr b="0" i="0" lang="en-GB" sz="1100" u="none" cap="none" strike="noStrike">
+              <a:rPr b="1" i="0" lang="en-GB" sz="1100" u="none" cap="none" strike="noStrike">
                 <a:solidFill>
                   <a:schemeClr val="dk2"/>
                 </a:solidFill>
@@ -17833,7 +18097,19 @@
                 <a:cs typeface="Calibri"/>
                 <a:sym typeface="Calibri"/>
               </a:rPr>
-              <a:t>Credit_Utilization_Ratio: Represents the utilization ratio of a credit card.</a:t>
+              <a:t>Credit_Utilization_Ratio:</a:t>
+            </a:r>
+            <a:r>
+              <a:rPr b="0" i="0" lang="en-GB" sz="1100" u="none" cap="none" strike="noStrike">
+                <a:solidFill>
+                  <a:schemeClr val="dk2"/>
+                </a:solidFill>
+                <a:latin typeface="Calibri"/>
+                <a:ea typeface="Calibri"/>
+                <a:cs typeface="Calibri"/>
+                <a:sym typeface="Calibri"/>
+              </a:rPr>
+              <a:t> Represents the utilization ratio of a credit card.</a:t>
             </a:r>
             <a:endParaRPr b="0" i="0" sz="1100" u="none" cap="none" strike="noStrike">
               <a:solidFill>
@@ -17864,7 +18140,7 @@
               <a:buChar char="●"/>
             </a:pPr>
             <a:r>
-              <a:rPr b="0" i="0" lang="en-GB" sz="1100" u="none" cap="none" strike="noStrike">
+              <a:rPr b="1" i="0" lang="en-GB" sz="1100" u="none" cap="none" strike="noStrike">
                 <a:solidFill>
                   <a:schemeClr val="dk2"/>
                 </a:solidFill>
@@ -17873,7 +18149,19 @@
                 <a:cs typeface="Calibri"/>
                 <a:sym typeface="Calibri"/>
               </a:rPr>
-              <a:t>Credit_History_Age: Represents the age of the credit history of the person.</a:t>
+              <a:t>Credit_History_Age:</a:t>
+            </a:r>
+            <a:r>
+              <a:rPr b="0" i="0" lang="en-GB" sz="1100" u="none" cap="none" strike="noStrike">
+                <a:solidFill>
+                  <a:schemeClr val="dk2"/>
+                </a:solidFill>
+                <a:latin typeface="Calibri"/>
+                <a:ea typeface="Calibri"/>
+                <a:cs typeface="Calibri"/>
+                <a:sym typeface="Calibri"/>
+              </a:rPr>
+              <a:t> Represents the age of the credit history of the person.</a:t>
             </a:r>
             <a:endParaRPr b="0" i="0" sz="1100" u="none" cap="none" strike="noStrike">
               <a:solidFill>
@@ -17904,7 +18192,7 @@
               <a:buChar char="●"/>
             </a:pPr>
             <a:r>
-              <a:rPr b="0" i="0" lang="en-GB" sz="1100" u="none" cap="none" strike="noStrike">
+              <a:rPr b="1" i="0" lang="en-GB" sz="1100" u="none" cap="none" strike="noStrike">
                 <a:solidFill>
                   <a:schemeClr val="dk2"/>
                 </a:solidFill>
@@ -17913,7 +18201,19 @@
                 <a:cs typeface="Calibri"/>
                 <a:sym typeface="Calibri"/>
               </a:rPr>
-              <a:t>Payment_of_Min_Amount: Represents whether only the minimum amount was paid by the person.</a:t>
+              <a:t>Payment_of_Min_Amount:</a:t>
+            </a:r>
+            <a:r>
+              <a:rPr b="0" i="0" lang="en-GB" sz="1100" u="none" cap="none" strike="noStrike">
+                <a:solidFill>
+                  <a:schemeClr val="dk2"/>
+                </a:solidFill>
+                <a:latin typeface="Calibri"/>
+                <a:ea typeface="Calibri"/>
+                <a:cs typeface="Calibri"/>
+                <a:sym typeface="Calibri"/>
+              </a:rPr>
+              <a:t> Represents whether only the minimum amount was paid by the person.</a:t>
             </a:r>
             <a:endParaRPr b="0" i="0" sz="1100" u="none" cap="none" strike="noStrike">
               <a:solidFill>
@@ -17944,7 +18244,7 @@
               <a:buChar char="●"/>
             </a:pPr>
             <a:r>
-              <a:rPr b="0" i="0" lang="en-GB" sz="1100" u="none" cap="none" strike="noStrike">
+              <a:rPr b="1" i="0" lang="en-GB" sz="1100" u="none" cap="none" strike="noStrike">
                 <a:solidFill>
                   <a:schemeClr val="dk2"/>
                 </a:solidFill>
@@ -17953,7 +18253,19 @@
                 <a:cs typeface="Calibri"/>
                 <a:sym typeface="Calibri"/>
               </a:rPr>
-              <a:t>Total_EMI_per_month: Monthly EMI payments (in USD).</a:t>
+              <a:t>Total_EMI_per_month:</a:t>
+            </a:r>
+            <a:r>
+              <a:rPr b="0" i="0" lang="en-GB" sz="1100" u="none" cap="none" strike="noStrike">
+                <a:solidFill>
+                  <a:schemeClr val="dk2"/>
+                </a:solidFill>
+                <a:latin typeface="Calibri"/>
+                <a:ea typeface="Calibri"/>
+                <a:cs typeface="Calibri"/>
+                <a:sym typeface="Calibri"/>
+              </a:rPr>
+              <a:t> Monthly EMI payments (in USD).</a:t>
             </a:r>
             <a:endParaRPr b="0" i="0" sz="1100" u="none" cap="none" strike="noStrike">
               <a:solidFill>
@@ -17984,7 +18296,7 @@
               <a:buChar char="●"/>
             </a:pPr>
             <a:r>
-              <a:rPr b="0" i="0" lang="en-GB" sz="1100" u="none" cap="none" strike="noStrike">
+              <a:rPr b="1" i="0" lang="en-GB" sz="1100" u="none" cap="none" strike="noStrike">
                 <a:solidFill>
                   <a:schemeClr val="dk2"/>
                 </a:solidFill>
@@ -17993,7 +18305,19 @@
                 <a:cs typeface="Calibri"/>
                 <a:sym typeface="Calibri"/>
               </a:rPr>
-              <a:t>Amount_invested_monthly: Represents the monthly amount invested by the customer (in USD).</a:t>
+              <a:t>Amount_invested_monthly: </a:t>
+            </a:r>
+            <a:r>
+              <a:rPr b="0" i="0" lang="en-GB" sz="1100" u="none" cap="none" strike="noStrike">
+                <a:solidFill>
+                  <a:schemeClr val="dk2"/>
+                </a:solidFill>
+                <a:latin typeface="Calibri"/>
+                <a:ea typeface="Calibri"/>
+                <a:cs typeface="Calibri"/>
+                <a:sym typeface="Calibri"/>
+              </a:rPr>
+              <a:t>Represents the monthly amount invested by the customer (in USD).</a:t>
             </a:r>
             <a:endParaRPr b="0" i="0" sz="1100" u="none" cap="none" strike="noStrike">
               <a:solidFill>
@@ -18850,7 +19174,7 @@
         </p:blipFill>
         <p:spPr>
           <a:xfrm>
-            <a:off x="4731925" y="804575"/>
+            <a:off x="4731925" y="728375"/>
             <a:ext cx="4343543" cy="4034124"/>
           </a:xfrm>
           <a:prstGeom prst="rect">
@@ -19277,6 +19601,285 @@
 </file>
 
 <file path=ppt/theme/theme1.xml><?xml version="1.0" encoding="utf-8"?>
+<a:theme xmlns:a="http://schemas.openxmlformats.org/drawingml/2006/main" xmlns:r="http://schemas.openxmlformats.org/officeDocument/2006/relationships" name="Tropic">
+  <a:themeElements>
+    <a:clrScheme name="Tropic">
+      <a:dk1>
+        <a:srgbClr val="A1E8D9"/>
+      </a:dk1>
+      <a:lt1>
+        <a:srgbClr val="FFFFFF"/>
+      </a:lt1>
+      <a:dk2>
+        <a:srgbClr val="695D46"/>
+      </a:dk2>
+      <a:lt2>
+        <a:srgbClr val="B3A77D"/>
+      </a:lt2>
+      <a:accent1>
+        <a:srgbClr val="EF6C00"/>
+      </a:accent1>
+      <a:accent2>
+        <a:srgbClr val="CE93D8"/>
+      </a:accent2>
+      <a:accent3>
+        <a:srgbClr val="4DB6AC"/>
+      </a:accent3>
+      <a:accent4>
+        <a:srgbClr val="FF9800"/>
+      </a:accent4>
+      <a:accent5>
+        <a:srgbClr val="009668"/>
+      </a:accent5>
+      <a:accent6>
+        <a:srgbClr val="EEFF41"/>
+      </a:accent6>
+      <a:hlink>
+        <a:srgbClr val="009668"/>
+      </a:hlink>
+      <a:folHlink>
+        <a:srgbClr val="009668"/>
+      </a:folHlink>
+    </a:clrScheme>
+    <a:fontScheme name="Office">
+      <a:majorFont>
+        <a:latin typeface="Arial"/>
+        <a:ea typeface=""/>
+        <a:cs typeface=""/>
+        <a:font script="Jpan" typeface="ＭＳ Ｐゴシック"/>
+        <a:font script="Hang" typeface="맑은 고딕"/>
+        <a:font script="Hans" typeface="宋体"/>
+        <a:font script="Hant" typeface="新細明體"/>
+        <a:font script="Arab" typeface="Times New Roman"/>
+        <a:font script="Hebr" typeface="Times New Roman"/>
+        <a:font script="Thai" typeface="Angsana New"/>
+        <a:font script="Ethi" typeface="Nyala"/>
+        <a:font script="Beng" typeface="Vrinda"/>
+        <a:font script="Gujr" typeface="Shruti"/>
+        <a:font script="Khmr" typeface="MoolBoran"/>
+        <a:font script="Knda" typeface="Tunga"/>
+        <a:font script="Guru" typeface="Raavi"/>
+        <a:font script="Cans" typeface="Euphemia"/>
+        <a:font script="Cher" typeface="Plantagenet Cherokee"/>
+        <a:font script="Yiii" typeface="Microsoft Yi Baiti"/>
+        <a:font script="Tibt" typeface="Microsoft Himalaya"/>
+        <a:font script="Thaa" typeface="MV Boli"/>
+        <a:font script="Deva" typeface="Mangal"/>
+        <a:font script="Telu" typeface="Gautami"/>
+        <a:font script="Taml" typeface="Latha"/>
+        <a:font script="Syrc" typeface="Estrangelo Edessa"/>
+        <a:font script="Orya" typeface="Kalinga"/>
+        <a:font script="Mlym" typeface="Kartika"/>
+        <a:font script="Laoo" typeface="DokChampa"/>
+        <a:font script="Sinh" typeface="Iskoola Pota"/>
+        <a:font script="Mong" typeface="Mongolian Baiti"/>
+        <a:font script="Viet" typeface="Times New Roman"/>
+        <a:font script="Uigh" typeface="Microsoft Uighur"/>
+        <a:font script="Geor" typeface="Sylfaen"/>
+      </a:majorFont>
+      <a:minorFont>
+        <a:latin typeface="Arial"/>
+        <a:ea typeface=""/>
+        <a:cs typeface=""/>
+        <a:font script="Jpan" typeface="ＭＳ Ｐゴシック"/>
+        <a:font script="Hang" typeface="맑은 고딕"/>
+        <a:font script="Hans" typeface="宋体"/>
+        <a:font script="Hant" typeface="新細明體"/>
+        <a:font script="Arab" typeface="Arial"/>
+        <a:font script="Hebr" typeface="Arial"/>
+        <a:font script="Thai" typeface="Cordia New"/>
+        <a:font script="Ethi" typeface="Nyala"/>
+        <a:font script="Beng" typeface="Vrinda"/>
+        <a:font script="Gujr" typeface="Shruti"/>
+        <a:font script="Khmr" typeface="DaunPenh"/>
+        <a:font script="Knda" typeface="Tunga"/>
+        <a:font script="Guru" typeface="Raavi"/>
+        <a:font script="Cans" typeface="Euphemia"/>
+        <a:font script="Cher" typeface="Plantagenet Cherokee"/>
+        <a:font script="Yiii" typeface="Microsoft Yi Baiti"/>
+        <a:font script="Tibt" typeface="Microsoft Himalaya"/>
+        <a:font script="Thaa" typeface="MV Boli"/>
+        <a:font script="Deva" typeface="Mangal"/>
+        <a:font script="Telu" typeface="Gautami"/>
+        <a:font script="Taml" typeface="Latha"/>
+        <a:font script="Syrc" typeface="Estrangelo Edessa"/>
+        <a:font script="Orya" typeface="Kalinga"/>
+        <a:font script="Mlym" typeface="Kartika"/>
+        <a:font script="Laoo" typeface="DokChampa"/>
+        <a:font script="Sinh" typeface="Iskoola Pota"/>
+        <a:font script="Mong" typeface="Mongolian Baiti"/>
+        <a:font script="Viet" typeface="Arial"/>
+        <a:font script="Uigh" typeface="Microsoft Uighur"/>
+        <a:font script="Geor" typeface="Sylfaen"/>
+      </a:minorFont>
+    </a:fontScheme>
+    <a:fmtScheme name="Office">
+      <a:fillStyleLst>
+        <a:solidFill>
+          <a:schemeClr val="phClr"/>
+        </a:solidFill>
+        <a:gradFill rotWithShape="1">
+          <a:gsLst>
+            <a:gs pos="0">
+              <a:schemeClr val="phClr">
+                <a:tint val="50000"/>
+                <a:satMod val="300000"/>
+              </a:schemeClr>
+            </a:gs>
+            <a:gs pos="35000">
+              <a:schemeClr val="phClr">
+                <a:tint val="37000"/>
+                <a:satMod val="300000"/>
+              </a:schemeClr>
+            </a:gs>
+            <a:gs pos="100000">
+              <a:schemeClr val="phClr">
+                <a:tint val="15000"/>
+                <a:satMod val="350000"/>
+              </a:schemeClr>
+            </a:gs>
+          </a:gsLst>
+          <a:lin ang="16200000" scaled="1"/>
+        </a:gradFill>
+        <a:gradFill rotWithShape="1">
+          <a:gsLst>
+            <a:gs pos="0">
+              <a:schemeClr val="phClr">
+                <a:tint val="100000"/>
+                <a:shade val="100000"/>
+                <a:satMod val="130000"/>
+              </a:schemeClr>
+            </a:gs>
+            <a:gs pos="100000">
+              <a:schemeClr val="phClr">
+                <a:tint val="50000"/>
+                <a:shade val="100000"/>
+                <a:satMod val="350000"/>
+              </a:schemeClr>
+            </a:gs>
+          </a:gsLst>
+          <a:lin ang="16200000" scaled="0"/>
+        </a:gradFill>
+      </a:fillStyleLst>
+      <a:lnStyleLst>
+        <a:ln w="9525" cap="flat" cmpd="sng" algn="ctr">
+          <a:solidFill>
+            <a:schemeClr val="phClr">
+              <a:shade val="95000"/>
+              <a:satMod val="105000"/>
+            </a:schemeClr>
+          </a:solidFill>
+          <a:prstDash val="solid"/>
+        </a:ln>
+        <a:ln w="25400" cap="flat" cmpd="sng" algn="ctr">
+          <a:solidFill>
+            <a:schemeClr val="phClr"/>
+          </a:solidFill>
+          <a:prstDash val="solid"/>
+        </a:ln>
+        <a:ln w="38100" cap="flat" cmpd="sng" algn="ctr">
+          <a:solidFill>
+            <a:schemeClr val="phClr"/>
+          </a:solidFill>
+          <a:prstDash val="solid"/>
+        </a:ln>
+      </a:lnStyleLst>
+      <a:effectStyleLst>
+        <a:effectStyle>
+          <a:effectLst>
+            <a:outerShdw blurRad="40000" dist="20000" dir="5400000" rotWithShape="0">
+              <a:srgbClr val="000000">
+                <a:alpha val="38000"/>
+              </a:srgbClr>
+            </a:outerShdw>
+          </a:effectLst>
+        </a:effectStyle>
+        <a:effectStyle>
+          <a:effectLst>
+            <a:outerShdw blurRad="40000" dist="23000" dir="5400000" rotWithShape="0">
+              <a:srgbClr val="000000">
+                <a:alpha val="35000"/>
+              </a:srgbClr>
+            </a:outerShdw>
+          </a:effectLst>
+        </a:effectStyle>
+        <a:effectStyle>
+          <a:effectLst>
+            <a:outerShdw blurRad="40000" dist="23000" dir="5400000" rotWithShape="0">
+              <a:srgbClr val="000000">
+                <a:alpha val="35000"/>
+              </a:srgbClr>
+            </a:outerShdw>
+          </a:effectLst>
+          <a:scene3d>
+            <a:camera prst="orthographicFront">
+              <a:rot lat="0" lon="0" rev="0"/>
+            </a:camera>
+            <a:lightRig rig="threePt" dir="t">
+              <a:rot lat="0" lon="0" rev="1200000"/>
+            </a:lightRig>
+          </a:scene3d>
+          <a:sp3d>
+            <a:bevelT w="63500" h="25400"/>
+          </a:sp3d>
+        </a:effectStyle>
+      </a:effectStyleLst>
+      <a:bgFillStyleLst>
+        <a:solidFill>
+          <a:schemeClr val="phClr"/>
+        </a:solidFill>
+        <a:gradFill rotWithShape="1">
+          <a:gsLst>
+            <a:gs pos="0">
+              <a:schemeClr val="phClr">
+                <a:tint val="40000"/>
+                <a:satMod val="350000"/>
+              </a:schemeClr>
+            </a:gs>
+            <a:gs pos="40000">
+              <a:schemeClr val="phClr">
+                <a:tint val="45000"/>
+                <a:shade val="99000"/>
+                <a:satMod val="350000"/>
+              </a:schemeClr>
+            </a:gs>
+            <a:gs pos="100000">
+              <a:schemeClr val="phClr">
+                <a:shade val="20000"/>
+                <a:satMod val="255000"/>
+              </a:schemeClr>
+            </a:gs>
+          </a:gsLst>
+          <a:path path="circle">
+            <a:fillToRect l="50000" t="-80000" r="50000" b="180000"/>
+          </a:path>
+        </a:gradFill>
+        <a:gradFill rotWithShape="1">
+          <a:gsLst>
+            <a:gs pos="0">
+              <a:schemeClr val="phClr">
+                <a:tint val="80000"/>
+                <a:satMod val="300000"/>
+              </a:schemeClr>
+            </a:gs>
+            <a:gs pos="100000">
+              <a:schemeClr val="phClr">
+                <a:shade val="30000"/>
+                <a:satMod val="200000"/>
+              </a:schemeClr>
+            </a:gs>
+          </a:gsLst>
+          <a:path path="circle">
+            <a:fillToRect l="50000" t="50000" r="50000" b="50000"/>
+          </a:path>
+        </a:gradFill>
+      </a:bgFillStyleLst>
+    </a:fmtScheme>
+  </a:themeElements>
+</a:theme>
+</file>
+
+<file path=ppt/theme/theme2.xml><?xml version="1.0" encoding="utf-8"?>
 <a:theme xmlns:a="http://schemas.openxmlformats.org/drawingml/2006/main" xmlns:r="http://schemas.openxmlformats.org/officeDocument/2006/relationships">
   <a:themeElements>
     <a:clrScheme name="Default">
@@ -19553,283 +20156,4 @@
     </a:fmtScheme>
   </a:themeElements>
 </a:theme>
-</file>
-
-<file path=ppt/theme/theme2.xml><?xml version="1.0" encoding="utf-8"?>
-<a:theme xmlns:a="http://schemas.openxmlformats.org/drawingml/2006/main" xmlns:r="http://schemas.openxmlformats.org/officeDocument/2006/relationships" name="Tropic">
-  <a:themeElements>
-    <a:clrScheme name="Tropic">
-      <a:dk1>
-        <a:srgbClr val="A1E8D9"/>
-      </a:dk1>
-      <a:lt1>
-        <a:srgbClr val="FFFFFF"/>
-      </a:lt1>
-      <a:dk2>
-        <a:srgbClr val="695D46"/>
-      </a:dk2>
-      <a:lt2>
-        <a:srgbClr val="B3A77D"/>
-      </a:lt2>
-      <a:accent1>
-        <a:srgbClr val="EF6C00"/>
-      </a:accent1>
-      <a:accent2>
-        <a:srgbClr val="CE93D8"/>
-      </a:accent2>
-      <a:accent3>
-        <a:srgbClr val="4DB6AC"/>
-      </a:accent3>
-      <a:accent4>
-        <a:srgbClr val="FF9800"/>
-      </a:accent4>
-      <a:accent5>
-        <a:srgbClr val="009668"/>
-      </a:accent5>
-      <a:accent6>
-        <a:srgbClr val="EEFF41"/>
-      </a:accent6>
-      <a:hlink>
-        <a:srgbClr val="009668"/>
-      </a:hlink>
-      <a:folHlink>
-        <a:srgbClr val="009668"/>
-      </a:folHlink>
-    </a:clrScheme>
-    <a:fontScheme name="Office">
-      <a:majorFont>
-        <a:latin typeface="Arial"/>
-        <a:ea typeface=""/>
-        <a:cs typeface=""/>
-        <a:font script="Jpan" typeface="ＭＳ Ｐゴシック"/>
-        <a:font script="Hang" typeface="맑은 고딕"/>
-        <a:font script="Hans" typeface="宋体"/>
-        <a:font script="Hant" typeface="新細明體"/>
-        <a:font script="Arab" typeface="Times New Roman"/>
-        <a:font script="Hebr" typeface="Times New Roman"/>
-        <a:font script="Thai" typeface="Angsana New"/>
-        <a:font script="Ethi" typeface="Nyala"/>
-        <a:font script="Beng" typeface="Vrinda"/>
-        <a:font script="Gujr" typeface="Shruti"/>
-        <a:font script="Khmr" typeface="MoolBoran"/>
-        <a:font script="Knda" typeface="Tunga"/>
-        <a:font script="Guru" typeface="Raavi"/>
-        <a:font script="Cans" typeface="Euphemia"/>
-        <a:font script="Cher" typeface="Plantagenet Cherokee"/>
-        <a:font script="Yiii" typeface="Microsoft Yi Baiti"/>
-        <a:font script="Tibt" typeface="Microsoft Himalaya"/>
-        <a:font script="Thaa" typeface="MV Boli"/>
-        <a:font script="Deva" typeface="Mangal"/>
-        <a:font script="Telu" typeface="Gautami"/>
-        <a:font script="Taml" typeface="Latha"/>
-        <a:font script="Syrc" typeface="Estrangelo Edessa"/>
-        <a:font script="Orya" typeface="Kalinga"/>
-        <a:font script="Mlym" typeface="Kartika"/>
-        <a:font script="Laoo" typeface="DokChampa"/>
-        <a:font script="Sinh" typeface="Iskoola Pota"/>
-        <a:font script="Mong" typeface="Mongolian Baiti"/>
-        <a:font script="Viet" typeface="Times New Roman"/>
-        <a:font script="Uigh" typeface="Microsoft Uighur"/>
-        <a:font script="Geor" typeface="Sylfaen"/>
-      </a:majorFont>
-      <a:minorFont>
-        <a:latin typeface="Arial"/>
-        <a:ea typeface=""/>
-        <a:cs typeface=""/>
-        <a:font script="Jpan" typeface="ＭＳ Ｐゴシック"/>
-        <a:font script="Hang" typeface="맑은 고딕"/>
-        <a:font script="Hans" typeface="宋体"/>
-        <a:font script="Hant" typeface="新細明體"/>
-        <a:font script="Arab" typeface="Arial"/>
-        <a:font script="Hebr" typeface="Arial"/>
-        <a:font script="Thai" typeface="Cordia New"/>
-        <a:font script="Ethi" typeface="Nyala"/>
-        <a:font script="Beng" typeface="Vrinda"/>
-        <a:font script="Gujr" typeface="Shruti"/>
-        <a:font script="Khmr" typeface="DaunPenh"/>
-        <a:font script="Knda" typeface="Tunga"/>
-        <a:font script="Guru" typeface="Raavi"/>
-        <a:font script="Cans" typeface="Euphemia"/>
-        <a:font script="Cher" typeface="Plantagenet Cherokee"/>
-        <a:font script="Yiii" typeface="Microsoft Yi Baiti"/>
-        <a:font script="Tibt" typeface="Microsoft Himalaya"/>
-        <a:font script="Thaa" typeface="MV Boli"/>
-        <a:font script="Deva" typeface="Mangal"/>
-        <a:font script="Telu" typeface="Gautami"/>
-        <a:font script="Taml" typeface="Latha"/>
-        <a:font script="Syrc" typeface="Estrangelo Edessa"/>
-        <a:font script="Orya" typeface="Kalinga"/>
-        <a:font script="Mlym" typeface="Kartika"/>
-        <a:font script="Laoo" typeface="DokChampa"/>
-        <a:font script="Sinh" typeface="Iskoola Pota"/>
-        <a:font script="Mong" typeface="Mongolian Baiti"/>
-        <a:font script="Viet" typeface="Arial"/>
-        <a:font script="Uigh" typeface="Microsoft Uighur"/>
-        <a:font script="Geor" typeface="Sylfaen"/>
-      </a:minorFont>
-    </a:fontScheme>
-    <a:fmtScheme name="Office">
-      <a:fillStyleLst>
-        <a:solidFill>
-          <a:schemeClr val="phClr"/>
-        </a:solidFill>
-        <a:gradFill rotWithShape="1">
-          <a:gsLst>
-            <a:gs pos="0">
-              <a:schemeClr val="phClr">
-                <a:tint val="50000"/>
-                <a:satMod val="300000"/>
-              </a:schemeClr>
-            </a:gs>
-            <a:gs pos="35000">
-              <a:schemeClr val="phClr">
-                <a:tint val="37000"/>
-                <a:satMod val="300000"/>
-              </a:schemeClr>
-            </a:gs>
-            <a:gs pos="100000">
-              <a:schemeClr val="phClr">
-                <a:tint val="15000"/>
-                <a:satMod val="350000"/>
-              </a:schemeClr>
-            </a:gs>
-          </a:gsLst>
-          <a:lin ang="16200000" scaled="1"/>
-        </a:gradFill>
-        <a:gradFill rotWithShape="1">
-          <a:gsLst>
-            <a:gs pos="0">
-              <a:schemeClr val="phClr">
-                <a:tint val="100000"/>
-                <a:shade val="100000"/>
-                <a:satMod val="130000"/>
-              </a:schemeClr>
-            </a:gs>
-            <a:gs pos="100000">
-              <a:schemeClr val="phClr">
-                <a:tint val="50000"/>
-                <a:shade val="100000"/>
-                <a:satMod val="350000"/>
-              </a:schemeClr>
-            </a:gs>
-          </a:gsLst>
-          <a:lin ang="16200000" scaled="0"/>
-        </a:gradFill>
-      </a:fillStyleLst>
-      <a:lnStyleLst>
-        <a:ln w="9525" cap="flat" cmpd="sng" algn="ctr">
-          <a:solidFill>
-            <a:schemeClr val="phClr">
-              <a:shade val="95000"/>
-              <a:satMod val="105000"/>
-            </a:schemeClr>
-          </a:solidFill>
-          <a:prstDash val="solid"/>
-        </a:ln>
-        <a:ln w="25400" cap="flat" cmpd="sng" algn="ctr">
-          <a:solidFill>
-            <a:schemeClr val="phClr"/>
-          </a:solidFill>
-          <a:prstDash val="solid"/>
-        </a:ln>
-        <a:ln w="38100" cap="flat" cmpd="sng" algn="ctr">
-          <a:solidFill>
-            <a:schemeClr val="phClr"/>
-          </a:solidFill>
-          <a:prstDash val="solid"/>
-        </a:ln>
-      </a:lnStyleLst>
-      <a:effectStyleLst>
-        <a:effectStyle>
-          <a:effectLst>
-            <a:outerShdw blurRad="40000" dist="20000" dir="5400000" rotWithShape="0">
-              <a:srgbClr val="000000">
-                <a:alpha val="38000"/>
-              </a:srgbClr>
-            </a:outerShdw>
-          </a:effectLst>
-        </a:effectStyle>
-        <a:effectStyle>
-          <a:effectLst>
-            <a:outerShdw blurRad="40000" dist="23000" dir="5400000" rotWithShape="0">
-              <a:srgbClr val="000000">
-                <a:alpha val="35000"/>
-              </a:srgbClr>
-            </a:outerShdw>
-          </a:effectLst>
-        </a:effectStyle>
-        <a:effectStyle>
-          <a:effectLst>
-            <a:outerShdw blurRad="40000" dist="23000" dir="5400000" rotWithShape="0">
-              <a:srgbClr val="000000">
-                <a:alpha val="35000"/>
-              </a:srgbClr>
-            </a:outerShdw>
-          </a:effectLst>
-          <a:scene3d>
-            <a:camera prst="orthographicFront">
-              <a:rot lat="0" lon="0" rev="0"/>
-            </a:camera>
-            <a:lightRig rig="threePt" dir="t">
-              <a:rot lat="0" lon="0" rev="1200000"/>
-            </a:lightRig>
-          </a:scene3d>
-          <a:sp3d>
-            <a:bevelT w="63500" h="25400"/>
-          </a:sp3d>
-        </a:effectStyle>
-      </a:effectStyleLst>
-      <a:bgFillStyleLst>
-        <a:solidFill>
-          <a:schemeClr val="phClr"/>
-        </a:solidFill>
-        <a:gradFill rotWithShape="1">
-          <a:gsLst>
-            <a:gs pos="0">
-              <a:schemeClr val="phClr">
-                <a:tint val="40000"/>
-                <a:satMod val="350000"/>
-              </a:schemeClr>
-            </a:gs>
-            <a:gs pos="40000">
-              <a:schemeClr val="phClr">
-                <a:tint val="45000"/>
-                <a:shade val="99000"/>
-                <a:satMod val="350000"/>
-              </a:schemeClr>
-            </a:gs>
-            <a:gs pos="100000">
-              <a:schemeClr val="phClr">
-                <a:shade val="20000"/>
-                <a:satMod val="255000"/>
-              </a:schemeClr>
-            </a:gs>
-          </a:gsLst>
-          <a:path path="circle">
-            <a:fillToRect l="50000" t="-80000" r="50000" b="180000"/>
-          </a:path>
-        </a:gradFill>
-        <a:gradFill rotWithShape="1">
-          <a:gsLst>
-            <a:gs pos="0">
-              <a:schemeClr val="phClr">
-                <a:tint val="80000"/>
-                <a:satMod val="300000"/>
-              </a:schemeClr>
-            </a:gs>
-            <a:gs pos="100000">
-              <a:schemeClr val="phClr">
-                <a:shade val="30000"/>
-                <a:satMod val="200000"/>
-              </a:schemeClr>
-            </a:gs>
-          </a:gsLst>
-          <a:path path="circle">
-            <a:fillToRect l="50000" t="50000" r="50000" b="50000"/>
-          </a:path>
-        </a:gradFill>
-      </a:bgFillStyleLst>
-    </a:fmtScheme>
-  </a:themeElements>
-</a:theme>
 </file>